--- a/data2/Presentation1.pptx
+++ b/data2/Presentation1.pptx
@@ -11,9 +11,11 @@
     <p:sldId id="259" r:id="rId5"/>
     <p:sldId id="260" r:id="rId6"/>
     <p:sldId id="261" r:id="rId7"/>
-    <p:sldId id="262" r:id="rId8"/>
-    <p:sldId id="263" r:id="rId9"/>
-    <p:sldId id="264" r:id="rId10"/>
+    <p:sldId id="269" r:id="rId8"/>
+    <p:sldId id="270" r:id="rId9"/>
+    <p:sldId id="267" r:id="rId10"/>
+    <p:sldId id="268" r:id="rId11"/>
+    <p:sldId id="264" r:id="rId12"/>
   </p:sldIdLst>
   <p:sldSz cx="12192000" cy="6858000"/>
   <p:notesSz cx="6858000" cy="9144000"/>
@@ -3315,6 +3317,14 @@
 <file path=ppt/slides/slide1.xml><?xml version="1.0" encoding="utf-8"?>
 <p:sld xmlns:a="http://schemas.openxmlformats.org/drawingml/2006/main" xmlns:r="http://schemas.openxmlformats.org/officeDocument/2006/relationships" xmlns:p="http://schemas.openxmlformats.org/presentationml/2006/main">
   <p:cSld>
+    <p:bg>
+      <p:bgPr>
+        <a:solidFill>
+          <a:schemeClr val="bg1"/>
+        </a:solidFill>
+        <a:effectLst/>
+      </p:bgPr>
+    </p:bg>
     <p:spTree>
       <p:nvGrpSpPr>
         <p:cNvPr id="1" name=""/>
@@ -3331,6 +3341,134 @@
       </p:grpSpPr>
       <p:sp>
         <p:nvSpPr>
+          <p:cNvPr id="18" name="Rectangle 17">
+            <a:extLst>
+              <a:ext uri="{FF2B5EF4-FFF2-40B4-BE49-F238E27FC236}">
+                <a16:creationId xmlns:a16="http://schemas.microsoft.com/office/drawing/2014/main" id="{428D436F-9ACD-4C92-AFC8-C934C527A6A4}"/>
+              </a:ext>
+              <a:ext uri="{C183D7F6-B498-43B3-948B-1728B52AA6E4}">
+                <adec:decorative xmlns:adec="http://schemas.microsoft.com/office/drawing/2017/decorative" val="1"/>
+              </a:ext>
+            </a:extLst>
+          </p:cNvPr>
+          <p:cNvSpPr>
+            <a:spLocks noGrp="1" noRot="1" noChangeAspect="1" noMove="1" noResize="1" noEditPoints="1" noAdjustHandles="1" noChangeArrowheads="1" noChangeShapeType="1" noTextEdit="1"/>
+          </p:cNvSpPr>
+          <p:nvPr>
+            <p:extLst>
+              <p:ext uri="{386F3935-93C4-4BCD-93E2-E3B085C9AB24}">
+                <p16:designElem xmlns:p16="http://schemas.microsoft.com/office/powerpoint/2015/main" val="1"/>
+              </p:ext>
+            </p:extLst>
+          </p:nvPr>
+        </p:nvSpPr>
+        <p:spPr>
+          <a:xfrm>
+            <a:off x="6096000" y="0"/>
+            <a:ext cx="6096000" cy="6858000"/>
+          </a:xfrm>
+          <a:prstGeom prst="rect">
+            <a:avLst/>
+          </a:prstGeom>
+          <a:solidFill>
+            <a:schemeClr val="tx1">
+              <a:alpha val="8000"/>
+            </a:schemeClr>
+          </a:solidFill>
+          <a:ln>
+            <a:noFill/>
+          </a:ln>
+        </p:spPr>
+        <p:style>
+          <a:lnRef idx="2">
+            <a:schemeClr val="accent1">
+              <a:shade val="50000"/>
+            </a:schemeClr>
+          </a:lnRef>
+          <a:fillRef idx="1">
+            <a:schemeClr val="accent1"/>
+          </a:fillRef>
+          <a:effectRef idx="0">
+            <a:schemeClr val="accent1"/>
+          </a:effectRef>
+          <a:fontRef idx="minor">
+            <a:schemeClr val="lt1"/>
+          </a:fontRef>
+        </p:style>
+        <p:txBody>
+          <a:bodyPr rtlCol="0" anchor="ctr"/>
+          <a:lstStyle/>
+          <a:p>
+            <a:pPr algn="ctr"/>
+            <a:endParaRPr lang="en-US"/>
+          </a:p>
+        </p:txBody>
+      </p:sp>
+      <p:sp>
+        <p:nvSpPr>
+          <p:cNvPr id="20" name="Rectangle 19">
+            <a:extLst>
+              <a:ext uri="{FF2B5EF4-FFF2-40B4-BE49-F238E27FC236}">
+                <a16:creationId xmlns:a16="http://schemas.microsoft.com/office/drawing/2014/main" id="{090538E0-A884-4E60-A6AB-77D830E2FCED}"/>
+              </a:ext>
+              <a:ext uri="{C183D7F6-B498-43B3-948B-1728B52AA6E4}">
+                <adec:decorative xmlns:adec="http://schemas.microsoft.com/office/drawing/2017/decorative" val="1"/>
+              </a:ext>
+            </a:extLst>
+          </p:cNvPr>
+          <p:cNvSpPr>
+            <a:spLocks noGrp="1" noRot="1" noChangeAspect="1" noMove="1" noResize="1" noEditPoints="1" noAdjustHandles="1" noChangeArrowheads="1" noChangeShapeType="1" noTextEdit="1"/>
+          </p:cNvSpPr>
+          <p:nvPr>
+            <p:extLst>
+              <p:ext uri="{386F3935-93C4-4BCD-93E2-E3B085C9AB24}">
+                <p16:designElem xmlns:p16="http://schemas.microsoft.com/office/powerpoint/2015/main" val="1"/>
+              </p:ext>
+            </p:extLst>
+          </p:nvPr>
+        </p:nvSpPr>
+        <p:spPr>
+          <a:xfrm>
+            <a:off x="1453478" y="0"/>
+            <a:ext cx="4657389" cy="6858000"/>
+          </a:xfrm>
+          <a:prstGeom prst="rect">
+            <a:avLst/>
+          </a:prstGeom>
+          <a:solidFill>
+            <a:schemeClr val="accent2"/>
+          </a:solidFill>
+          <a:ln>
+            <a:noFill/>
+          </a:ln>
+        </p:spPr>
+        <p:style>
+          <a:lnRef idx="2">
+            <a:schemeClr val="accent1">
+              <a:shade val="50000"/>
+            </a:schemeClr>
+          </a:lnRef>
+          <a:fillRef idx="1">
+            <a:schemeClr val="accent1"/>
+          </a:fillRef>
+          <a:effectRef idx="0">
+            <a:schemeClr val="accent1"/>
+          </a:effectRef>
+          <a:fontRef idx="minor">
+            <a:schemeClr val="lt1"/>
+          </a:fontRef>
+        </p:style>
+        <p:txBody>
+          <a:bodyPr rtlCol="0" anchor="ctr"/>
+          <a:lstStyle/>
+          <a:p>
+            <a:pPr algn="ctr"/>
+            <a:endParaRPr lang="en-US"/>
+          </a:p>
+        </p:txBody>
+      </p:sp>
+      <p:sp>
+        <p:nvSpPr>
           <p:cNvPr id="2" name="Title 1">
             <a:extLst>
               <a:ext uri="{FF2B5EF4-FFF2-40B4-BE49-F238E27FC236}">
@@ -3345,15 +3483,100 @@
             <p:ph type="ctrTitle"/>
           </p:nvPr>
         </p:nvSpPr>
-        <p:spPr/>
-        <p:txBody>
-          <a:bodyPr/>
+        <p:spPr>
+          <a:xfrm>
+            <a:off x="1920705" y="2389796"/>
+            <a:ext cx="3722933" cy="757130"/>
+          </a:xfrm>
+          <a:ln w="25400" cap="sq">
+            <a:solidFill>
+              <a:srgbClr val="FFFFFF"/>
+            </a:solidFill>
+            <a:miter lim="800000"/>
+          </a:ln>
+        </p:spPr>
+        <p:txBody>
+          <a:bodyPr vert="horz" wrap="square" lIns="91440" tIns="45720" rIns="91440" bIns="45720" rtlCol="0" anchor="ctr">
+            <a:normAutofit/>
+          </a:bodyPr>
           <a:lstStyle/>
           <a:p>
             <a:r>
-              <a:rPr lang="en-US" dirty="0"/>
-              <a:t>Your title here</a:t>
-            </a:r>
+              <a:rPr lang="en-US" sz="2800" b="1" kern="1200" dirty="0">
+                <a:solidFill>
+                  <a:srgbClr val="FFFFFF"/>
+                </a:solidFill>
+                <a:latin typeface="+mj-lt"/>
+                <a:ea typeface="+mj-ea"/>
+                <a:cs typeface="+mj-cs"/>
+              </a:rPr>
+              <a:t>Aviation Data Analysis</a:t>
+            </a:r>
+          </a:p>
+        </p:txBody>
+      </p:sp>
+      <p:sp>
+        <p:nvSpPr>
+          <p:cNvPr id="22" name="Rectangle 21">
+            <a:extLst>
+              <a:ext uri="{FF2B5EF4-FFF2-40B4-BE49-F238E27FC236}">
+                <a16:creationId xmlns:a16="http://schemas.microsoft.com/office/drawing/2014/main" id="{DB0D7DD0-1C67-4D4C-9E06-678233DB8468}"/>
+              </a:ext>
+              <a:ext uri="{C183D7F6-B498-43B3-948B-1728B52AA6E4}">
+                <adec:decorative xmlns:adec="http://schemas.microsoft.com/office/drawing/2017/decorative" val="1"/>
+              </a:ext>
+            </a:extLst>
+          </p:cNvPr>
+          <p:cNvSpPr>
+            <a:spLocks noGrp="1" noRot="1" noChangeAspect="1" noMove="1" noResize="1" noEditPoints="1" noAdjustHandles="1" noChangeArrowheads="1" noChangeShapeType="1" noTextEdit="1"/>
+          </p:cNvSpPr>
+          <p:nvPr>
+            <p:extLst>
+              <p:ext uri="{386F3935-93C4-4BCD-93E2-E3B085C9AB24}">
+                <p16:designElem xmlns:p16="http://schemas.microsoft.com/office/powerpoint/2015/main" val="1"/>
+              </p:ext>
+            </p:extLst>
+          </p:nvPr>
+        </p:nvSpPr>
+        <p:spPr>
+          <a:xfrm>
+            <a:off x="0" y="0"/>
+            <a:ext cx="1453478" cy="6858000"/>
+          </a:xfrm>
+          <a:prstGeom prst="rect">
+            <a:avLst/>
+          </a:prstGeom>
+          <a:solidFill>
+            <a:srgbClr val="404040">
+              <a:alpha val="80000"/>
+            </a:srgbClr>
+          </a:solidFill>
+          <a:ln>
+            <a:noFill/>
+          </a:ln>
+        </p:spPr>
+        <p:style>
+          <a:lnRef idx="2">
+            <a:schemeClr val="accent1">
+              <a:shade val="50000"/>
+            </a:schemeClr>
+          </a:lnRef>
+          <a:fillRef idx="1">
+            <a:schemeClr val="accent1"/>
+          </a:fillRef>
+          <a:effectRef idx="0">
+            <a:schemeClr val="accent1"/>
+          </a:effectRef>
+          <a:fontRef idx="minor">
+            <a:schemeClr val="lt1"/>
+          </a:fontRef>
+        </p:style>
+        <p:txBody>
+          <a:bodyPr rtlCol="0" anchor="ctr"/>
+          <a:lstStyle/>
+          <a:p>
+            <a:pPr algn="ctr"/>
+            <a:endParaRPr lang="en-US"/>
           </a:p>
         </p:txBody>
       </p:sp>
@@ -3373,14 +3596,63 @@
             <p:ph type="subTitle" idx="1"/>
           </p:nvPr>
         </p:nvSpPr>
-        <p:spPr/>
-        <p:txBody>
-          <a:bodyPr/>
+        <p:spPr>
+          <a:xfrm>
+            <a:off x="6755735" y="3146926"/>
+            <a:ext cx="5053066" cy="874858"/>
+          </a:xfrm>
+        </p:spPr>
+        <p:txBody>
+          <a:bodyPr vert="horz" lIns="91440" tIns="45720" rIns="91440" bIns="45720" rtlCol="0">
+            <a:normAutofit/>
+          </a:bodyPr>
           <a:lstStyle/>
           <a:p>
             <a:r>
-              <a:rPr lang="en-US" dirty="0"/>
-              <a:t>Subtitle here</a:t>
+              <a:rPr lang="en-US" sz="2000" dirty="0"/>
+              <a:t>Minimizing stakeholder risk in selecting a new Jet-plane operation to invest in. </a:t>
+            </a:r>
+          </a:p>
+        </p:txBody>
+      </p:sp>
+      <p:sp>
+        <p:nvSpPr>
+          <p:cNvPr id="4" name="TextBox 3">
+            <a:extLst>
+              <a:ext uri="{FF2B5EF4-FFF2-40B4-BE49-F238E27FC236}">
+                <a16:creationId xmlns:a16="http://schemas.microsoft.com/office/drawing/2014/main" id="{2BA5CE2E-B378-6DC3-7BF2-A8A402003E1B}"/>
+              </a:ext>
+            </a:extLst>
+          </p:cNvPr>
+          <p:cNvSpPr txBox="1"/>
+          <p:nvPr/>
+        </p:nvSpPr>
+        <p:spPr>
+          <a:xfrm>
+            <a:off x="6943003" y="4021784"/>
+            <a:ext cx="5057398" cy="874859"/>
+          </a:xfrm>
+          <a:prstGeom prst="rect">
+            <a:avLst/>
+          </a:prstGeom>
+        </p:spPr>
+        <p:txBody>
+          <a:bodyPr vert="horz" lIns="91440" tIns="45720" rIns="91440" bIns="45720" rtlCol="0">
+            <a:normAutofit/>
+          </a:bodyPr>
+          <a:lstStyle/>
+          <a:p>
+            <a:pPr>
+              <a:lnSpc>
+                <a:spcPct val="90000"/>
+              </a:lnSpc>
+              <a:spcAft>
+                <a:spcPts val="600"/>
+              </a:spcAft>
+            </a:pPr>
+            <a:r>
+              <a:rPr lang="en-US" sz="2000" dirty="0"/>
+              <a:t>By: Andrew Reusche</a:t>
             </a:r>
           </a:p>
         </p:txBody>
@@ -3398,9 +3670,17 @@
 </p:sld>
 </file>
 
-<file path=ppt/slides/slide2.xml><?xml version="1.0" encoding="utf-8"?>
+<file path=ppt/slides/slide10.xml><?xml version="1.0" encoding="utf-8"?>
 <p:sld xmlns:a="http://schemas.openxmlformats.org/drawingml/2006/main" xmlns:r="http://schemas.openxmlformats.org/officeDocument/2006/relationships" xmlns:p="http://schemas.openxmlformats.org/presentationml/2006/main">
   <p:cSld>
+    <p:bg>
+      <p:bgPr>
+        <a:solidFill>
+          <a:schemeClr val="bg1"/>
+        </a:solidFill>
+        <a:effectLst/>
+      </p:bgPr>
+    </p:bg>
     <p:spTree>
       <p:nvGrpSpPr>
         <p:cNvPr id="1" name=""/>
@@ -3415,12 +3695,72 @@
           <a:chExt cx="0" cy="0"/>
         </a:xfrm>
       </p:grpSpPr>
+      <p:sp useBgFill="1">
+        <p:nvSpPr>
+          <p:cNvPr id="14" name="Rectangle 13">
+            <a:extLst>
+              <a:ext uri="{FF2B5EF4-FFF2-40B4-BE49-F238E27FC236}">
+                <a16:creationId xmlns:a16="http://schemas.microsoft.com/office/drawing/2014/main" id="{AFF8D2E5-2C4E-47B1-930B-6C82B7C31331}"/>
+              </a:ext>
+              <a:ext uri="{C183D7F6-B498-43B3-948B-1728B52AA6E4}">
+                <adec:decorative xmlns:adec="http://schemas.microsoft.com/office/drawing/2017/decorative" val="1"/>
+              </a:ext>
+            </a:extLst>
+          </p:cNvPr>
+          <p:cNvSpPr>
+            <a:spLocks noGrp="1" noRot="1" noChangeAspect="1" noMove="1" noResize="1" noEditPoints="1" noAdjustHandles="1" noChangeArrowheads="1" noChangeShapeType="1" noTextEdit="1"/>
+          </p:cNvSpPr>
+          <p:nvPr>
+            <p:extLst>
+              <p:ext uri="{386F3935-93C4-4BCD-93E2-E3B085C9AB24}">
+                <p16:designElem xmlns:p16="http://schemas.microsoft.com/office/powerpoint/2015/main" val="1"/>
+              </p:ext>
+            </p:extLst>
+          </p:nvPr>
+        </p:nvSpPr>
+        <p:spPr>
+          <a:xfrm>
+            <a:off x="0" y="0"/>
+            <a:ext cx="12192000" cy="6858000"/>
+          </a:xfrm>
+          <a:prstGeom prst="rect">
+            <a:avLst/>
+          </a:prstGeom>
+          <a:ln>
+            <a:noFill/>
+          </a:ln>
+        </p:spPr>
+        <p:style>
+          <a:lnRef idx="2">
+            <a:schemeClr val="accent1">
+              <a:shade val="50000"/>
+            </a:schemeClr>
+          </a:lnRef>
+          <a:fillRef idx="1">
+            <a:schemeClr val="accent1"/>
+          </a:fillRef>
+          <a:effectRef idx="0">
+            <a:schemeClr val="accent1"/>
+          </a:effectRef>
+          <a:fontRef idx="minor">
+            <a:schemeClr val="lt1"/>
+          </a:fontRef>
+        </p:style>
+        <p:txBody>
+          <a:bodyPr rtlCol="0" anchor="ctr"/>
+          <a:lstStyle/>
+          <a:p>
+            <a:pPr algn="ctr"/>
+            <a:endParaRPr lang="en-US"/>
+          </a:p>
+        </p:txBody>
+      </p:sp>
       <p:sp>
         <p:nvSpPr>
-          <p:cNvPr id="2" name="Title 1">
-            <a:extLst>
-              <a:ext uri="{FF2B5EF4-FFF2-40B4-BE49-F238E27FC236}">
-                <a16:creationId xmlns:a16="http://schemas.microsoft.com/office/drawing/2014/main" id="{5B9D2B3F-27CD-4E02-0E1A-6A4A8C74D8F6}"/>
+          <p:cNvPr id="5" name="Title 4">
+            <a:extLst>
+              <a:ext uri="{FF2B5EF4-FFF2-40B4-BE49-F238E27FC236}">
+                <a16:creationId xmlns:a16="http://schemas.microsoft.com/office/drawing/2014/main" id="{7471A0B6-DA2B-0EE4-0E32-45953D209B19}"/>
               </a:ext>
             </a:extLst>
           </p:cNvPr>
@@ -3431,24 +3771,1231 @@
             <p:ph type="title"/>
           </p:nvPr>
         </p:nvSpPr>
-        <p:spPr/>
+        <p:spPr>
+          <a:xfrm>
+            <a:off x="841248" y="251312"/>
+            <a:ext cx="10506456" cy="1010264"/>
+          </a:xfrm>
+        </p:spPr>
+        <p:txBody>
+          <a:bodyPr vert="horz" lIns="91440" tIns="45720" rIns="91440" bIns="45720" rtlCol="0" anchor="ctr">
+            <a:normAutofit/>
+          </a:bodyPr>
+          <a:lstStyle/>
+          <a:p>
+            <a:r>
+              <a:rPr lang="en-US" kern="1200">
+                <a:solidFill>
+                  <a:schemeClr val="tx1"/>
+                </a:solidFill>
+                <a:latin typeface="+mj-lt"/>
+                <a:ea typeface="+mj-ea"/>
+                <a:cs typeface="+mj-cs"/>
+              </a:rPr>
+              <a:t>Conclusions and Next Steps</a:t>
+            </a:r>
+          </a:p>
+        </p:txBody>
+      </p:sp>
+      <p:sp>
+        <p:nvSpPr>
+          <p:cNvPr id="16" name="Rectangle 15">
+            <a:extLst>
+              <a:ext uri="{FF2B5EF4-FFF2-40B4-BE49-F238E27FC236}">
+                <a16:creationId xmlns:a16="http://schemas.microsoft.com/office/drawing/2014/main" id="{801E4ADA-0EA9-4930-846E-3C11E8BED6DD}"/>
+              </a:ext>
+              <a:ext uri="{C183D7F6-B498-43B3-948B-1728B52AA6E4}">
+                <adec:decorative xmlns:adec="http://schemas.microsoft.com/office/drawing/2017/decorative" val="1"/>
+              </a:ext>
+            </a:extLst>
+          </p:cNvPr>
+          <p:cNvSpPr>
+            <a:spLocks noGrp="1" noRot="1" noChangeAspect="1" noMove="1" noResize="1" noEditPoints="1" noAdjustHandles="1" noChangeArrowheads="1" noChangeShapeType="1" noTextEdit="1"/>
+          </p:cNvSpPr>
+          <p:nvPr>
+            <p:extLst>
+              <p:ext uri="{386F3935-93C4-4BCD-93E2-E3B085C9AB24}">
+                <p16:designElem xmlns:p16="http://schemas.microsoft.com/office/powerpoint/2015/main" val="1"/>
+              </p:ext>
+            </p:extLst>
+          </p:nvPr>
+        </p:nvSpPr>
+        <p:spPr>
+          <a:xfrm>
+            <a:off x="0" y="417618"/>
+            <a:ext cx="128016" cy="631415"/>
+          </a:xfrm>
+          <a:prstGeom prst="rect">
+            <a:avLst/>
+          </a:prstGeom>
+          <a:solidFill>
+            <a:schemeClr val="accent2"/>
+          </a:solidFill>
+          <a:ln>
+            <a:noFill/>
+          </a:ln>
+        </p:spPr>
+        <p:style>
+          <a:lnRef idx="2">
+            <a:schemeClr val="accent1">
+              <a:shade val="50000"/>
+            </a:schemeClr>
+          </a:lnRef>
+          <a:fillRef idx="1">
+            <a:schemeClr val="accent1"/>
+          </a:fillRef>
+          <a:effectRef idx="0">
+            <a:schemeClr val="accent1"/>
+          </a:effectRef>
+          <a:fontRef idx="minor">
+            <a:schemeClr val="lt1"/>
+          </a:fontRef>
+        </p:style>
+        <p:txBody>
+          <a:bodyPr rtlCol="0" anchor="ctr"/>
+          <a:lstStyle/>
+          <a:p>
+            <a:pPr marL="0" marR="0" lvl="0" indent="0" algn="ctr" defTabSz="914400" rtl="0" eaLnBrk="1" fontAlgn="auto" latinLnBrk="0" hangingPunct="1">
+              <a:lnSpc>
+                <a:spcPct val="100000"/>
+              </a:lnSpc>
+              <a:spcBef>
+                <a:spcPts val="0"/>
+              </a:spcBef>
+              <a:spcAft>
+                <a:spcPts val="0"/>
+              </a:spcAft>
+              <a:buClrTx/>
+              <a:buSzTx/>
+              <a:buFontTx/>
+              <a:buNone/>
+              <a:tabLst/>
+              <a:defRPr/>
+            </a:pPr>
+            <a:endParaRPr kumimoji="0" lang="en-US" sz="1800" b="0" i="0" u="none" strike="noStrike" kern="1200" cap="none" spc="0" normalizeH="0" baseline="0" noProof="0">
+              <a:ln>
+                <a:noFill/>
+              </a:ln>
+              <a:solidFill>
+                <a:prstClr val="white"/>
+              </a:solidFill>
+              <a:effectLst/>
+              <a:uLnTx/>
+              <a:uFillTx/>
+              <a:latin typeface="Calibri" panose="020F0502020204030204"/>
+              <a:ea typeface="+mn-ea"/>
+              <a:cs typeface="+mn-cs"/>
+            </a:endParaRPr>
+          </a:p>
+        </p:txBody>
+      </p:sp>
+      <p:sp>
+        <p:nvSpPr>
+          <p:cNvPr id="18" name="Rectangle 17">
+            <a:extLst>
+              <a:ext uri="{FF2B5EF4-FFF2-40B4-BE49-F238E27FC236}">
+                <a16:creationId xmlns:a16="http://schemas.microsoft.com/office/drawing/2014/main" id="{FB92FFCE-0C90-454E-AA25-D4EE9A6C39C5}"/>
+              </a:ext>
+              <a:ext uri="{C183D7F6-B498-43B3-948B-1728B52AA6E4}">
+                <adec:decorative xmlns:adec="http://schemas.microsoft.com/office/drawing/2017/decorative" val="1"/>
+              </a:ext>
+            </a:extLst>
+          </p:cNvPr>
+          <p:cNvSpPr>
+            <a:spLocks noGrp="1" noRot="1" noChangeAspect="1" noMove="1" noResize="1" noEditPoints="1" noAdjustHandles="1" noChangeArrowheads="1" noChangeShapeType="1" noTextEdit="1"/>
+          </p:cNvSpPr>
+          <p:nvPr>
+            <p:extLst>
+              <p:ext uri="{386F3935-93C4-4BCD-93E2-E3B085C9AB24}">
+                <p16:designElem xmlns:p16="http://schemas.microsoft.com/office/powerpoint/2015/main" val="1"/>
+              </p:ext>
+            </p:extLst>
+          </p:nvPr>
+        </p:nvSpPr>
+        <p:spPr>
+          <a:xfrm>
+            <a:off x="841248" y="1380864"/>
+            <a:ext cx="10506456" cy="18288"/>
+          </a:xfrm>
+          <a:prstGeom prst="rect">
+            <a:avLst/>
+          </a:prstGeom>
+          <a:solidFill>
+            <a:srgbClr val="D5D5D5"/>
+          </a:solidFill>
+          <a:ln w="3175">
+            <a:noFill/>
+          </a:ln>
+          <a:effectLst/>
+        </p:spPr>
+        <p:style>
+          <a:lnRef idx="2">
+            <a:schemeClr val="accent1">
+              <a:shade val="50000"/>
+            </a:schemeClr>
+          </a:lnRef>
+          <a:fillRef idx="1">
+            <a:schemeClr val="accent1"/>
+          </a:fillRef>
+          <a:effectRef idx="0">
+            <a:schemeClr val="accent1"/>
+          </a:effectRef>
+          <a:fontRef idx="minor">
+            <a:schemeClr val="lt1"/>
+          </a:fontRef>
+        </p:style>
+        <p:txBody>
+          <a:bodyPr rtlCol="0" anchor="ctr"/>
+          <a:lstStyle/>
+          <a:p>
+            <a:pPr algn="ctr"/>
+            <a:endParaRPr lang="en-US">
+              <a:solidFill>
+                <a:prstClr val="white"/>
+              </a:solidFill>
+              <a:latin typeface="Calibri" panose="020F0502020204030204"/>
+            </a:endParaRPr>
+          </a:p>
+        </p:txBody>
+      </p:sp>
+      <p:sp>
+        <p:nvSpPr>
+          <p:cNvPr id="6" name="Text Placeholder 5">
+            <a:extLst>
+              <a:ext uri="{FF2B5EF4-FFF2-40B4-BE49-F238E27FC236}">
+                <a16:creationId xmlns:a16="http://schemas.microsoft.com/office/drawing/2014/main" id="{E6844C07-DA04-064A-F835-B8F6BC726540}"/>
+              </a:ext>
+            </a:extLst>
+          </p:cNvPr>
+          <p:cNvSpPr>
+            <a:spLocks/>
+          </p:cNvSpPr>
+          <p:nvPr/>
+        </p:nvSpPr>
+        <p:spPr>
+          <a:xfrm>
+            <a:off x="838200" y="1785892"/>
+            <a:ext cx="4934825" cy="788296"/>
+          </a:xfrm>
+          <a:prstGeom prst="rect">
+            <a:avLst/>
+          </a:prstGeom>
+        </p:spPr>
         <p:txBody>
           <a:bodyPr/>
           <a:lstStyle/>
           <a:p>
-            <a:r>
-              <a:rPr lang="en-US" dirty="0"/>
-              <a:t>Summary </a:t>
-            </a:r>
+            <a:pPr defTabSz="868680">
+              <a:spcAft>
+                <a:spcPts val="600"/>
+              </a:spcAft>
+            </a:pPr>
+            <a:r>
+              <a:rPr lang="en-US" sz="1710" kern="1200">
+                <a:solidFill>
+                  <a:schemeClr val="tx1"/>
+                </a:solidFill>
+                <a:latin typeface="+mn-lt"/>
+                <a:ea typeface="+mn-ea"/>
+                <a:cs typeface="+mn-cs"/>
+              </a:rPr>
+              <a:t>Conclusions</a:t>
+            </a:r>
+            <a:endParaRPr lang="en-US"/>
           </a:p>
         </p:txBody>
       </p:sp>
       <p:sp>
         <p:nvSpPr>
+          <p:cNvPr id="7" name="Content Placeholder 6">
+            <a:extLst>
+              <a:ext uri="{FF2B5EF4-FFF2-40B4-BE49-F238E27FC236}">
+                <a16:creationId xmlns:a16="http://schemas.microsoft.com/office/drawing/2014/main" id="{AFC3877F-2584-0FC9-5351-162216C5F1ED}"/>
+              </a:ext>
+            </a:extLst>
+          </p:cNvPr>
+          <p:cNvSpPr>
+            <a:spLocks/>
+          </p:cNvSpPr>
+          <p:nvPr/>
+        </p:nvSpPr>
+        <p:spPr>
+          <a:xfrm>
+            <a:off x="838200" y="2574188"/>
+            <a:ext cx="4934825" cy="3525310"/>
+          </a:xfrm>
+          <a:prstGeom prst="rect">
+            <a:avLst/>
+          </a:prstGeom>
+        </p:spPr>
+        <p:txBody>
+          <a:bodyPr>
+            <a:normAutofit/>
+          </a:bodyPr>
+          <a:lstStyle/>
+          <a:p>
+            <a:pPr defTabSz="868680">
+              <a:spcAft>
+                <a:spcPts val="600"/>
+              </a:spcAft>
+            </a:pPr>
+            <a:r>
+              <a:rPr lang="en-US" sz="1710" kern="1200">
+                <a:solidFill>
+                  <a:schemeClr val="tx1"/>
+                </a:solidFill>
+                <a:latin typeface="+mn-lt"/>
+                <a:ea typeface="+mn-ea"/>
+                <a:cs typeface="+mn-cs"/>
+              </a:rPr>
+              <a:t>Invest in Jets that operate in the Northeast Region of the USA.  </a:t>
+            </a:r>
+          </a:p>
+          <a:p>
+            <a:pPr defTabSz="868680">
+              <a:spcAft>
+                <a:spcPts val="600"/>
+              </a:spcAft>
+            </a:pPr>
+            <a:r>
+              <a:rPr lang="en-US" sz="1710" kern="1200">
+                <a:solidFill>
+                  <a:schemeClr val="tx1"/>
+                </a:solidFill>
+                <a:latin typeface="+mn-lt"/>
+                <a:ea typeface="+mn-ea"/>
+                <a:cs typeface="+mn-cs"/>
+              </a:rPr>
+              <a:t>Invest in Jet operations with larger commercial passenger carrying capacities. </a:t>
+            </a:r>
+          </a:p>
+          <a:p>
+            <a:pPr defTabSz="868680">
+              <a:spcAft>
+                <a:spcPts val="600"/>
+              </a:spcAft>
+            </a:pPr>
+            <a:r>
+              <a:rPr lang="en-US" sz="1710" kern="1200">
+                <a:solidFill>
+                  <a:schemeClr val="tx1"/>
+                </a:solidFill>
+                <a:highlight>
+                  <a:srgbClr val="FFFFFF"/>
+                </a:highlight>
+                <a:latin typeface="system-ui"/>
+                <a:ea typeface="+mn-ea"/>
+                <a:cs typeface="+mn-cs"/>
+              </a:rPr>
+              <a:t>Invest in Jets that utilize Turbo Jet Engines as a method of propulsion.</a:t>
+            </a:r>
+            <a:endParaRPr lang="en-US"/>
+          </a:p>
+        </p:txBody>
+      </p:sp>
+      <p:sp>
+        <p:nvSpPr>
+          <p:cNvPr id="8" name="Text Placeholder 7">
+            <a:extLst>
+              <a:ext uri="{FF2B5EF4-FFF2-40B4-BE49-F238E27FC236}">
+                <a16:creationId xmlns:a16="http://schemas.microsoft.com/office/drawing/2014/main" id="{638E6817-6B13-A977-1D38-35FB1C174F57}"/>
+              </a:ext>
+            </a:extLst>
+          </p:cNvPr>
+          <p:cNvSpPr>
+            <a:spLocks/>
+          </p:cNvSpPr>
+          <p:nvPr/>
+        </p:nvSpPr>
+        <p:spPr>
+          <a:xfrm>
+            <a:off x="5940100" y="1785892"/>
+            <a:ext cx="5404556" cy="788296"/>
+          </a:xfrm>
+          <a:prstGeom prst="rect">
+            <a:avLst/>
+          </a:prstGeom>
+        </p:spPr>
+        <p:txBody>
+          <a:bodyPr/>
+          <a:lstStyle/>
+          <a:p>
+            <a:pPr defTabSz="868680">
+              <a:spcAft>
+                <a:spcPts val="600"/>
+              </a:spcAft>
+            </a:pPr>
+            <a:r>
+              <a:rPr lang="en-US" sz="1710" kern="1200">
+                <a:solidFill>
+                  <a:schemeClr val="tx1"/>
+                </a:solidFill>
+                <a:latin typeface="+mn-lt"/>
+                <a:ea typeface="+mn-ea"/>
+                <a:cs typeface="+mn-cs"/>
+              </a:rPr>
+              <a:t>Next Steps (Potential Further Analyses) </a:t>
+            </a:r>
+            <a:endParaRPr lang="en-US"/>
+          </a:p>
+        </p:txBody>
+      </p:sp>
+      <p:sp>
+        <p:nvSpPr>
+          <p:cNvPr id="9" name="Content Placeholder 8">
+            <a:extLst>
+              <a:ext uri="{FF2B5EF4-FFF2-40B4-BE49-F238E27FC236}">
+                <a16:creationId xmlns:a16="http://schemas.microsoft.com/office/drawing/2014/main" id="{45C15388-EFDB-238F-6E67-8014D4BE5AD6}"/>
+              </a:ext>
+            </a:extLst>
+          </p:cNvPr>
+          <p:cNvSpPr>
+            <a:spLocks/>
+          </p:cNvSpPr>
+          <p:nvPr/>
+        </p:nvSpPr>
+        <p:spPr>
+          <a:xfrm>
+            <a:off x="5940101" y="2574188"/>
+            <a:ext cx="5252403" cy="3525310"/>
+          </a:xfrm>
+          <a:prstGeom prst="rect">
+            <a:avLst/>
+          </a:prstGeom>
+        </p:spPr>
+        <p:txBody>
+          <a:bodyPr>
+            <a:normAutofit/>
+          </a:bodyPr>
+          <a:lstStyle/>
+          <a:p>
+            <a:pPr defTabSz="868680">
+              <a:spcAft>
+                <a:spcPts val="600"/>
+              </a:spcAft>
+            </a:pPr>
+            <a:r>
+              <a:rPr lang="en-US" sz="1710" u="sng" kern="1200">
+                <a:solidFill>
+                  <a:schemeClr val="tx1"/>
+                </a:solidFill>
+                <a:highlight>
+                  <a:srgbClr val="FFFFFF"/>
+                </a:highlight>
+                <a:latin typeface="system-ui"/>
+                <a:ea typeface="+mn-ea"/>
+                <a:cs typeface="+mn-cs"/>
+              </a:rPr>
+              <a:t>Jet Improvement Analysis: </a:t>
+            </a:r>
+            <a:r>
+              <a:rPr lang="en-US" sz="1710" kern="1200">
+                <a:solidFill>
+                  <a:schemeClr val="tx1"/>
+                </a:solidFill>
+                <a:highlight>
+                  <a:srgbClr val="FFFFFF"/>
+                </a:highlight>
+                <a:latin typeface="system-ui"/>
+                <a:ea typeface="+mn-ea"/>
+                <a:cs typeface="+mn-cs"/>
+              </a:rPr>
+              <a:t>Which Jets have improved the most over the years and now have a smaller chance of experiencing a fatal incident?</a:t>
+            </a:r>
+          </a:p>
+          <a:p>
+            <a:pPr defTabSz="868680">
+              <a:spcAft>
+                <a:spcPts val="600"/>
+              </a:spcAft>
+            </a:pPr>
+            <a:r>
+              <a:rPr lang="en-US" sz="1710" u="sng" kern="1200">
+                <a:solidFill>
+                  <a:schemeClr val="tx1"/>
+                </a:solidFill>
+                <a:highlight>
+                  <a:srgbClr val="FFFFFF"/>
+                </a:highlight>
+                <a:latin typeface="system-ui"/>
+                <a:ea typeface="+mn-ea"/>
+                <a:cs typeface="+mn-cs"/>
+              </a:rPr>
+              <a:t>Flight purpose analysis:</a:t>
+            </a:r>
+            <a:r>
+              <a:rPr lang="en-US" sz="1710" kern="1200">
+                <a:solidFill>
+                  <a:schemeClr val="tx1"/>
+                </a:solidFill>
+                <a:highlight>
+                  <a:srgbClr val="FFFFFF"/>
+                </a:highlight>
+                <a:latin typeface="system-ui"/>
+                <a:ea typeface="+mn-ea"/>
+                <a:cs typeface="+mn-cs"/>
+              </a:rPr>
+              <a:t> This model could display which types of flights</a:t>
+            </a:r>
+            <a:br>
+              <a:rPr lang="en-US" sz="1710" kern="1200">
+                <a:solidFill>
+                  <a:schemeClr val="tx1"/>
+                </a:solidFill>
+                <a:highlight>
+                  <a:srgbClr val="FFFFFF"/>
+                </a:highlight>
+                <a:latin typeface="system-ui"/>
+                <a:ea typeface="+mn-ea"/>
+                <a:cs typeface="+mn-cs"/>
+              </a:rPr>
+            </a:br>
+            <a:r>
+              <a:rPr lang="en-US" sz="1710" kern="1200">
+                <a:solidFill>
+                  <a:schemeClr val="tx1"/>
+                </a:solidFill>
+                <a:highlight>
+                  <a:srgbClr val="FFFFFF"/>
+                </a:highlight>
+                <a:latin typeface="system-ui"/>
+                <a:ea typeface="+mn-ea"/>
+                <a:cs typeface="+mn-cs"/>
+              </a:rPr>
+              <a:t>are more prone to experiencing fatal incidents.</a:t>
+            </a:r>
+          </a:p>
+          <a:p>
+            <a:pPr defTabSz="868680">
+              <a:spcAft>
+                <a:spcPts val="600"/>
+              </a:spcAft>
+            </a:pPr>
+            <a:r>
+              <a:rPr lang="en-US" sz="1710" u="sng" kern="1200">
+                <a:solidFill>
+                  <a:schemeClr val="tx1"/>
+                </a:solidFill>
+                <a:highlight>
+                  <a:srgbClr val="FFFFFF"/>
+                </a:highlight>
+                <a:latin typeface="system-ui"/>
+                <a:ea typeface="+mn-ea"/>
+                <a:cs typeface="+mn-cs"/>
+              </a:rPr>
+              <a:t>Risk predictor model:</a:t>
+            </a:r>
+            <a:r>
+              <a:rPr lang="en-US" sz="1710" kern="1200">
+                <a:solidFill>
+                  <a:schemeClr val="tx1"/>
+                </a:solidFill>
+                <a:highlight>
+                  <a:srgbClr val="FFFFFF"/>
+                </a:highlight>
+                <a:latin typeface="system-ui"/>
+                <a:ea typeface="+mn-ea"/>
+                <a:cs typeface="+mn-cs"/>
+              </a:rPr>
+              <a:t> Given details about a potential flight, this model</a:t>
+            </a:r>
+            <a:br>
+              <a:rPr lang="en-US" sz="1710" kern="1200">
+                <a:solidFill>
+                  <a:schemeClr val="tx1"/>
+                </a:solidFill>
+                <a:highlight>
+                  <a:srgbClr val="FFFFFF"/>
+                </a:highlight>
+                <a:latin typeface="system-ui"/>
+                <a:ea typeface="+mn-ea"/>
+                <a:cs typeface="+mn-cs"/>
+              </a:rPr>
+            </a:br>
+            <a:r>
+              <a:rPr lang="en-US" sz="1710" kern="1200">
+                <a:solidFill>
+                  <a:schemeClr val="tx1"/>
+                </a:solidFill>
+                <a:highlight>
+                  <a:srgbClr val="FFFFFF"/>
+                </a:highlight>
+                <a:latin typeface="system-ui"/>
+                <a:ea typeface="+mn-ea"/>
+                <a:cs typeface="+mn-cs"/>
+              </a:rPr>
+              <a:t>could help predict the level of incident severity a flight could result in.</a:t>
+            </a:r>
+          </a:p>
+          <a:p>
+            <a:pPr defTabSz="868680">
+              <a:spcAft>
+                <a:spcPts val="600"/>
+              </a:spcAft>
+            </a:pPr>
+            <a:endParaRPr lang="en-US" sz="1710" kern="1200">
+              <a:solidFill>
+                <a:schemeClr val="tx1"/>
+              </a:solidFill>
+              <a:highlight>
+                <a:srgbClr val="FFFFFF"/>
+              </a:highlight>
+              <a:latin typeface="system-ui"/>
+              <a:ea typeface="+mn-ea"/>
+              <a:cs typeface="+mn-cs"/>
+            </a:endParaRPr>
+          </a:p>
+          <a:p>
+            <a:pPr defTabSz="868680">
+              <a:spcAft>
+                <a:spcPts val="600"/>
+              </a:spcAft>
+            </a:pPr>
+            <a:endParaRPr lang="en-US" sz="1710" kern="1200">
+              <a:solidFill>
+                <a:schemeClr val="tx1"/>
+              </a:solidFill>
+              <a:highlight>
+                <a:srgbClr val="FFFFFF"/>
+              </a:highlight>
+              <a:latin typeface="system-ui"/>
+              <a:ea typeface="+mn-ea"/>
+              <a:cs typeface="+mn-cs"/>
+            </a:endParaRPr>
+          </a:p>
+          <a:p>
+            <a:pPr>
+              <a:spcAft>
+                <a:spcPts val="600"/>
+              </a:spcAft>
+            </a:pPr>
+            <a:endParaRPr lang="en-US"/>
+          </a:p>
+        </p:txBody>
+      </p:sp>
+    </p:spTree>
+    <p:extLst>
+      <p:ext uri="{BB962C8B-B14F-4D97-AF65-F5344CB8AC3E}">
+        <p14:creationId xmlns:p14="http://schemas.microsoft.com/office/powerpoint/2010/main" val="986175211"/>
+      </p:ext>
+    </p:extLst>
+  </p:cSld>
+  <p:clrMapOvr>
+    <a:masterClrMapping/>
+  </p:clrMapOvr>
+</p:sld>
+</file>
+
+<file path=ppt/slides/slide11.xml><?xml version="1.0" encoding="utf-8"?>
+<p:sld xmlns:a="http://schemas.openxmlformats.org/drawingml/2006/main" xmlns:r="http://schemas.openxmlformats.org/officeDocument/2006/relationships" xmlns:p="http://schemas.openxmlformats.org/presentationml/2006/main">
+  <p:cSld>
+    <p:bg>
+      <p:bgPr>
+        <a:solidFill>
+          <a:schemeClr val="bg1"/>
+        </a:solidFill>
+        <a:effectLst/>
+      </p:bgPr>
+    </p:bg>
+    <p:spTree>
+      <p:nvGrpSpPr>
+        <p:cNvPr id="1" name=""/>
+        <p:cNvGrpSpPr/>
+        <p:nvPr/>
+      </p:nvGrpSpPr>
+      <p:grpSpPr>
+        <a:xfrm>
+          <a:off x="0" y="0"/>
+          <a:ext cx="0" cy="0"/>
+          <a:chOff x="0" y="0"/>
+          <a:chExt cx="0" cy="0"/>
+        </a:xfrm>
+      </p:grpSpPr>
+      <p:sp useBgFill="1">
+        <p:nvSpPr>
+          <p:cNvPr id="9" name="Rectangle 8">
+            <a:extLst>
+              <a:ext uri="{FF2B5EF4-FFF2-40B4-BE49-F238E27FC236}">
+                <a16:creationId xmlns:a16="http://schemas.microsoft.com/office/drawing/2014/main" id="{2C61293E-6EBE-43EF-A52C-9BEBFD7679D4}"/>
+              </a:ext>
+              <a:ext uri="{C183D7F6-B498-43B3-948B-1728B52AA6E4}">
+                <adec:decorative xmlns:adec="http://schemas.microsoft.com/office/drawing/2017/decorative" val="1"/>
+              </a:ext>
+            </a:extLst>
+          </p:cNvPr>
+          <p:cNvSpPr>
+            <a:spLocks noGrp="1" noRot="1" noChangeAspect="1" noMove="1" noResize="1" noEditPoints="1" noAdjustHandles="1" noChangeArrowheads="1" noChangeShapeType="1" noTextEdit="1"/>
+          </p:cNvSpPr>
+          <p:nvPr>
+            <p:extLst>
+              <p:ext uri="{386F3935-93C4-4BCD-93E2-E3B085C9AB24}">
+                <p16:designElem xmlns:p16="http://schemas.microsoft.com/office/powerpoint/2015/main" val="1"/>
+              </p:ext>
+            </p:extLst>
+          </p:nvPr>
+        </p:nvSpPr>
+        <p:spPr>
+          <a:xfrm>
+            <a:off x="0" y="0"/>
+            <a:ext cx="12188952" cy="6858000"/>
+          </a:xfrm>
+          <a:prstGeom prst="rect">
+            <a:avLst/>
+          </a:prstGeom>
+          <a:ln>
+            <a:noFill/>
+          </a:ln>
+        </p:spPr>
+        <p:style>
+          <a:lnRef idx="2">
+            <a:schemeClr val="accent1">
+              <a:shade val="50000"/>
+            </a:schemeClr>
+          </a:lnRef>
+          <a:fillRef idx="1">
+            <a:schemeClr val="accent1"/>
+          </a:fillRef>
+          <a:effectRef idx="0">
+            <a:schemeClr val="accent1"/>
+          </a:effectRef>
+          <a:fontRef idx="minor">
+            <a:schemeClr val="lt1"/>
+          </a:fontRef>
+        </p:style>
+        <p:txBody>
+          <a:bodyPr rtlCol="0" anchor="ctr"/>
+          <a:lstStyle/>
+          <a:p>
+            <a:pPr algn="ctr"/>
+            <a:endParaRPr lang="en-US"/>
+          </a:p>
+        </p:txBody>
+      </p:sp>
+      <p:sp>
+        <p:nvSpPr>
+          <p:cNvPr id="2" name="Title 1">
+            <a:extLst>
+              <a:ext uri="{FF2B5EF4-FFF2-40B4-BE49-F238E27FC236}">
+                <a16:creationId xmlns:a16="http://schemas.microsoft.com/office/drawing/2014/main" id="{78DAA4D4-FFFD-2EFD-01C9-643E3147363E}"/>
+              </a:ext>
+            </a:extLst>
+          </p:cNvPr>
+          <p:cNvSpPr>
+            <a:spLocks noGrp="1"/>
+          </p:cNvSpPr>
+          <p:nvPr>
+            <p:ph type="title"/>
+          </p:nvPr>
+        </p:nvSpPr>
+        <p:spPr>
+          <a:xfrm>
+            <a:off x="5297762" y="329184"/>
+            <a:ext cx="6251110" cy="1783080"/>
+          </a:xfrm>
+        </p:spPr>
+        <p:txBody>
+          <a:bodyPr anchor="b">
+            <a:normAutofit/>
+          </a:bodyPr>
+          <a:lstStyle/>
+          <a:p>
+            <a:r>
+              <a:rPr lang="en-US" sz="5400"/>
+              <a:t>Thank you!</a:t>
+            </a:r>
+          </a:p>
+        </p:txBody>
+      </p:sp>
+      <p:pic>
+        <p:nvPicPr>
+          <p:cNvPr id="5" name="Picture 4" descr="Sunlit desk">
+            <a:extLst>
+              <a:ext uri="{FF2B5EF4-FFF2-40B4-BE49-F238E27FC236}">
+                <a16:creationId xmlns:a16="http://schemas.microsoft.com/office/drawing/2014/main" id="{99B2593D-CF73-6A56-7156-AC64623C0336}"/>
+              </a:ext>
+            </a:extLst>
+          </p:cNvPr>
+          <p:cNvPicPr>
+            <a:picLocks noChangeAspect="1"/>
+          </p:cNvPicPr>
+          <p:nvPr/>
+        </p:nvPicPr>
+        <p:blipFill>
+          <a:blip r:embed="rId2"/>
+          <a:srcRect l="23213" r="31456" b="-1"/>
+          <a:stretch/>
+        </p:blipFill>
+        <p:spPr>
+          <a:xfrm>
+            <a:off x="1" y="10"/>
+            <a:ext cx="4657344" cy="6857990"/>
+          </a:xfrm>
+          <a:custGeom>
+            <a:avLst/>
+            <a:gdLst/>
+            <a:ahLst/>
+            <a:cxnLst/>
+            <a:rect l="l" t="t" r="r" b="b"/>
+            <a:pathLst>
+              <a:path w="4657344" h="6858000">
+                <a:moveTo>
+                  <a:pt x="0" y="0"/>
+                </a:moveTo>
+                <a:lnTo>
+                  <a:pt x="3429755" y="0"/>
+                </a:lnTo>
+                <a:lnTo>
+                  <a:pt x="3526016" y="148742"/>
+                </a:lnTo>
+                <a:cubicBezTo>
+                  <a:pt x="3657740" y="365513"/>
+                  <a:pt x="3777402" y="589569"/>
+                  <a:pt x="3886489" y="819975"/>
+                </a:cubicBezTo>
+                <a:cubicBezTo>
+                  <a:pt x="3891856" y="833492"/>
+                  <a:pt x="3900663" y="845393"/>
+                  <a:pt x="3912049" y="854514"/>
+                </a:cubicBezTo>
+                <a:cubicBezTo>
+                  <a:pt x="3897352" y="819849"/>
+                  <a:pt x="3883037" y="784928"/>
+                  <a:pt x="3868083" y="750263"/>
+                </a:cubicBezTo>
+                <a:cubicBezTo>
+                  <a:pt x="3806989" y="608712"/>
+                  <a:pt x="3742478" y="469145"/>
+                  <a:pt x="3674155" y="331786"/>
+                </a:cubicBezTo>
+                <a:lnTo>
+                  <a:pt x="3496656" y="0"/>
+                </a:lnTo>
+                <a:lnTo>
+                  <a:pt x="3554371" y="0"/>
+                </a:lnTo>
+                <a:lnTo>
+                  <a:pt x="3661621" y="196614"/>
+                </a:lnTo>
+                <a:cubicBezTo>
+                  <a:pt x="3856899" y="573253"/>
+                  <a:pt x="4021071" y="966066"/>
+                  <a:pt x="4161279" y="1371196"/>
+                </a:cubicBezTo>
+                <a:cubicBezTo>
+                  <a:pt x="4379525" y="2007265"/>
+                  <a:pt x="4530141" y="2664286"/>
+                  <a:pt x="4610660" y="3331516"/>
+                </a:cubicBezTo>
+                <a:cubicBezTo>
+                  <a:pt x="4652837" y="3672965"/>
+                  <a:pt x="4671625" y="4013908"/>
+                  <a:pt x="4645040" y="4357388"/>
+                </a:cubicBezTo>
+                <a:cubicBezTo>
+                  <a:pt x="4613599" y="4758899"/>
+                  <a:pt x="4566181" y="5157998"/>
+                  <a:pt x="4485789" y="5552906"/>
+                </a:cubicBezTo>
+                <a:cubicBezTo>
+                  <a:pt x="4397121" y="5988893"/>
+                  <a:pt x="4276748" y="6414594"/>
+                  <a:pt x="4117769" y="6828295"/>
+                </a:cubicBezTo>
+                <a:lnTo>
+                  <a:pt x="4105288" y="6858000"/>
+                </a:lnTo>
+                <a:lnTo>
+                  <a:pt x="4052520" y="6858000"/>
+                </a:lnTo>
+                <a:lnTo>
+                  <a:pt x="4059369" y="6841549"/>
+                </a:lnTo>
+                <a:cubicBezTo>
+                  <a:pt x="4147276" y="6614016"/>
+                  <a:pt x="4224193" y="6380817"/>
+                  <a:pt x="4291518" y="6142729"/>
+                </a:cubicBezTo>
+                <a:cubicBezTo>
+                  <a:pt x="4350055" y="5935370"/>
+                  <a:pt x="4393256" y="5723695"/>
+                  <a:pt x="4443357" y="5513923"/>
+                </a:cubicBezTo>
+                <a:cubicBezTo>
+                  <a:pt x="4444541" y="5502788"/>
+                  <a:pt x="4445137" y="5491601"/>
+                  <a:pt x="4445146" y="5480401"/>
+                </a:cubicBezTo>
+                <a:cubicBezTo>
+                  <a:pt x="4408465" y="5607635"/>
+                  <a:pt x="4379196" y="5719759"/>
+                  <a:pt x="4344559" y="5830359"/>
+                </a:cubicBezTo>
+                <a:cubicBezTo>
+                  <a:pt x="4254261" y="6118381"/>
+                  <a:pt x="4150112" y="6398531"/>
+                  <a:pt x="4031702" y="6670527"/>
+                </a:cubicBezTo>
+                <a:lnTo>
+                  <a:pt x="3943824" y="6858000"/>
+                </a:lnTo>
+                <a:lnTo>
+                  <a:pt x="0" y="6858000"/>
+                </a:lnTo>
+                <a:close/>
+              </a:path>
+            </a:pathLst>
+          </a:custGeom>
+        </p:spPr>
+      </p:pic>
+      <p:sp>
+        <p:nvSpPr>
+          <p:cNvPr id="11" name="sketchy line">
+            <a:extLst>
+              <a:ext uri="{FF2B5EF4-FFF2-40B4-BE49-F238E27FC236}">
+                <a16:creationId xmlns:a16="http://schemas.microsoft.com/office/drawing/2014/main" id="{21540236-BFD5-4A9D-8840-4703E7F76825}"/>
+              </a:ext>
+              <a:ext uri="{C183D7F6-B498-43B3-948B-1728B52AA6E4}">
+                <adec:decorative xmlns:adec="http://schemas.microsoft.com/office/drawing/2017/decorative" val="1"/>
+              </a:ext>
+            </a:extLst>
+          </p:cNvPr>
+          <p:cNvSpPr>
+            <a:spLocks noGrp="1" noRot="1" noChangeAspect="1" noMove="1" noResize="1" noEditPoints="1" noAdjustHandles="1" noChangeArrowheads="1" noChangeShapeType="1" noTextEdit="1"/>
+          </p:cNvSpPr>
+          <p:nvPr>
+            <p:extLst>
+              <p:ext uri="{386F3935-93C4-4BCD-93E2-E3B085C9AB24}">
+                <p16:designElem xmlns:p16="http://schemas.microsoft.com/office/powerpoint/2015/main" val="1"/>
+              </p:ext>
+            </p:extLst>
+          </p:nvPr>
+        </p:nvSpPr>
+        <p:spPr>
+          <a:xfrm>
+            <a:off x="5297762" y="2374947"/>
+            <a:ext cx="4243589" cy="18288"/>
+          </a:xfrm>
+          <a:custGeom>
+            <a:avLst/>
+            <a:gdLst>
+              <a:gd name="connsiteX0" fmla="*/ 0 w 4243589"/>
+              <a:gd name="connsiteY0" fmla="*/ 0 h 18288"/>
+              <a:gd name="connsiteX1" fmla="*/ 478919 w 4243589"/>
+              <a:gd name="connsiteY1" fmla="*/ 0 h 18288"/>
+              <a:gd name="connsiteX2" fmla="*/ 957839 w 4243589"/>
+              <a:gd name="connsiteY2" fmla="*/ 0 h 18288"/>
+              <a:gd name="connsiteX3" fmla="*/ 1521630 w 4243589"/>
+              <a:gd name="connsiteY3" fmla="*/ 0 h 18288"/>
+              <a:gd name="connsiteX4" fmla="*/ 2212729 w 4243589"/>
+              <a:gd name="connsiteY4" fmla="*/ 0 h 18288"/>
+              <a:gd name="connsiteX5" fmla="*/ 2734084 w 4243589"/>
+              <a:gd name="connsiteY5" fmla="*/ 0 h 18288"/>
+              <a:gd name="connsiteX6" fmla="*/ 3255439 w 4243589"/>
+              <a:gd name="connsiteY6" fmla="*/ 0 h 18288"/>
+              <a:gd name="connsiteX7" fmla="*/ 4243589 w 4243589"/>
+              <a:gd name="connsiteY7" fmla="*/ 0 h 18288"/>
+              <a:gd name="connsiteX8" fmla="*/ 4243589 w 4243589"/>
+              <a:gd name="connsiteY8" fmla="*/ 18288 h 18288"/>
+              <a:gd name="connsiteX9" fmla="*/ 3594926 w 4243589"/>
+              <a:gd name="connsiteY9" fmla="*/ 18288 h 18288"/>
+              <a:gd name="connsiteX10" fmla="*/ 3073571 w 4243589"/>
+              <a:gd name="connsiteY10" fmla="*/ 18288 h 18288"/>
+              <a:gd name="connsiteX11" fmla="*/ 2552216 w 4243589"/>
+              <a:gd name="connsiteY11" fmla="*/ 18288 h 18288"/>
+              <a:gd name="connsiteX12" fmla="*/ 1903553 w 4243589"/>
+              <a:gd name="connsiteY12" fmla="*/ 18288 h 18288"/>
+              <a:gd name="connsiteX13" fmla="*/ 1212454 w 4243589"/>
+              <a:gd name="connsiteY13" fmla="*/ 18288 h 18288"/>
+              <a:gd name="connsiteX14" fmla="*/ 733535 w 4243589"/>
+              <a:gd name="connsiteY14" fmla="*/ 18288 h 18288"/>
+              <a:gd name="connsiteX15" fmla="*/ 0 w 4243589"/>
+              <a:gd name="connsiteY15" fmla="*/ 18288 h 18288"/>
+              <a:gd name="connsiteX16" fmla="*/ 0 w 4243589"/>
+              <a:gd name="connsiteY16" fmla="*/ 0 h 18288"/>
+            </a:gdLst>
+            <a:ahLst/>
+            <a:cxnLst>
+              <a:cxn ang="0">
+                <a:pos x="connsiteX0" y="connsiteY0"/>
+              </a:cxn>
+              <a:cxn ang="0">
+                <a:pos x="connsiteX1" y="connsiteY1"/>
+              </a:cxn>
+              <a:cxn ang="0">
+                <a:pos x="connsiteX2" y="connsiteY2"/>
+              </a:cxn>
+              <a:cxn ang="0">
+                <a:pos x="connsiteX3" y="connsiteY3"/>
+              </a:cxn>
+              <a:cxn ang="0">
+                <a:pos x="connsiteX4" y="connsiteY4"/>
+              </a:cxn>
+              <a:cxn ang="0">
+                <a:pos x="connsiteX5" y="connsiteY5"/>
+              </a:cxn>
+              <a:cxn ang="0">
+                <a:pos x="connsiteX6" y="connsiteY6"/>
+              </a:cxn>
+              <a:cxn ang="0">
+                <a:pos x="connsiteX7" y="connsiteY7"/>
+              </a:cxn>
+              <a:cxn ang="0">
+                <a:pos x="connsiteX8" y="connsiteY8"/>
+              </a:cxn>
+              <a:cxn ang="0">
+                <a:pos x="connsiteX9" y="connsiteY9"/>
+              </a:cxn>
+              <a:cxn ang="0">
+                <a:pos x="connsiteX10" y="connsiteY10"/>
+              </a:cxn>
+              <a:cxn ang="0">
+                <a:pos x="connsiteX11" y="connsiteY11"/>
+              </a:cxn>
+              <a:cxn ang="0">
+                <a:pos x="connsiteX12" y="connsiteY12"/>
+              </a:cxn>
+              <a:cxn ang="0">
+                <a:pos x="connsiteX13" y="connsiteY13"/>
+              </a:cxn>
+              <a:cxn ang="0">
+                <a:pos x="connsiteX14" y="connsiteY14"/>
+              </a:cxn>
+              <a:cxn ang="0">
+                <a:pos x="connsiteX15" y="connsiteY15"/>
+              </a:cxn>
+              <a:cxn ang="0">
+                <a:pos x="connsiteX16" y="connsiteY16"/>
+              </a:cxn>
+            </a:cxnLst>
+            <a:rect l="l" t="t" r="r" b="b"/>
+            <a:pathLst>
+              <a:path w="4243589" h="18288" fill="none" extrusionOk="0">
+                <a:moveTo>
+                  <a:pt x="0" y="0"/>
+                </a:moveTo>
+                <a:cubicBezTo>
+                  <a:pt x="213395" y="-21006"/>
+                  <a:pt x="307421" y="-18116"/>
+                  <a:pt x="478919" y="0"/>
+                </a:cubicBezTo>
+                <a:cubicBezTo>
+                  <a:pt x="650417" y="18116"/>
+                  <a:pt x="831092" y="-21237"/>
+                  <a:pt x="957839" y="0"/>
+                </a:cubicBezTo>
+                <a:cubicBezTo>
+                  <a:pt x="1084586" y="21237"/>
+                  <a:pt x="1301682" y="25124"/>
+                  <a:pt x="1521630" y="0"/>
+                </a:cubicBezTo>
+                <a:cubicBezTo>
+                  <a:pt x="1741578" y="-25124"/>
+                  <a:pt x="1970269" y="-29139"/>
+                  <a:pt x="2212729" y="0"/>
+                </a:cubicBezTo>
+                <a:cubicBezTo>
+                  <a:pt x="2455189" y="29139"/>
+                  <a:pt x="2558847" y="-4796"/>
+                  <a:pt x="2734084" y="0"/>
+                </a:cubicBezTo>
+                <a:cubicBezTo>
+                  <a:pt x="2909321" y="4796"/>
+                  <a:pt x="3097217" y="-13409"/>
+                  <a:pt x="3255439" y="0"/>
+                </a:cubicBezTo>
+                <a:cubicBezTo>
+                  <a:pt x="3413662" y="13409"/>
+                  <a:pt x="3979999" y="-10121"/>
+                  <a:pt x="4243589" y="0"/>
+                </a:cubicBezTo>
+                <a:cubicBezTo>
+                  <a:pt x="4244484" y="8974"/>
+                  <a:pt x="4243043" y="9359"/>
+                  <a:pt x="4243589" y="18288"/>
+                </a:cubicBezTo>
+                <a:cubicBezTo>
+                  <a:pt x="4058777" y="31246"/>
+                  <a:pt x="3910348" y="3158"/>
+                  <a:pt x="3594926" y="18288"/>
+                </a:cubicBezTo>
+                <a:cubicBezTo>
+                  <a:pt x="3279504" y="33418"/>
+                  <a:pt x="3319955" y="-3977"/>
+                  <a:pt x="3073571" y="18288"/>
+                </a:cubicBezTo>
+                <a:cubicBezTo>
+                  <a:pt x="2827187" y="40553"/>
+                  <a:pt x="2767387" y="1863"/>
+                  <a:pt x="2552216" y="18288"/>
+                </a:cubicBezTo>
+                <a:cubicBezTo>
+                  <a:pt x="2337046" y="34713"/>
+                  <a:pt x="2181871" y="19527"/>
+                  <a:pt x="1903553" y="18288"/>
+                </a:cubicBezTo>
+                <a:cubicBezTo>
+                  <a:pt x="1625235" y="17049"/>
+                  <a:pt x="1557672" y="24174"/>
+                  <a:pt x="1212454" y="18288"/>
+                </a:cubicBezTo>
+                <a:cubicBezTo>
+                  <a:pt x="867236" y="12402"/>
+                  <a:pt x="874382" y="15627"/>
+                  <a:pt x="733535" y="18288"/>
+                </a:cubicBezTo>
+                <a:cubicBezTo>
+                  <a:pt x="592688" y="20949"/>
+                  <a:pt x="183477" y="14753"/>
+                  <a:pt x="0" y="18288"/>
+                </a:cubicBezTo>
+                <a:cubicBezTo>
+                  <a:pt x="-229" y="14222"/>
+                  <a:pt x="509" y="5816"/>
+                  <a:pt x="0" y="0"/>
+                </a:cubicBezTo>
+                <a:close/>
+              </a:path>
+              <a:path w="4243589" h="18288" stroke="0" extrusionOk="0">
+                <a:moveTo>
+                  <a:pt x="0" y="0"/>
+                </a:moveTo>
+                <a:cubicBezTo>
+                  <a:pt x="143690" y="16630"/>
+                  <a:pt x="266667" y="14847"/>
+                  <a:pt x="521355" y="0"/>
+                </a:cubicBezTo>
+                <a:cubicBezTo>
+                  <a:pt x="776043" y="-14847"/>
+                  <a:pt x="814491" y="-17363"/>
+                  <a:pt x="1000275" y="0"/>
+                </a:cubicBezTo>
+                <a:cubicBezTo>
+                  <a:pt x="1186059" y="17363"/>
+                  <a:pt x="1352504" y="-23507"/>
+                  <a:pt x="1521630" y="0"/>
+                </a:cubicBezTo>
+                <a:cubicBezTo>
+                  <a:pt x="1690756" y="23507"/>
+                  <a:pt x="1889525" y="5871"/>
+                  <a:pt x="2127857" y="0"/>
+                </a:cubicBezTo>
+                <a:cubicBezTo>
+                  <a:pt x="2366189" y="-5871"/>
+                  <a:pt x="2620628" y="-27997"/>
+                  <a:pt x="2776520" y="0"/>
+                </a:cubicBezTo>
+                <a:cubicBezTo>
+                  <a:pt x="2932412" y="27997"/>
+                  <a:pt x="3131683" y="-25073"/>
+                  <a:pt x="3467618" y="0"/>
+                </a:cubicBezTo>
+                <a:cubicBezTo>
+                  <a:pt x="3803553" y="25073"/>
+                  <a:pt x="4017371" y="3071"/>
+                  <a:pt x="4243589" y="0"/>
+                </a:cubicBezTo>
+                <a:cubicBezTo>
+                  <a:pt x="4243134" y="6162"/>
+                  <a:pt x="4243492" y="11775"/>
+                  <a:pt x="4243589" y="18288"/>
+                </a:cubicBezTo>
+                <a:cubicBezTo>
+                  <a:pt x="4017834" y="-5779"/>
+                  <a:pt x="3834586" y="13376"/>
+                  <a:pt x="3594926" y="18288"/>
+                </a:cubicBezTo>
+                <a:cubicBezTo>
+                  <a:pt x="3355266" y="23200"/>
+                  <a:pt x="3204179" y="2869"/>
+                  <a:pt x="2903827" y="18288"/>
+                </a:cubicBezTo>
+                <a:cubicBezTo>
+                  <a:pt x="2603475" y="33707"/>
+                  <a:pt x="2526187" y="46187"/>
+                  <a:pt x="2212729" y="18288"/>
+                </a:cubicBezTo>
+                <a:cubicBezTo>
+                  <a:pt x="1899271" y="-9611"/>
+                  <a:pt x="1966289" y="29692"/>
+                  <a:pt x="1733809" y="18288"/>
+                </a:cubicBezTo>
+                <a:cubicBezTo>
+                  <a:pt x="1501329" y="6884"/>
+                  <a:pt x="1343612" y="12492"/>
+                  <a:pt x="1085146" y="18288"/>
+                </a:cubicBezTo>
+                <a:cubicBezTo>
+                  <a:pt x="826680" y="24084"/>
+                  <a:pt x="778184" y="35607"/>
+                  <a:pt x="521355" y="18288"/>
+                </a:cubicBezTo>
+                <a:cubicBezTo>
+                  <a:pt x="264526" y="969"/>
+                  <a:pt x="120277" y="4268"/>
+                  <a:pt x="0" y="18288"/>
+                </a:cubicBezTo>
+                <a:cubicBezTo>
+                  <a:pt x="766" y="10800"/>
+                  <a:pt x="-457" y="8180"/>
+                  <a:pt x="0" y="0"/>
+                </a:cubicBezTo>
+                <a:close/>
+              </a:path>
+            </a:pathLst>
+          </a:custGeom>
+          <a:solidFill>
+            <a:schemeClr val="accent2"/>
+          </a:solidFill>
+          <a:ln w="44450" cap="rnd">
+            <a:solidFill>
+              <a:schemeClr val="accent2"/>
+            </a:solidFill>
+            <a:round/>
+            <a:extLst>
+              <a:ext uri="{C807C97D-BFC1-408E-A445-0C87EB9F89A2}">
+                <ask:lineSketchStyleProps xmlns:ask="http://schemas.microsoft.com/office/drawing/2018/sketchyshapes" sd="2727557108">
+                  <a:prstGeom prst="rect">
+                    <a:avLst/>
+                  </a:prstGeom>
+                  <ask:type>
+                    <ask:lineSketchFreehand/>
+                  </ask:type>
+                </ask:lineSketchStyleProps>
+              </a:ext>
+            </a:extLst>
+          </a:ln>
+        </p:spPr>
+        <p:style>
+          <a:lnRef idx="2">
+            <a:schemeClr val="accent1">
+              <a:shade val="50000"/>
+            </a:schemeClr>
+          </a:lnRef>
+          <a:fillRef idx="1">
+            <a:schemeClr val="accent1"/>
+          </a:fillRef>
+          <a:effectRef idx="0">
+            <a:schemeClr val="accent1"/>
+          </a:effectRef>
+          <a:fontRef idx="minor">
+            <a:schemeClr val="lt1"/>
+          </a:fontRef>
+        </p:style>
+        <p:txBody>
+          <a:bodyPr rtlCol="0" anchor="ctr"/>
+          <a:lstStyle/>
+          <a:p>
+            <a:pPr algn="ctr"/>
+            <a:endParaRPr lang="en-US"/>
+          </a:p>
+        </p:txBody>
+      </p:sp>
+      <p:sp>
+        <p:nvSpPr>
           <p:cNvPr id="3" name="Content Placeholder 2">
             <a:extLst>
               <a:ext uri="{FF2B5EF4-FFF2-40B4-BE49-F238E27FC236}">
-                <a16:creationId xmlns:a16="http://schemas.microsoft.com/office/drawing/2014/main" id="{622976FA-5B6A-4481-8644-6C85F3E11058}"/>
+                <a16:creationId xmlns:a16="http://schemas.microsoft.com/office/drawing/2014/main" id="{0BD5B9ED-93D5-01EC-1337-16AE76E3F779}"/>
               </a:ext>
             </a:extLst>
           </p:cNvPr>
@@ -3459,18 +5006,659 @@
             <p:ph idx="1"/>
           </p:nvPr>
         </p:nvSpPr>
-        <p:spPr/>
-        <p:txBody>
-          <a:bodyPr/>
+        <p:spPr>
+          <a:xfrm>
+            <a:off x="5297762" y="2706624"/>
+            <a:ext cx="6251110" cy="3483864"/>
+          </a:xfrm>
+        </p:spPr>
+        <p:txBody>
+          <a:bodyPr>
+            <a:normAutofit/>
+          </a:bodyPr>
           <a:lstStyle/>
           <a:p>
             <a:r>
-              <a:rPr lang="en-US" dirty="0"/>
-              <a:t>Provide a concise summary of your project findings here </a:t>
-            </a:r>
-          </a:p>
-        </p:txBody>
-      </p:sp>
+              <a:rPr lang="en-US" sz="2200"/>
+              <a:t>Email: </a:t>
+            </a:r>
+            <a:r>
+              <a:rPr lang="en-US" sz="2200">
+                <a:hlinkClick r:id="rId3"/>
+              </a:rPr>
+              <a:t>A.J.Reusche@gmail.com</a:t>
+            </a:r>
+            <a:endParaRPr lang="en-US" sz="2200"/>
+          </a:p>
+          <a:p>
+            <a:r>
+              <a:rPr lang="en-US" sz="2200"/>
+              <a:t>Github: </a:t>
+            </a:r>
+            <a:r>
+              <a:rPr lang="en-US" sz="2200">
+                <a:hlinkClick r:id="rId4"/>
+              </a:rPr>
+              <a:t>https://github.com/AndrewReusche</a:t>
+            </a:r>
+            <a:endParaRPr lang="en-US" sz="2200"/>
+          </a:p>
+          <a:p>
+            <a:r>
+              <a:rPr lang="en-US" sz="2200"/>
+              <a:t>LinkedIn: </a:t>
+            </a:r>
+            <a:r>
+              <a:rPr lang="en-US" sz="2200">
+                <a:hlinkClick r:id="rId5"/>
+              </a:rPr>
+              <a:t>https://www.linkedin.com/in/andrew-reusche-1397bb311/</a:t>
+            </a:r>
+            <a:endParaRPr lang="en-US" sz="2200"/>
+          </a:p>
+          <a:p>
+            <a:endParaRPr lang="en-US" sz="2200"/>
+          </a:p>
+          <a:p>
+            <a:endParaRPr lang="en-US" sz="2200"/>
+          </a:p>
+        </p:txBody>
+      </p:sp>
+    </p:spTree>
+    <p:extLst>
+      <p:ext uri="{BB962C8B-B14F-4D97-AF65-F5344CB8AC3E}">
+        <p14:creationId xmlns:p14="http://schemas.microsoft.com/office/powerpoint/2010/main" val="230203907"/>
+      </p:ext>
+    </p:extLst>
+  </p:cSld>
+  <p:clrMapOvr>
+    <a:masterClrMapping/>
+  </p:clrMapOvr>
+</p:sld>
+</file>
+
+<file path=ppt/slides/slide2.xml><?xml version="1.0" encoding="utf-8"?>
+<p:sld xmlns:a="http://schemas.openxmlformats.org/drawingml/2006/main" xmlns:r="http://schemas.openxmlformats.org/officeDocument/2006/relationships" xmlns:p="http://schemas.openxmlformats.org/presentationml/2006/main">
+  <p:cSld>
+    <p:bg>
+      <p:bgPr>
+        <a:solidFill>
+          <a:schemeClr val="bg1"/>
+        </a:solidFill>
+        <a:effectLst/>
+      </p:bgPr>
+    </p:bg>
+    <p:spTree>
+      <p:nvGrpSpPr>
+        <p:cNvPr id="1" name=""/>
+        <p:cNvGrpSpPr/>
+        <p:nvPr/>
+      </p:nvGrpSpPr>
+      <p:grpSpPr>
+        <a:xfrm>
+          <a:off x="0" y="0"/>
+          <a:ext cx="0" cy="0"/>
+          <a:chOff x="0" y="0"/>
+          <a:chExt cx="0" cy="0"/>
+        </a:xfrm>
+      </p:grpSpPr>
+      <p:sp useBgFill="1">
+        <p:nvSpPr>
+          <p:cNvPr id="18" name="Rectangle 17">
+            <a:extLst>
+              <a:ext uri="{FF2B5EF4-FFF2-40B4-BE49-F238E27FC236}">
+                <a16:creationId xmlns:a16="http://schemas.microsoft.com/office/drawing/2014/main" id="{F13C74B1-5B17-4795-BED0-7140497B445A}"/>
+              </a:ext>
+              <a:ext uri="{C183D7F6-B498-43B3-948B-1728B52AA6E4}">
+                <adec:decorative xmlns:adec="http://schemas.microsoft.com/office/drawing/2017/decorative" val="1"/>
+              </a:ext>
+            </a:extLst>
+          </p:cNvPr>
+          <p:cNvSpPr>
+            <a:spLocks noGrp="1" noRot="1" noChangeAspect="1" noMove="1" noResize="1" noEditPoints="1" noAdjustHandles="1" noChangeArrowheads="1" noChangeShapeType="1" noTextEdit="1"/>
+          </p:cNvSpPr>
+          <p:nvPr>
+            <p:extLst>
+              <p:ext uri="{386F3935-93C4-4BCD-93E2-E3B085C9AB24}">
+                <p16:designElem xmlns:p16="http://schemas.microsoft.com/office/powerpoint/2015/main" val="1"/>
+              </p:ext>
+            </p:extLst>
+          </p:nvPr>
+        </p:nvSpPr>
+        <p:spPr>
+          <a:xfrm>
+            <a:off x="0" y="0"/>
+            <a:ext cx="12188952" cy="6858000"/>
+          </a:xfrm>
+          <a:prstGeom prst="rect">
+            <a:avLst/>
+          </a:prstGeom>
+          <a:ln>
+            <a:noFill/>
+          </a:ln>
+        </p:spPr>
+        <p:style>
+          <a:lnRef idx="2">
+            <a:schemeClr val="accent1">
+              <a:shade val="50000"/>
+            </a:schemeClr>
+          </a:lnRef>
+          <a:fillRef idx="1">
+            <a:schemeClr val="accent1"/>
+          </a:fillRef>
+          <a:effectRef idx="0">
+            <a:schemeClr val="accent1"/>
+          </a:effectRef>
+          <a:fontRef idx="minor">
+            <a:schemeClr val="lt1"/>
+          </a:fontRef>
+        </p:style>
+        <p:txBody>
+          <a:bodyPr rtlCol="0" anchor="ctr"/>
+          <a:lstStyle/>
+          <a:p>
+            <a:pPr algn="ctr"/>
+            <a:endParaRPr lang="en-US"/>
+          </a:p>
+        </p:txBody>
+      </p:sp>
+      <p:sp>
+        <p:nvSpPr>
+          <p:cNvPr id="2" name="Title 1">
+            <a:extLst>
+              <a:ext uri="{FF2B5EF4-FFF2-40B4-BE49-F238E27FC236}">
+                <a16:creationId xmlns:a16="http://schemas.microsoft.com/office/drawing/2014/main" id="{5B9D2B3F-27CD-4E02-0E1A-6A4A8C74D8F6}"/>
+              </a:ext>
+            </a:extLst>
+          </p:cNvPr>
+          <p:cNvSpPr>
+            <a:spLocks noGrp="1"/>
+          </p:cNvSpPr>
+          <p:nvPr>
+            <p:ph type="title"/>
+          </p:nvPr>
+        </p:nvSpPr>
+        <p:spPr>
+          <a:xfrm>
+            <a:off x="640080" y="325369"/>
+            <a:ext cx="4368602" cy="1956841"/>
+          </a:xfrm>
+        </p:spPr>
+        <p:txBody>
+          <a:bodyPr vert="horz" lIns="91440" tIns="45720" rIns="91440" bIns="45720" rtlCol="0" anchor="b">
+            <a:normAutofit/>
+          </a:bodyPr>
+          <a:lstStyle/>
+          <a:p>
+            <a:r>
+              <a:rPr lang="en-US" sz="5400"/>
+              <a:t>Summary </a:t>
+            </a:r>
+          </a:p>
+        </p:txBody>
+      </p:sp>
+      <p:sp>
+        <p:nvSpPr>
+          <p:cNvPr id="20" name="sketchy line">
+            <a:extLst>
+              <a:ext uri="{FF2B5EF4-FFF2-40B4-BE49-F238E27FC236}">
+                <a16:creationId xmlns:a16="http://schemas.microsoft.com/office/drawing/2014/main" id="{D4974D33-8DC5-464E-8C6D-BE58F0669C17}"/>
+              </a:ext>
+              <a:ext uri="{C183D7F6-B498-43B3-948B-1728B52AA6E4}">
+                <adec:decorative xmlns:adec="http://schemas.microsoft.com/office/drawing/2017/decorative" val="1"/>
+              </a:ext>
+            </a:extLst>
+          </p:cNvPr>
+          <p:cNvSpPr>
+            <a:spLocks noGrp="1" noRot="1" noChangeAspect="1" noMove="1" noResize="1" noEditPoints="1" noAdjustHandles="1" noChangeArrowheads="1" noChangeShapeType="1" noTextEdit="1"/>
+          </p:cNvSpPr>
+          <p:nvPr>
+            <p:extLst>
+              <p:ext uri="{386F3935-93C4-4BCD-93E2-E3B085C9AB24}">
+                <p16:designElem xmlns:p16="http://schemas.microsoft.com/office/powerpoint/2015/main" val="1"/>
+              </p:ext>
+            </p:extLst>
+          </p:nvPr>
+        </p:nvSpPr>
+        <p:spPr>
+          <a:xfrm>
+            <a:off x="640080" y="2586994"/>
+            <a:ext cx="3474720" cy="18288"/>
+          </a:xfrm>
+          <a:custGeom>
+            <a:avLst/>
+            <a:gdLst>
+              <a:gd name="connsiteX0" fmla="*/ 0 w 3474720"/>
+              <a:gd name="connsiteY0" fmla="*/ 0 h 18288"/>
+              <a:gd name="connsiteX1" fmla="*/ 694944 w 3474720"/>
+              <a:gd name="connsiteY1" fmla="*/ 0 h 18288"/>
+              <a:gd name="connsiteX2" fmla="*/ 1355141 w 3474720"/>
+              <a:gd name="connsiteY2" fmla="*/ 0 h 18288"/>
+              <a:gd name="connsiteX3" fmla="*/ 2015338 w 3474720"/>
+              <a:gd name="connsiteY3" fmla="*/ 0 h 18288"/>
+              <a:gd name="connsiteX4" fmla="*/ 2779776 w 3474720"/>
+              <a:gd name="connsiteY4" fmla="*/ 0 h 18288"/>
+              <a:gd name="connsiteX5" fmla="*/ 3474720 w 3474720"/>
+              <a:gd name="connsiteY5" fmla="*/ 0 h 18288"/>
+              <a:gd name="connsiteX6" fmla="*/ 3474720 w 3474720"/>
+              <a:gd name="connsiteY6" fmla="*/ 18288 h 18288"/>
+              <a:gd name="connsiteX7" fmla="*/ 2779776 w 3474720"/>
+              <a:gd name="connsiteY7" fmla="*/ 18288 h 18288"/>
+              <a:gd name="connsiteX8" fmla="*/ 2189074 w 3474720"/>
+              <a:gd name="connsiteY8" fmla="*/ 18288 h 18288"/>
+              <a:gd name="connsiteX9" fmla="*/ 1528877 w 3474720"/>
+              <a:gd name="connsiteY9" fmla="*/ 18288 h 18288"/>
+              <a:gd name="connsiteX10" fmla="*/ 868680 w 3474720"/>
+              <a:gd name="connsiteY10" fmla="*/ 18288 h 18288"/>
+              <a:gd name="connsiteX11" fmla="*/ 0 w 3474720"/>
+              <a:gd name="connsiteY11" fmla="*/ 18288 h 18288"/>
+              <a:gd name="connsiteX12" fmla="*/ 0 w 3474720"/>
+              <a:gd name="connsiteY12" fmla="*/ 0 h 18288"/>
+            </a:gdLst>
+            <a:ahLst/>
+            <a:cxnLst>
+              <a:cxn ang="0">
+                <a:pos x="connsiteX0" y="connsiteY0"/>
+              </a:cxn>
+              <a:cxn ang="0">
+                <a:pos x="connsiteX1" y="connsiteY1"/>
+              </a:cxn>
+              <a:cxn ang="0">
+                <a:pos x="connsiteX2" y="connsiteY2"/>
+              </a:cxn>
+              <a:cxn ang="0">
+                <a:pos x="connsiteX3" y="connsiteY3"/>
+              </a:cxn>
+              <a:cxn ang="0">
+                <a:pos x="connsiteX4" y="connsiteY4"/>
+              </a:cxn>
+              <a:cxn ang="0">
+                <a:pos x="connsiteX5" y="connsiteY5"/>
+              </a:cxn>
+              <a:cxn ang="0">
+                <a:pos x="connsiteX6" y="connsiteY6"/>
+              </a:cxn>
+              <a:cxn ang="0">
+                <a:pos x="connsiteX7" y="connsiteY7"/>
+              </a:cxn>
+              <a:cxn ang="0">
+                <a:pos x="connsiteX8" y="connsiteY8"/>
+              </a:cxn>
+              <a:cxn ang="0">
+                <a:pos x="connsiteX9" y="connsiteY9"/>
+              </a:cxn>
+              <a:cxn ang="0">
+                <a:pos x="connsiteX10" y="connsiteY10"/>
+              </a:cxn>
+              <a:cxn ang="0">
+                <a:pos x="connsiteX11" y="connsiteY11"/>
+              </a:cxn>
+              <a:cxn ang="0">
+                <a:pos x="connsiteX12" y="connsiteY12"/>
+              </a:cxn>
+            </a:cxnLst>
+            <a:rect l="l" t="t" r="r" b="b"/>
+            <a:pathLst>
+              <a:path w="3474720" h="18288" fill="none" extrusionOk="0">
+                <a:moveTo>
+                  <a:pt x="0" y="0"/>
+                </a:moveTo>
+                <a:cubicBezTo>
+                  <a:pt x="224454" y="-14544"/>
+                  <a:pt x="495407" y="26540"/>
+                  <a:pt x="694944" y="0"/>
+                </a:cubicBezTo>
+                <a:cubicBezTo>
+                  <a:pt x="894481" y="-26540"/>
+                  <a:pt x="1130063" y="24713"/>
+                  <a:pt x="1355141" y="0"/>
+                </a:cubicBezTo>
+                <a:cubicBezTo>
+                  <a:pt x="1580219" y="-24713"/>
+                  <a:pt x="1820099" y="26695"/>
+                  <a:pt x="2015338" y="0"/>
+                </a:cubicBezTo>
+                <a:cubicBezTo>
+                  <a:pt x="2210577" y="-26695"/>
+                  <a:pt x="2402045" y="165"/>
+                  <a:pt x="2779776" y="0"/>
+                </a:cubicBezTo>
+                <a:cubicBezTo>
+                  <a:pt x="3157507" y="-165"/>
+                  <a:pt x="3286859" y="-15571"/>
+                  <a:pt x="3474720" y="0"/>
+                </a:cubicBezTo>
+                <a:cubicBezTo>
+                  <a:pt x="3474286" y="7551"/>
+                  <a:pt x="3474253" y="9822"/>
+                  <a:pt x="3474720" y="18288"/>
+                </a:cubicBezTo>
+                <a:cubicBezTo>
+                  <a:pt x="3233904" y="29845"/>
+                  <a:pt x="2945134" y="-5256"/>
+                  <a:pt x="2779776" y="18288"/>
+                </a:cubicBezTo>
+                <a:cubicBezTo>
+                  <a:pt x="2614418" y="41832"/>
+                  <a:pt x="2339768" y="22709"/>
+                  <a:pt x="2189074" y="18288"/>
+                </a:cubicBezTo>
+                <a:cubicBezTo>
+                  <a:pt x="2038380" y="13867"/>
+                  <a:pt x="1817434" y="-4947"/>
+                  <a:pt x="1528877" y="18288"/>
+                </a:cubicBezTo>
+                <a:cubicBezTo>
+                  <a:pt x="1240320" y="41523"/>
+                  <a:pt x="1042447" y="37198"/>
+                  <a:pt x="868680" y="18288"/>
+                </a:cubicBezTo>
+                <a:cubicBezTo>
+                  <a:pt x="694913" y="-622"/>
+                  <a:pt x="233232" y="44909"/>
+                  <a:pt x="0" y="18288"/>
+                </a:cubicBezTo>
+                <a:cubicBezTo>
+                  <a:pt x="60" y="11696"/>
+                  <a:pt x="66" y="3758"/>
+                  <a:pt x="0" y="0"/>
+                </a:cubicBezTo>
+                <a:close/>
+              </a:path>
+              <a:path w="3474720" h="18288" stroke="0" extrusionOk="0">
+                <a:moveTo>
+                  <a:pt x="0" y="0"/>
+                </a:moveTo>
+                <a:cubicBezTo>
+                  <a:pt x="202328" y="-14716"/>
+                  <a:pt x="332722" y="-11499"/>
+                  <a:pt x="625450" y="0"/>
+                </a:cubicBezTo>
+                <a:cubicBezTo>
+                  <a:pt x="918178" y="11499"/>
+                  <a:pt x="1096688" y="5123"/>
+                  <a:pt x="1389888" y="0"/>
+                </a:cubicBezTo>
+                <a:cubicBezTo>
+                  <a:pt x="1683088" y="-5123"/>
+                  <a:pt x="1835981" y="-14038"/>
+                  <a:pt x="1980590" y="0"/>
+                </a:cubicBezTo>
+                <a:cubicBezTo>
+                  <a:pt x="2125199" y="14038"/>
+                  <a:pt x="2396099" y="-7203"/>
+                  <a:pt x="2571293" y="0"/>
+                </a:cubicBezTo>
+                <a:cubicBezTo>
+                  <a:pt x="2746487" y="7203"/>
+                  <a:pt x="3041609" y="-12036"/>
+                  <a:pt x="3474720" y="0"/>
+                </a:cubicBezTo>
+                <a:cubicBezTo>
+                  <a:pt x="3474638" y="4406"/>
+                  <a:pt x="3474631" y="9982"/>
+                  <a:pt x="3474720" y="18288"/>
+                </a:cubicBezTo>
+                <a:cubicBezTo>
+                  <a:pt x="3324873" y="21876"/>
+                  <a:pt x="3136771" y="12587"/>
+                  <a:pt x="2814523" y="18288"/>
+                </a:cubicBezTo>
+                <a:cubicBezTo>
+                  <a:pt x="2492275" y="23989"/>
+                  <a:pt x="2294402" y="47111"/>
+                  <a:pt x="2154326" y="18288"/>
+                </a:cubicBezTo>
+                <a:cubicBezTo>
+                  <a:pt x="2014250" y="-10535"/>
+                  <a:pt x="1820317" y="33903"/>
+                  <a:pt x="1494130" y="18288"/>
+                </a:cubicBezTo>
+                <a:cubicBezTo>
+                  <a:pt x="1167943" y="2673"/>
+                  <a:pt x="948432" y="14868"/>
+                  <a:pt x="729691" y="18288"/>
+                </a:cubicBezTo>
+                <a:cubicBezTo>
+                  <a:pt x="510950" y="21708"/>
+                  <a:pt x="264032" y="24354"/>
+                  <a:pt x="0" y="18288"/>
+                </a:cubicBezTo>
+                <a:cubicBezTo>
+                  <a:pt x="189" y="14288"/>
+                  <a:pt x="-703" y="3747"/>
+                  <a:pt x="0" y="0"/>
+                </a:cubicBezTo>
+                <a:close/>
+              </a:path>
+            </a:pathLst>
+          </a:custGeom>
+          <a:solidFill>
+            <a:schemeClr val="accent2"/>
+          </a:solidFill>
+          <a:ln w="44450" cap="rnd">
+            <a:solidFill>
+              <a:schemeClr val="accent2"/>
+            </a:solidFill>
+            <a:round/>
+            <a:extLst>
+              <a:ext uri="{C807C97D-BFC1-408E-A445-0C87EB9F89A2}">
+                <ask:lineSketchStyleProps xmlns:ask="http://schemas.microsoft.com/office/drawing/2018/sketchyshapes" sd="2863741219">
+                  <a:prstGeom prst="rect">
+                    <a:avLst/>
+                  </a:prstGeom>
+                  <ask:type>
+                    <ask:lineSketchFreehand/>
+                  </ask:type>
+                </ask:lineSketchStyleProps>
+              </a:ext>
+            </a:extLst>
+          </a:ln>
+        </p:spPr>
+        <p:style>
+          <a:lnRef idx="2">
+            <a:schemeClr val="accent1">
+              <a:shade val="50000"/>
+            </a:schemeClr>
+          </a:lnRef>
+          <a:fillRef idx="1">
+            <a:schemeClr val="accent1"/>
+          </a:fillRef>
+          <a:effectRef idx="0">
+            <a:schemeClr val="accent1"/>
+          </a:effectRef>
+          <a:fontRef idx="minor">
+            <a:schemeClr val="lt1"/>
+          </a:fontRef>
+        </p:style>
+        <p:txBody>
+          <a:bodyPr rtlCol="0" anchor="ctr"/>
+          <a:lstStyle/>
+          <a:p>
+            <a:pPr algn="ctr"/>
+            <a:endParaRPr lang="en-US"/>
+          </a:p>
+        </p:txBody>
+      </p:sp>
+      <p:sp>
+        <p:nvSpPr>
+          <p:cNvPr id="3" name="Content Placeholder 2">
+            <a:extLst>
+              <a:ext uri="{FF2B5EF4-FFF2-40B4-BE49-F238E27FC236}">
+                <a16:creationId xmlns:a16="http://schemas.microsoft.com/office/drawing/2014/main" id="{622976FA-5B6A-4481-8644-6C85F3E11058}"/>
+              </a:ext>
+            </a:extLst>
+          </p:cNvPr>
+          <p:cNvSpPr>
+            <a:spLocks noGrp="1"/>
+          </p:cNvSpPr>
+          <p:nvPr>
+            <p:ph sz="half" idx="1"/>
+          </p:nvPr>
+        </p:nvSpPr>
+        <p:spPr>
+          <a:xfrm>
+            <a:off x="640080" y="2872899"/>
+            <a:ext cx="4243589" cy="3320668"/>
+          </a:xfrm>
+        </p:spPr>
+        <p:txBody>
+          <a:bodyPr vert="horz" lIns="91440" tIns="45720" rIns="91440" bIns="45720" rtlCol="0">
+            <a:normAutofit/>
+          </a:bodyPr>
+          <a:lstStyle/>
+          <a:p>
+            <a:pPr marL="0"/>
+            <a:r>
+              <a:rPr lang="en-US" sz="2200"/>
+              <a:t>This project uses data cleaning, feature engineering, and descriptive data analysis of the NTSB Aviation Accident Database dataset to help inform my company's stakeholders about the decisions they can make to help minimize their risk when selecting a new Jet Airplane enterprise to invest in. </a:t>
+            </a:r>
+          </a:p>
+        </p:txBody>
+      </p:sp>
+      <p:pic>
+        <p:nvPicPr>
+          <p:cNvPr id="6" name="Content Placeholder 5" descr="A group of people standing around a computer&#10;&#10;Description automatically generated">
+            <a:extLst>
+              <a:ext uri="{FF2B5EF4-FFF2-40B4-BE49-F238E27FC236}">
+                <a16:creationId xmlns:a16="http://schemas.microsoft.com/office/drawing/2014/main" id="{7643342C-5F92-5610-2D38-714CCF4DB690}"/>
+              </a:ext>
+            </a:extLst>
+          </p:cNvPr>
+          <p:cNvPicPr>
+            <a:picLocks noGrp="1" noChangeAspect="1"/>
+          </p:cNvPicPr>
+          <p:nvPr>
+            <p:ph sz="half" idx="2"/>
+          </p:nvPr>
+        </p:nvPicPr>
+        <p:blipFill>
+          <a:blip r:embed="rId2"/>
+          <a:srcRect l="25304" r="14013" b="1"/>
+          <a:stretch/>
+        </p:blipFill>
+        <p:spPr>
+          <a:xfrm>
+            <a:off x="5311702" y="10"/>
+            <a:ext cx="6878775" cy="6857990"/>
+          </a:xfrm>
+          <a:custGeom>
+            <a:avLst/>
+            <a:gdLst/>
+            <a:ahLst/>
+            <a:cxnLst/>
+            <a:rect l="l" t="t" r="r" b="b"/>
+            <a:pathLst>
+              <a:path w="6878775" h="6858000">
+                <a:moveTo>
+                  <a:pt x="1102973" y="0"/>
+                </a:moveTo>
+                <a:lnTo>
+                  <a:pt x="1160688" y="0"/>
+                </a:lnTo>
+                <a:lnTo>
+                  <a:pt x="983189" y="331786"/>
+                </a:lnTo>
+                <a:cubicBezTo>
+                  <a:pt x="914866" y="469145"/>
+                  <a:pt x="850355" y="608712"/>
+                  <a:pt x="789261" y="750263"/>
+                </a:cubicBezTo>
+                <a:cubicBezTo>
+                  <a:pt x="774307" y="784928"/>
+                  <a:pt x="759992" y="819849"/>
+                  <a:pt x="745295" y="854514"/>
+                </a:cubicBezTo>
+                <a:cubicBezTo>
+                  <a:pt x="756682" y="845393"/>
+                  <a:pt x="765489" y="833492"/>
+                  <a:pt x="770857" y="819975"/>
+                </a:cubicBezTo>
+                <a:cubicBezTo>
+                  <a:pt x="879943" y="589569"/>
+                  <a:pt x="999605" y="365513"/>
+                  <a:pt x="1131329" y="148742"/>
+                </a:cubicBezTo>
+                <a:lnTo>
+                  <a:pt x="1227589" y="0"/>
+                </a:lnTo>
+                <a:lnTo>
+                  <a:pt x="6878775" y="0"/>
+                </a:lnTo>
+                <a:lnTo>
+                  <a:pt x="6878775" y="6858000"/>
+                </a:lnTo>
+                <a:lnTo>
+                  <a:pt x="713521" y="6858000"/>
+                </a:lnTo>
+                <a:lnTo>
+                  <a:pt x="625642" y="6670527"/>
+                </a:lnTo>
+                <a:cubicBezTo>
+                  <a:pt x="507232" y="6398531"/>
+                  <a:pt x="403083" y="6118381"/>
+                  <a:pt x="312785" y="5830359"/>
+                </a:cubicBezTo>
+                <a:cubicBezTo>
+                  <a:pt x="278149" y="5719759"/>
+                  <a:pt x="248879" y="5607635"/>
+                  <a:pt x="212198" y="5480401"/>
+                </a:cubicBezTo>
+                <a:cubicBezTo>
+                  <a:pt x="212208" y="5491601"/>
+                  <a:pt x="212803" y="5502788"/>
+                  <a:pt x="213988" y="5513923"/>
+                </a:cubicBezTo>
+                <a:cubicBezTo>
+                  <a:pt x="264089" y="5723695"/>
+                  <a:pt x="307290" y="5935370"/>
+                  <a:pt x="365826" y="6142729"/>
+                </a:cubicBezTo>
+                <a:cubicBezTo>
+                  <a:pt x="433152" y="6380817"/>
+                  <a:pt x="510068" y="6614016"/>
+                  <a:pt x="597975" y="6841549"/>
+                </a:cubicBezTo>
+                <a:lnTo>
+                  <a:pt x="604824" y="6858000"/>
+                </a:lnTo>
+                <a:lnTo>
+                  <a:pt x="552056" y="6858000"/>
+                </a:lnTo>
+                <a:lnTo>
+                  <a:pt x="539576" y="6828295"/>
+                </a:lnTo>
+                <a:cubicBezTo>
+                  <a:pt x="380597" y="6414594"/>
+                  <a:pt x="260223" y="5988893"/>
+                  <a:pt x="171555" y="5552906"/>
+                </a:cubicBezTo>
+                <a:cubicBezTo>
+                  <a:pt x="91163" y="5157998"/>
+                  <a:pt x="43746" y="4758899"/>
+                  <a:pt x="12305" y="4357388"/>
+                </a:cubicBezTo>
+                <a:cubicBezTo>
+                  <a:pt x="-14281" y="4013908"/>
+                  <a:pt x="4507" y="3672965"/>
+                  <a:pt x="46684" y="3331516"/>
+                </a:cubicBezTo>
+                <a:cubicBezTo>
+                  <a:pt x="127203" y="2664286"/>
+                  <a:pt x="277819" y="2007265"/>
+                  <a:pt x="496065" y="1371196"/>
+                </a:cubicBezTo>
+                <a:cubicBezTo>
+                  <a:pt x="636273" y="966066"/>
+                  <a:pt x="800445" y="573253"/>
+                  <a:pt x="995723" y="196614"/>
+                </a:cubicBezTo>
+                <a:close/>
+              </a:path>
+            </a:pathLst>
+          </a:custGeom>
+        </p:spPr>
+      </p:pic>
     </p:spTree>
     <p:extLst>
       <p:ext uri="{BB962C8B-B14F-4D97-AF65-F5344CB8AC3E}">
@@ -3487,6 +5675,14 @@
 <file path=ppt/slides/slide3.xml><?xml version="1.0" encoding="utf-8"?>
 <p:sld xmlns:a="http://schemas.openxmlformats.org/drawingml/2006/main" xmlns:r="http://schemas.openxmlformats.org/officeDocument/2006/relationships" xmlns:p="http://schemas.openxmlformats.org/presentationml/2006/main">
   <p:cSld>
+    <p:bg>
+      <p:bgPr>
+        <a:solidFill>
+          <a:schemeClr val="bg1"/>
+        </a:solidFill>
+        <a:effectLst/>
+      </p:bgPr>
+    </p:bg>
     <p:spTree>
       <p:nvGrpSpPr>
         <p:cNvPr id="1" name=""/>
@@ -3501,6 +5697,66 @@
           <a:chExt cx="0" cy="0"/>
         </a:xfrm>
       </p:grpSpPr>
+      <p:sp useBgFill="1">
+        <p:nvSpPr>
+          <p:cNvPr id="14" name="Rectangle 13">
+            <a:extLst>
+              <a:ext uri="{FF2B5EF4-FFF2-40B4-BE49-F238E27FC236}">
+                <a16:creationId xmlns:a16="http://schemas.microsoft.com/office/drawing/2014/main" id="{F13C74B1-5B17-4795-BED0-7140497B445A}"/>
+              </a:ext>
+              <a:ext uri="{C183D7F6-B498-43B3-948B-1728B52AA6E4}">
+                <adec:decorative xmlns:adec="http://schemas.microsoft.com/office/drawing/2017/decorative" val="1"/>
+              </a:ext>
+            </a:extLst>
+          </p:cNvPr>
+          <p:cNvSpPr>
+            <a:spLocks noGrp="1" noRot="1" noChangeAspect="1" noMove="1" noResize="1" noEditPoints="1" noAdjustHandles="1" noChangeArrowheads="1" noChangeShapeType="1" noTextEdit="1"/>
+          </p:cNvSpPr>
+          <p:nvPr>
+            <p:extLst>
+              <p:ext uri="{386F3935-93C4-4BCD-93E2-E3B085C9AB24}">
+                <p16:designElem xmlns:p16="http://schemas.microsoft.com/office/powerpoint/2015/main" val="1"/>
+              </p:ext>
+            </p:extLst>
+          </p:nvPr>
+        </p:nvSpPr>
+        <p:spPr>
+          <a:xfrm>
+            <a:off x="0" y="0"/>
+            <a:ext cx="12188952" cy="6858000"/>
+          </a:xfrm>
+          <a:prstGeom prst="rect">
+            <a:avLst/>
+          </a:prstGeom>
+          <a:ln>
+            <a:noFill/>
+          </a:ln>
+        </p:spPr>
+        <p:style>
+          <a:lnRef idx="2">
+            <a:schemeClr val="accent1">
+              <a:shade val="50000"/>
+            </a:schemeClr>
+          </a:lnRef>
+          <a:fillRef idx="1">
+            <a:schemeClr val="accent1"/>
+          </a:fillRef>
+          <a:effectRef idx="0">
+            <a:schemeClr val="accent1"/>
+          </a:effectRef>
+          <a:fontRef idx="minor">
+            <a:schemeClr val="lt1"/>
+          </a:fontRef>
+        </p:style>
+        <p:txBody>
+          <a:bodyPr rtlCol="0" anchor="ctr"/>
+          <a:lstStyle/>
+          <a:p>
+            <a:pPr algn="ctr"/>
+            <a:endParaRPr lang="en-US"/>
+          </a:p>
+        </p:txBody>
+      </p:sp>
       <p:sp>
         <p:nvSpPr>
           <p:cNvPr id="2" name="Title 1">
@@ -3517,15 +5773,305 @@
             <p:ph type="title"/>
           </p:nvPr>
         </p:nvSpPr>
-        <p:spPr/>
-        <p:txBody>
-          <a:bodyPr/>
+        <p:spPr>
+          <a:xfrm>
+            <a:off x="640080" y="325369"/>
+            <a:ext cx="4368602" cy="1956841"/>
+          </a:xfrm>
+        </p:spPr>
+        <p:txBody>
+          <a:bodyPr anchor="b">
+            <a:normAutofit/>
+          </a:bodyPr>
           <a:lstStyle/>
           <a:p>
             <a:r>
-              <a:rPr lang="en-US" dirty="0"/>
+              <a:rPr lang="en-US" sz="5400"/>
               <a:t>Outline</a:t>
             </a:r>
+          </a:p>
+        </p:txBody>
+      </p:sp>
+      <p:sp>
+        <p:nvSpPr>
+          <p:cNvPr id="16" name="sketchy line">
+            <a:extLst>
+              <a:ext uri="{FF2B5EF4-FFF2-40B4-BE49-F238E27FC236}">
+                <a16:creationId xmlns:a16="http://schemas.microsoft.com/office/drawing/2014/main" id="{D4974D33-8DC5-464E-8C6D-BE58F0669C17}"/>
+              </a:ext>
+              <a:ext uri="{C183D7F6-B498-43B3-948B-1728B52AA6E4}">
+                <adec:decorative xmlns:adec="http://schemas.microsoft.com/office/drawing/2017/decorative" val="1"/>
+              </a:ext>
+            </a:extLst>
+          </p:cNvPr>
+          <p:cNvSpPr>
+            <a:spLocks noGrp="1" noRot="1" noChangeAspect="1" noMove="1" noResize="1" noEditPoints="1" noAdjustHandles="1" noChangeArrowheads="1" noChangeShapeType="1" noTextEdit="1"/>
+          </p:cNvSpPr>
+          <p:nvPr>
+            <p:extLst>
+              <p:ext uri="{386F3935-93C4-4BCD-93E2-E3B085C9AB24}">
+                <p16:designElem xmlns:p16="http://schemas.microsoft.com/office/powerpoint/2015/main" val="1"/>
+              </p:ext>
+            </p:extLst>
+          </p:nvPr>
+        </p:nvSpPr>
+        <p:spPr>
+          <a:xfrm>
+            <a:off x="640080" y="2586994"/>
+            <a:ext cx="3474720" cy="18288"/>
+          </a:xfrm>
+          <a:custGeom>
+            <a:avLst/>
+            <a:gdLst>
+              <a:gd name="connsiteX0" fmla="*/ 0 w 3474720"/>
+              <a:gd name="connsiteY0" fmla="*/ 0 h 18288"/>
+              <a:gd name="connsiteX1" fmla="*/ 694944 w 3474720"/>
+              <a:gd name="connsiteY1" fmla="*/ 0 h 18288"/>
+              <a:gd name="connsiteX2" fmla="*/ 1355141 w 3474720"/>
+              <a:gd name="connsiteY2" fmla="*/ 0 h 18288"/>
+              <a:gd name="connsiteX3" fmla="*/ 2015338 w 3474720"/>
+              <a:gd name="connsiteY3" fmla="*/ 0 h 18288"/>
+              <a:gd name="connsiteX4" fmla="*/ 2779776 w 3474720"/>
+              <a:gd name="connsiteY4" fmla="*/ 0 h 18288"/>
+              <a:gd name="connsiteX5" fmla="*/ 3474720 w 3474720"/>
+              <a:gd name="connsiteY5" fmla="*/ 0 h 18288"/>
+              <a:gd name="connsiteX6" fmla="*/ 3474720 w 3474720"/>
+              <a:gd name="connsiteY6" fmla="*/ 18288 h 18288"/>
+              <a:gd name="connsiteX7" fmla="*/ 2779776 w 3474720"/>
+              <a:gd name="connsiteY7" fmla="*/ 18288 h 18288"/>
+              <a:gd name="connsiteX8" fmla="*/ 2189074 w 3474720"/>
+              <a:gd name="connsiteY8" fmla="*/ 18288 h 18288"/>
+              <a:gd name="connsiteX9" fmla="*/ 1528877 w 3474720"/>
+              <a:gd name="connsiteY9" fmla="*/ 18288 h 18288"/>
+              <a:gd name="connsiteX10" fmla="*/ 868680 w 3474720"/>
+              <a:gd name="connsiteY10" fmla="*/ 18288 h 18288"/>
+              <a:gd name="connsiteX11" fmla="*/ 0 w 3474720"/>
+              <a:gd name="connsiteY11" fmla="*/ 18288 h 18288"/>
+              <a:gd name="connsiteX12" fmla="*/ 0 w 3474720"/>
+              <a:gd name="connsiteY12" fmla="*/ 0 h 18288"/>
+            </a:gdLst>
+            <a:ahLst/>
+            <a:cxnLst>
+              <a:cxn ang="0">
+                <a:pos x="connsiteX0" y="connsiteY0"/>
+              </a:cxn>
+              <a:cxn ang="0">
+                <a:pos x="connsiteX1" y="connsiteY1"/>
+              </a:cxn>
+              <a:cxn ang="0">
+                <a:pos x="connsiteX2" y="connsiteY2"/>
+              </a:cxn>
+              <a:cxn ang="0">
+                <a:pos x="connsiteX3" y="connsiteY3"/>
+              </a:cxn>
+              <a:cxn ang="0">
+                <a:pos x="connsiteX4" y="connsiteY4"/>
+              </a:cxn>
+              <a:cxn ang="0">
+                <a:pos x="connsiteX5" y="connsiteY5"/>
+              </a:cxn>
+              <a:cxn ang="0">
+                <a:pos x="connsiteX6" y="connsiteY6"/>
+              </a:cxn>
+              <a:cxn ang="0">
+                <a:pos x="connsiteX7" y="connsiteY7"/>
+              </a:cxn>
+              <a:cxn ang="0">
+                <a:pos x="connsiteX8" y="connsiteY8"/>
+              </a:cxn>
+              <a:cxn ang="0">
+                <a:pos x="connsiteX9" y="connsiteY9"/>
+              </a:cxn>
+              <a:cxn ang="0">
+                <a:pos x="connsiteX10" y="connsiteY10"/>
+              </a:cxn>
+              <a:cxn ang="0">
+                <a:pos x="connsiteX11" y="connsiteY11"/>
+              </a:cxn>
+              <a:cxn ang="0">
+                <a:pos x="connsiteX12" y="connsiteY12"/>
+              </a:cxn>
+            </a:cxnLst>
+            <a:rect l="l" t="t" r="r" b="b"/>
+            <a:pathLst>
+              <a:path w="3474720" h="18288" fill="none" extrusionOk="0">
+                <a:moveTo>
+                  <a:pt x="0" y="0"/>
+                </a:moveTo>
+                <a:cubicBezTo>
+                  <a:pt x="224454" y="-14544"/>
+                  <a:pt x="495407" y="26540"/>
+                  <a:pt x="694944" y="0"/>
+                </a:cubicBezTo>
+                <a:cubicBezTo>
+                  <a:pt x="894481" y="-26540"/>
+                  <a:pt x="1130063" y="24713"/>
+                  <a:pt x="1355141" y="0"/>
+                </a:cubicBezTo>
+                <a:cubicBezTo>
+                  <a:pt x="1580219" y="-24713"/>
+                  <a:pt x="1820099" y="26695"/>
+                  <a:pt x="2015338" y="0"/>
+                </a:cubicBezTo>
+                <a:cubicBezTo>
+                  <a:pt x="2210577" y="-26695"/>
+                  <a:pt x="2402045" y="165"/>
+                  <a:pt x="2779776" y="0"/>
+                </a:cubicBezTo>
+                <a:cubicBezTo>
+                  <a:pt x="3157507" y="-165"/>
+                  <a:pt x="3286859" y="-15571"/>
+                  <a:pt x="3474720" y="0"/>
+                </a:cubicBezTo>
+                <a:cubicBezTo>
+                  <a:pt x="3474286" y="7551"/>
+                  <a:pt x="3474253" y="9822"/>
+                  <a:pt x="3474720" y="18288"/>
+                </a:cubicBezTo>
+                <a:cubicBezTo>
+                  <a:pt x="3233904" y="29845"/>
+                  <a:pt x="2945134" y="-5256"/>
+                  <a:pt x="2779776" y="18288"/>
+                </a:cubicBezTo>
+                <a:cubicBezTo>
+                  <a:pt x="2614418" y="41832"/>
+                  <a:pt x="2339768" y="22709"/>
+                  <a:pt x="2189074" y="18288"/>
+                </a:cubicBezTo>
+                <a:cubicBezTo>
+                  <a:pt x="2038380" y="13867"/>
+                  <a:pt x="1817434" y="-4947"/>
+                  <a:pt x="1528877" y="18288"/>
+                </a:cubicBezTo>
+                <a:cubicBezTo>
+                  <a:pt x="1240320" y="41523"/>
+                  <a:pt x="1042447" y="37198"/>
+                  <a:pt x="868680" y="18288"/>
+                </a:cubicBezTo>
+                <a:cubicBezTo>
+                  <a:pt x="694913" y="-622"/>
+                  <a:pt x="233232" y="44909"/>
+                  <a:pt x="0" y="18288"/>
+                </a:cubicBezTo>
+                <a:cubicBezTo>
+                  <a:pt x="60" y="11696"/>
+                  <a:pt x="66" y="3758"/>
+                  <a:pt x="0" y="0"/>
+                </a:cubicBezTo>
+                <a:close/>
+              </a:path>
+              <a:path w="3474720" h="18288" stroke="0" extrusionOk="0">
+                <a:moveTo>
+                  <a:pt x="0" y="0"/>
+                </a:moveTo>
+                <a:cubicBezTo>
+                  <a:pt x="202328" y="-14716"/>
+                  <a:pt x="332722" y="-11499"/>
+                  <a:pt x="625450" y="0"/>
+                </a:cubicBezTo>
+                <a:cubicBezTo>
+                  <a:pt x="918178" y="11499"/>
+                  <a:pt x="1096688" y="5123"/>
+                  <a:pt x="1389888" y="0"/>
+                </a:cubicBezTo>
+                <a:cubicBezTo>
+                  <a:pt x="1683088" y="-5123"/>
+                  <a:pt x="1835981" y="-14038"/>
+                  <a:pt x="1980590" y="0"/>
+                </a:cubicBezTo>
+                <a:cubicBezTo>
+                  <a:pt x="2125199" y="14038"/>
+                  <a:pt x="2396099" y="-7203"/>
+                  <a:pt x="2571293" y="0"/>
+                </a:cubicBezTo>
+                <a:cubicBezTo>
+                  <a:pt x="2746487" y="7203"/>
+                  <a:pt x="3041609" y="-12036"/>
+                  <a:pt x="3474720" y="0"/>
+                </a:cubicBezTo>
+                <a:cubicBezTo>
+                  <a:pt x="3474638" y="4406"/>
+                  <a:pt x="3474631" y="9982"/>
+                  <a:pt x="3474720" y="18288"/>
+                </a:cubicBezTo>
+                <a:cubicBezTo>
+                  <a:pt x="3324873" y="21876"/>
+                  <a:pt x="3136771" y="12587"/>
+                  <a:pt x="2814523" y="18288"/>
+                </a:cubicBezTo>
+                <a:cubicBezTo>
+                  <a:pt x="2492275" y="23989"/>
+                  <a:pt x="2294402" y="47111"/>
+                  <a:pt x="2154326" y="18288"/>
+                </a:cubicBezTo>
+                <a:cubicBezTo>
+                  <a:pt x="2014250" y="-10535"/>
+                  <a:pt x="1820317" y="33903"/>
+                  <a:pt x="1494130" y="18288"/>
+                </a:cubicBezTo>
+                <a:cubicBezTo>
+                  <a:pt x="1167943" y="2673"/>
+                  <a:pt x="948432" y="14868"/>
+                  <a:pt x="729691" y="18288"/>
+                </a:cubicBezTo>
+                <a:cubicBezTo>
+                  <a:pt x="510950" y="21708"/>
+                  <a:pt x="264032" y="24354"/>
+                  <a:pt x="0" y="18288"/>
+                </a:cubicBezTo>
+                <a:cubicBezTo>
+                  <a:pt x="189" y="14288"/>
+                  <a:pt x="-703" y="3747"/>
+                  <a:pt x="0" y="0"/>
+                </a:cubicBezTo>
+                <a:close/>
+              </a:path>
+            </a:pathLst>
+          </a:custGeom>
+          <a:solidFill>
+            <a:schemeClr val="accent2"/>
+          </a:solidFill>
+          <a:ln w="44450" cap="rnd">
+            <a:solidFill>
+              <a:schemeClr val="accent2"/>
+            </a:solidFill>
+            <a:round/>
+            <a:extLst>
+              <a:ext uri="{C807C97D-BFC1-408E-A445-0C87EB9F89A2}">
+                <ask:lineSketchStyleProps xmlns:ask="http://schemas.microsoft.com/office/drawing/2018/sketchyshapes" sd="2863741219">
+                  <a:prstGeom prst="rect">
+                    <a:avLst/>
+                  </a:prstGeom>
+                  <ask:type>
+                    <ask:lineSketchFreehand/>
+                  </ask:type>
+                </ask:lineSketchStyleProps>
+              </a:ext>
+            </a:extLst>
+          </a:ln>
+        </p:spPr>
+        <p:style>
+          <a:lnRef idx="2">
+            <a:schemeClr val="accent1">
+              <a:shade val="50000"/>
+            </a:schemeClr>
+          </a:lnRef>
+          <a:fillRef idx="1">
+            <a:schemeClr val="accent1"/>
+          </a:fillRef>
+          <a:effectRef idx="0">
+            <a:schemeClr val="accent1"/>
+          </a:effectRef>
+          <a:fontRef idx="minor">
+            <a:schemeClr val="lt1"/>
+          </a:fontRef>
+        </p:style>
+        <p:txBody>
+          <a:bodyPr rtlCol="0" anchor="ctr"/>
+          <a:lstStyle/>
+          <a:p>
+            <a:pPr algn="ctr"/>
+            <a:endParaRPr lang="en-US"/>
           </a:p>
         </p:txBody>
       </p:sp>
@@ -3545,45 +6091,215 @@
             <p:ph idx="1"/>
           </p:nvPr>
         </p:nvSpPr>
-        <p:spPr/>
-        <p:txBody>
-          <a:bodyPr/>
+        <p:spPr>
+          <a:xfrm>
+            <a:off x="640080" y="2872899"/>
+            <a:ext cx="4243589" cy="3320668"/>
+          </a:xfrm>
+        </p:spPr>
+        <p:txBody>
+          <a:bodyPr>
+            <a:normAutofit/>
+          </a:bodyPr>
           <a:lstStyle/>
           <a:p>
             <a:r>
-              <a:rPr lang="en-US" dirty="0"/>
-              <a:t>Business problem</a:t>
-            </a:r>
-          </a:p>
-          <a:p>
-            <a:r>
-              <a:rPr lang="en-US" dirty="0"/>
-              <a:t>Data</a:t>
-            </a:r>
-          </a:p>
-          <a:p>
-            <a:r>
-              <a:rPr lang="en-US" dirty="0"/>
-              <a:t>Methods</a:t>
-            </a:r>
-          </a:p>
-          <a:p>
-            <a:r>
-              <a:rPr lang="en-US" dirty="0"/>
-              <a:t>Results</a:t>
-            </a:r>
-          </a:p>
-          <a:p>
-            <a:r>
-              <a:rPr lang="en-US" dirty="0"/>
-              <a:t>Conclusions</a:t>
-            </a:r>
-          </a:p>
-          <a:p>
-            <a:endParaRPr lang="en-US" dirty="0"/>
-          </a:p>
-        </p:txBody>
-      </p:sp>
+              <a:rPr lang="en-US" sz="1700" b="1" dirty="0"/>
+              <a:t>Business problem: </a:t>
+            </a:r>
+            <a:r>
+              <a:rPr lang="en-US" sz="1700" dirty="0"/>
+              <a:t>Select a new Jet Plane operation to invest in. </a:t>
+            </a:r>
+          </a:p>
+          <a:p>
+            <a:r>
+              <a:rPr lang="en-US" sz="1700" b="1" dirty="0"/>
+              <a:t>Data: </a:t>
+            </a:r>
+            <a:r>
+              <a:rPr lang="en-US" sz="1700" dirty="0"/>
+              <a:t>NTSB Aviation Accident Database</a:t>
+            </a:r>
+          </a:p>
+          <a:p>
+            <a:r>
+              <a:rPr lang="en-US" sz="1700" b="1" dirty="0"/>
+              <a:t>Methods: </a:t>
+            </a:r>
+            <a:r>
+              <a:rPr lang="en-US" sz="1700" dirty="0"/>
+              <a:t>Data Cleaning, Engineering, and Analysis</a:t>
+            </a:r>
+          </a:p>
+          <a:p>
+            <a:r>
+              <a:rPr lang="en-US" sz="1700" b="1" dirty="0"/>
+              <a:t>Results: </a:t>
+            </a:r>
+            <a:r>
+              <a:rPr lang="en-US" sz="1700" dirty="0"/>
+              <a:t>Region of Operation, Jet Carrying Capacity, Type of Jet Engine</a:t>
+            </a:r>
+            <a:endParaRPr lang="en-US" sz="1700" b="1" dirty="0"/>
+          </a:p>
+          <a:p>
+            <a:r>
+              <a:rPr lang="en-US" sz="1700" b="1" dirty="0"/>
+              <a:t>Conclusions and Next Steps: </a:t>
+            </a:r>
+            <a:r>
+              <a:rPr lang="en-US" sz="1700" dirty="0"/>
+              <a:t>Analysis conclusions and possible future analyses</a:t>
+            </a:r>
+            <a:endParaRPr lang="en-US" sz="1700" b="1" dirty="0"/>
+          </a:p>
+          <a:p>
+            <a:endParaRPr lang="en-US" sz="1700" dirty="0"/>
+          </a:p>
+        </p:txBody>
+      </p:sp>
+      <p:pic>
+        <p:nvPicPr>
+          <p:cNvPr id="5" name="Picture 4" descr="Aircraft wing above clouds">
+            <a:extLst>
+              <a:ext uri="{FF2B5EF4-FFF2-40B4-BE49-F238E27FC236}">
+                <a16:creationId xmlns:a16="http://schemas.microsoft.com/office/drawing/2014/main" id="{7763B953-69F4-D9C4-62AB-6989DA659395}"/>
+              </a:ext>
+            </a:extLst>
+          </p:cNvPr>
+          <p:cNvPicPr>
+            <a:picLocks noChangeAspect="1"/>
+          </p:cNvPicPr>
+          <p:nvPr/>
+        </p:nvPicPr>
+        <p:blipFill>
+          <a:blip r:embed="rId2"/>
+          <a:srcRect l="31575" r="1472" b="-1"/>
+          <a:stretch/>
+        </p:blipFill>
+        <p:spPr>
+          <a:xfrm>
+            <a:off x="5311702" y="10"/>
+            <a:ext cx="6878775" cy="6857990"/>
+          </a:xfrm>
+          <a:custGeom>
+            <a:avLst/>
+            <a:gdLst/>
+            <a:ahLst/>
+            <a:cxnLst/>
+            <a:rect l="l" t="t" r="r" b="b"/>
+            <a:pathLst>
+              <a:path w="6878775" h="6858000">
+                <a:moveTo>
+                  <a:pt x="1102973" y="0"/>
+                </a:moveTo>
+                <a:lnTo>
+                  <a:pt x="1160688" y="0"/>
+                </a:lnTo>
+                <a:lnTo>
+                  <a:pt x="983189" y="331786"/>
+                </a:lnTo>
+                <a:cubicBezTo>
+                  <a:pt x="914866" y="469145"/>
+                  <a:pt x="850355" y="608712"/>
+                  <a:pt x="789261" y="750263"/>
+                </a:cubicBezTo>
+                <a:cubicBezTo>
+                  <a:pt x="774307" y="784928"/>
+                  <a:pt x="759992" y="819849"/>
+                  <a:pt x="745295" y="854514"/>
+                </a:cubicBezTo>
+                <a:cubicBezTo>
+                  <a:pt x="756682" y="845393"/>
+                  <a:pt x="765489" y="833492"/>
+                  <a:pt x="770857" y="819975"/>
+                </a:cubicBezTo>
+                <a:cubicBezTo>
+                  <a:pt x="879943" y="589569"/>
+                  <a:pt x="999605" y="365513"/>
+                  <a:pt x="1131329" y="148742"/>
+                </a:cubicBezTo>
+                <a:lnTo>
+                  <a:pt x="1227589" y="0"/>
+                </a:lnTo>
+                <a:lnTo>
+                  <a:pt x="6878775" y="0"/>
+                </a:lnTo>
+                <a:lnTo>
+                  <a:pt x="6878775" y="6858000"/>
+                </a:lnTo>
+                <a:lnTo>
+                  <a:pt x="713521" y="6858000"/>
+                </a:lnTo>
+                <a:lnTo>
+                  <a:pt x="625642" y="6670527"/>
+                </a:lnTo>
+                <a:cubicBezTo>
+                  <a:pt x="507232" y="6398531"/>
+                  <a:pt x="403083" y="6118381"/>
+                  <a:pt x="312785" y="5830359"/>
+                </a:cubicBezTo>
+                <a:cubicBezTo>
+                  <a:pt x="278149" y="5719759"/>
+                  <a:pt x="248879" y="5607635"/>
+                  <a:pt x="212198" y="5480401"/>
+                </a:cubicBezTo>
+                <a:cubicBezTo>
+                  <a:pt x="212208" y="5491601"/>
+                  <a:pt x="212803" y="5502788"/>
+                  <a:pt x="213988" y="5513923"/>
+                </a:cubicBezTo>
+                <a:cubicBezTo>
+                  <a:pt x="264089" y="5723695"/>
+                  <a:pt x="307290" y="5935370"/>
+                  <a:pt x="365826" y="6142729"/>
+                </a:cubicBezTo>
+                <a:cubicBezTo>
+                  <a:pt x="433152" y="6380817"/>
+                  <a:pt x="510068" y="6614016"/>
+                  <a:pt x="597975" y="6841549"/>
+                </a:cubicBezTo>
+                <a:lnTo>
+                  <a:pt x="604824" y="6858000"/>
+                </a:lnTo>
+                <a:lnTo>
+                  <a:pt x="552056" y="6858000"/>
+                </a:lnTo>
+                <a:lnTo>
+                  <a:pt x="539576" y="6828295"/>
+                </a:lnTo>
+                <a:cubicBezTo>
+                  <a:pt x="380597" y="6414594"/>
+                  <a:pt x="260223" y="5988893"/>
+                  <a:pt x="171555" y="5552906"/>
+                </a:cubicBezTo>
+                <a:cubicBezTo>
+                  <a:pt x="91163" y="5157998"/>
+                  <a:pt x="43746" y="4758899"/>
+                  <a:pt x="12305" y="4357388"/>
+                </a:cubicBezTo>
+                <a:cubicBezTo>
+                  <a:pt x="-14281" y="4013908"/>
+                  <a:pt x="4507" y="3672965"/>
+                  <a:pt x="46684" y="3331516"/>
+                </a:cubicBezTo>
+                <a:cubicBezTo>
+                  <a:pt x="127203" y="2664286"/>
+                  <a:pt x="277819" y="2007265"/>
+                  <a:pt x="496065" y="1371196"/>
+                </a:cubicBezTo>
+                <a:cubicBezTo>
+                  <a:pt x="636273" y="966066"/>
+                  <a:pt x="800445" y="573253"/>
+                  <a:pt x="995723" y="196614"/>
+                </a:cubicBezTo>
+                <a:close/>
+              </a:path>
+            </a:pathLst>
+          </a:custGeom>
+        </p:spPr>
+      </p:pic>
     </p:spTree>
     <p:extLst>
       <p:ext uri="{BB962C8B-B14F-4D97-AF65-F5344CB8AC3E}">
@@ -3600,6 +6316,14 @@
 <file path=ppt/slides/slide4.xml><?xml version="1.0" encoding="utf-8"?>
 <p:sld xmlns:a="http://schemas.openxmlformats.org/drawingml/2006/main" xmlns:r="http://schemas.openxmlformats.org/officeDocument/2006/relationships" xmlns:p="http://schemas.openxmlformats.org/presentationml/2006/main">
   <p:cSld>
+    <p:bg>
+      <p:bgPr>
+        <a:solidFill>
+          <a:schemeClr val="bg1"/>
+        </a:solidFill>
+        <a:effectLst/>
+      </p:bgPr>
+    </p:bg>
     <p:spTree>
       <p:nvGrpSpPr>
         <p:cNvPr id="1" name=""/>
@@ -3614,6 +6338,66 @@
           <a:chExt cx="0" cy="0"/>
         </a:xfrm>
       </p:grpSpPr>
+      <p:sp useBgFill="1">
+        <p:nvSpPr>
+          <p:cNvPr id="9" name="Rectangle 8">
+            <a:extLst>
+              <a:ext uri="{FF2B5EF4-FFF2-40B4-BE49-F238E27FC236}">
+                <a16:creationId xmlns:a16="http://schemas.microsoft.com/office/drawing/2014/main" id="{F13C74B1-5B17-4795-BED0-7140497B445A}"/>
+              </a:ext>
+              <a:ext uri="{C183D7F6-B498-43B3-948B-1728B52AA6E4}">
+                <adec:decorative xmlns:adec="http://schemas.microsoft.com/office/drawing/2017/decorative" val="1"/>
+              </a:ext>
+            </a:extLst>
+          </p:cNvPr>
+          <p:cNvSpPr>
+            <a:spLocks noGrp="1" noRot="1" noChangeAspect="1" noMove="1" noResize="1" noEditPoints="1" noAdjustHandles="1" noChangeArrowheads="1" noChangeShapeType="1" noTextEdit="1"/>
+          </p:cNvSpPr>
+          <p:nvPr>
+            <p:extLst>
+              <p:ext uri="{386F3935-93C4-4BCD-93E2-E3B085C9AB24}">
+                <p16:designElem xmlns:p16="http://schemas.microsoft.com/office/powerpoint/2015/main" val="1"/>
+              </p:ext>
+            </p:extLst>
+          </p:nvPr>
+        </p:nvSpPr>
+        <p:spPr>
+          <a:xfrm>
+            <a:off x="0" y="0"/>
+            <a:ext cx="12188952" cy="6858000"/>
+          </a:xfrm>
+          <a:prstGeom prst="rect">
+            <a:avLst/>
+          </a:prstGeom>
+          <a:ln>
+            <a:noFill/>
+          </a:ln>
+        </p:spPr>
+        <p:style>
+          <a:lnRef idx="2">
+            <a:schemeClr val="accent1">
+              <a:shade val="50000"/>
+            </a:schemeClr>
+          </a:lnRef>
+          <a:fillRef idx="1">
+            <a:schemeClr val="accent1"/>
+          </a:fillRef>
+          <a:effectRef idx="0">
+            <a:schemeClr val="accent1"/>
+          </a:effectRef>
+          <a:fontRef idx="minor">
+            <a:schemeClr val="lt1"/>
+          </a:fontRef>
+        </p:style>
+        <p:txBody>
+          <a:bodyPr rtlCol="0" anchor="ctr"/>
+          <a:lstStyle/>
+          <a:p>
+            <a:pPr algn="ctr"/>
+            <a:endParaRPr lang="en-US"/>
+          </a:p>
+        </p:txBody>
+      </p:sp>
       <p:sp>
         <p:nvSpPr>
           <p:cNvPr id="2" name="Title 1">
@@ -3630,15 +6414,305 @@
             <p:ph type="title"/>
           </p:nvPr>
         </p:nvSpPr>
-        <p:spPr/>
-        <p:txBody>
-          <a:bodyPr/>
+        <p:spPr>
+          <a:xfrm>
+            <a:off x="640080" y="325369"/>
+            <a:ext cx="4368602" cy="1956841"/>
+          </a:xfrm>
+        </p:spPr>
+        <p:txBody>
+          <a:bodyPr anchor="b">
+            <a:normAutofit/>
+          </a:bodyPr>
           <a:lstStyle/>
           <a:p>
             <a:r>
-              <a:rPr lang="en-US" dirty="0"/>
+              <a:rPr lang="en-US" sz="5400"/>
               <a:t>Business Problem</a:t>
             </a:r>
+          </a:p>
+        </p:txBody>
+      </p:sp>
+      <p:sp>
+        <p:nvSpPr>
+          <p:cNvPr id="11" name="sketchy line">
+            <a:extLst>
+              <a:ext uri="{FF2B5EF4-FFF2-40B4-BE49-F238E27FC236}">
+                <a16:creationId xmlns:a16="http://schemas.microsoft.com/office/drawing/2014/main" id="{D4974D33-8DC5-464E-8C6D-BE58F0669C17}"/>
+              </a:ext>
+              <a:ext uri="{C183D7F6-B498-43B3-948B-1728B52AA6E4}">
+                <adec:decorative xmlns:adec="http://schemas.microsoft.com/office/drawing/2017/decorative" val="1"/>
+              </a:ext>
+            </a:extLst>
+          </p:cNvPr>
+          <p:cNvSpPr>
+            <a:spLocks noGrp="1" noRot="1" noChangeAspect="1" noMove="1" noResize="1" noEditPoints="1" noAdjustHandles="1" noChangeArrowheads="1" noChangeShapeType="1" noTextEdit="1"/>
+          </p:cNvSpPr>
+          <p:nvPr>
+            <p:extLst>
+              <p:ext uri="{386F3935-93C4-4BCD-93E2-E3B085C9AB24}">
+                <p16:designElem xmlns:p16="http://schemas.microsoft.com/office/powerpoint/2015/main" val="1"/>
+              </p:ext>
+            </p:extLst>
+          </p:nvPr>
+        </p:nvSpPr>
+        <p:spPr>
+          <a:xfrm>
+            <a:off x="640080" y="2586994"/>
+            <a:ext cx="3474720" cy="18288"/>
+          </a:xfrm>
+          <a:custGeom>
+            <a:avLst/>
+            <a:gdLst>
+              <a:gd name="connsiteX0" fmla="*/ 0 w 3474720"/>
+              <a:gd name="connsiteY0" fmla="*/ 0 h 18288"/>
+              <a:gd name="connsiteX1" fmla="*/ 694944 w 3474720"/>
+              <a:gd name="connsiteY1" fmla="*/ 0 h 18288"/>
+              <a:gd name="connsiteX2" fmla="*/ 1355141 w 3474720"/>
+              <a:gd name="connsiteY2" fmla="*/ 0 h 18288"/>
+              <a:gd name="connsiteX3" fmla="*/ 2015338 w 3474720"/>
+              <a:gd name="connsiteY3" fmla="*/ 0 h 18288"/>
+              <a:gd name="connsiteX4" fmla="*/ 2779776 w 3474720"/>
+              <a:gd name="connsiteY4" fmla="*/ 0 h 18288"/>
+              <a:gd name="connsiteX5" fmla="*/ 3474720 w 3474720"/>
+              <a:gd name="connsiteY5" fmla="*/ 0 h 18288"/>
+              <a:gd name="connsiteX6" fmla="*/ 3474720 w 3474720"/>
+              <a:gd name="connsiteY6" fmla="*/ 18288 h 18288"/>
+              <a:gd name="connsiteX7" fmla="*/ 2779776 w 3474720"/>
+              <a:gd name="connsiteY7" fmla="*/ 18288 h 18288"/>
+              <a:gd name="connsiteX8" fmla="*/ 2189074 w 3474720"/>
+              <a:gd name="connsiteY8" fmla="*/ 18288 h 18288"/>
+              <a:gd name="connsiteX9" fmla="*/ 1528877 w 3474720"/>
+              <a:gd name="connsiteY9" fmla="*/ 18288 h 18288"/>
+              <a:gd name="connsiteX10" fmla="*/ 868680 w 3474720"/>
+              <a:gd name="connsiteY10" fmla="*/ 18288 h 18288"/>
+              <a:gd name="connsiteX11" fmla="*/ 0 w 3474720"/>
+              <a:gd name="connsiteY11" fmla="*/ 18288 h 18288"/>
+              <a:gd name="connsiteX12" fmla="*/ 0 w 3474720"/>
+              <a:gd name="connsiteY12" fmla="*/ 0 h 18288"/>
+            </a:gdLst>
+            <a:ahLst/>
+            <a:cxnLst>
+              <a:cxn ang="0">
+                <a:pos x="connsiteX0" y="connsiteY0"/>
+              </a:cxn>
+              <a:cxn ang="0">
+                <a:pos x="connsiteX1" y="connsiteY1"/>
+              </a:cxn>
+              <a:cxn ang="0">
+                <a:pos x="connsiteX2" y="connsiteY2"/>
+              </a:cxn>
+              <a:cxn ang="0">
+                <a:pos x="connsiteX3" y="connsiteY3"/>
+              </a:cxn>
+              <a:cxn ang="0">
+                <a:pos x="connsiteX4" y="connsiteY4"/>
+              </a:cxn>
+              <a:cxn ang="0">
+                <a:pos x="connsiteX5" y="connsiteY5"/>
+              </a:cxn>
+              <a:cxn ang="0">
+                <a:pos x="connsiteX6" y="connsiteY6"/>
+              </a:cxn>
+              <a:cxn ang="0">
+                <a:pos x="connsiteX7" y="connsiteY7"/>
+              </a:cxn>
+              <a:cxn ang="0">
+                <a:pos x="connsiteX8" y="connsiteY8"/>
+              </a:cxn>
+              <a:cxn ang="0">
+                <a:pos x="connsiteX9" y="connsiteY9"/>
+              </a:cxn>
+              <a:cxn ang="0">
+                <a:pos x="connsiteX10" y="connsiteY10"/>
+              </a:cxn>
+              <a:cxn ang="0">
+                <a:pos x="connsiteX11" y="connsiteY11"/>
+              </a:cxn>
+              <a:cxn ang="0">
+                <a:pos x="connsiteX12" y="connsiteY12"/>
+              </a:cxn>
+            </a:cxnLst>
+            <a:rect l="l" t="t" r="r" b="b"/>
+            <a:pathLst>
+              <a:path w="3474720" h="18288" fill="none" extrusionOk="0">
+                <a:moveTo>
+                  <a:pt x="0" y="0"/>
+                </a:moveTo>
+                <a:cubicBezTo>
+                  <a:pt x="224454" y="-14544"/>
+                  <a:pt x="495407" y="26540"/>
+                  <a:pt x="694944" y="0"/>
+                </a:cubicBezTo>
+                <a:cubicBezTo>
+                  <a:pt x="894481" y="-26540"/>
+                  <a:pt x="1130063" y="24713"/>
+                  <a:pt x="1355141" y="0"/>
+                </a:cubicBezTo>
+                <a:cubicBezTo>
+                  <a:pt x="1580219" y="-24713"/>
+                  <a:pt x="1820099" y="26695"/>
+                  <a:pt x="2015338" y="0"/>
+                </a:cubicBezTo>
+                <a:cubicBezTo>
+                  <a:pt x="2210577" y="-26695"/>
+                  <a:pt x="2402045" y="165"/>
+                  <a:pt x="2779776" y="0"/>
+                </a:cubicBezTo>
+                <a:cubicBezTo>
+                  <a:pt x="3157507" y="-165"/>
+                  <a:pt x="3286859" y="-15571"/>
+                  <a:pt x="3474720" y="0"/>
+                </a:cubicBezTo>
+                <a:cubicBezTo>
+                  <a:pt x="3474286" y="7551"/>
+                  <a:pt x="3474253" y="9822"/>
+                  <a:pt x="3474720" y="18288"/>
+                </a:cubicBezTo>
+                <a:cubicBezTo>
+                  <a:pt x="3233904" y="29845"/>
+                  <a:pt x="2945134" y="-5256"/>
+                  <a:pt x="2779776" y="18288"/>
+                </a:cubicBezTo>
+                <a:cubicBezTo>
+                  <a:pt x="2614418" y="41832"/>
+                  <a:pt x="2339768" y="22709"/>
+                  <a:pt x="2189074" y="18288"/>
+                </a:cubicBezTo>
+                <a:cubicBezTo>
+                  <a:pt x="2038380" y="13867"/>
+                  <a:pt x="1817434" y="-4947"/>
+                  <a:pt x="1528877" y="18288"/>
+                </a:cubicBezTo>
+                <a:cubicBezTo>
+                  <a:pt x="1240320" y="41523"/>
+                  <a:pt x="1042447" y="37198"/>
+                  <a:pt x="868680" y="18288"/>
+                </a:cubicBezTo>
+                <a:cubicBezTo>
+                  <a:pt x="694913" y="-622"/>
+                  <a:pt x="233232" y="44909"/>
+                  <a:pt x="0" y="18288"/>
+                </a:cubicBezTo>
+                <a:cubicBezTo>
+                  <a:pt x="60" y="11696"/>
+                  <a:pt x="66" y="3758"/>
+                  <a:pt x="0" y="0"/>
+                </a:cubicBezTo>
+                <a:close/>
+              </a:path>
+              <a:path w="3474720" h="18288" stroke="0" extrusionOk="0">
+                <a:moveTo>
+                  <a:pt x="0" y="0"/>
+                </a:moveTo>
+                <a:cubicBezTo>
+                  <a:pt x="202328" y="-14716"/>
+                  <a:pt x="332722" y="-11499"/>
+                  <a:pt x="625450" y="0"/>
+                </a:cubicBezTo>
+                <a:cubicBezTo>
+                  <a:pt x="918178" y="11499"/>
+                  <a:pt x="1096688" y="5123"/>
+                  <a:pt x="1389888" y="0"/>
+                </a:cubicBezTo>
+                <a:cubicBezTo>
+                  <a:pt x="1683088" y="-5123"/>
+                  <a:pt x="1835981" y="-14038"/>
+                  <a:pt x="1980590" y="0"/>
+                </a:cubicBezTo>
+                <a:cubicBezTo>
+                  <a:pt x="2125199" y="14038"/>
+                  <a:pt x="2396099" y="-7203"/>
+                  <a:pt x="2571293" y="0"/>
+                </a:cubicBezTo>
+                <a:cubicBezTo>
+                  <a:pt x="2746487" y="7203"/>
+                  <a:pt x="3041609" y="-12036"/>
+                  <a:pt x="3474720" y="0"/>
+                </a:cubicBezTo>
+                <a:cubicBezTo>
+                  <a:pt x="3474638" y="4406"/>
+                  <a:pt x="3474631" y="9982"/>
+                  <a:pt x="3474720" y="18288"/>
+                </a:cubicBezTo>
+                <a:cubicBezTo>
+                  <a:pt x="3324873" y="21876"/>
+                  <a:pt x="3136771" y="12587"/>
+                  <a:pt x="2814523" y="18288"/>
+                </a:cubicBezTo>
+                <a:cubicBezTo>
+                  <a:pt x="2492275" y="23989"/>
+                  <a:pt x="2294402" y="47111"/>
+                  <a:pt x="2154326" y="18288"/>
+                </a:cubicBezTo>
+                <a:cubicBezTo>
+                  <a:pt x="2014250" y="-10535"/>
+                  <a:pt x="1820317" y="33903"/>
+                  <a:pt x="1494130" y="18288"/>
+                </a:cubicBezTo>
+                <a:cubicBezTo>
+                  <a:pt x="1167943" y="2673"/>
+                  <a:pt x="948432" y="14868"/>
+                  <a:pt x="729691" y="18288"/>
+                </a:cubicBezTo>
+                <a:cubicBezTo>
+                  <a:pt x="510950" y="21708"/>
+                  <a:pt x="264032" y="24354"/>
+                  <a:pt x="0" y="18288"/>
+                </a:cubicBezTo>
+                <a:cubicBezTo>
+                  <a:pt x="189" y="14288"/>
+                  <a:pt x="-703" y="3747"/>
+                  <a:pt x="0" y="0"/>
+                </a:cubicBezTo>
+                <a:close/>
+              </a:path>
+            </a:pathLst>
+          </a:custGeom>
+          <a:solidFill>
+            <a:schemeClr val="accent2"/>
+          </a:solidFill>
+          <a:ln w="44450" cap="rnd">
+            <a:solidFill>
+              <a:schemeClr val="accent2"/>
+            </a:solidFill>
+            <a:round/>
+            <a:extLst>
+              <a:ext uri="{C807C97D-BFC1-408E-A445-0C87EB9F89A2}">
+                <ask:lineSketchStyleProps xmlns:ask="http://schemas.microsoft.com/office/drawing/2018/sketchyshapes" sd="2863741219">
+                  <a:prstGeom prst="rect">
+                    <a:avLst/>
+                  </a:prstGeom>
+                  <ask:type>
+                    <ask:lineSketchFreehand/>
+                  </ask:type>
+                </ask:lineSketchStyleProps>
+              </a:ext>
+            </a:extLst>
+          </a:ln>
+        </p:spPr>
+        <p:style>
+          <a:lnRef idx="2">
+            <a:schemeClr val="accent1">
+              <a:shade val="50000"/>
+            </a:schemeClr>
+          </a:lnRef>
+          <a:fillRef idx="1">
+            <a:schemeClr val="accent1"/>
+          </a:fillRef>
+          <a:effectRef idx="0">
+            <a:schemeClr val="accent1"/>
+          </a:effectRef>
+          <a:fontRef idx="minor">
+            <a:schemeClr val="lt1"/>
+          </a:fontRef>
+        </p:style>
+        <p:txBody>
+          <a:bodyPr rtlCol="0" anchor="ctr"/>
+          <a:lstStyle/>
+          <a:p>
+            <a:pPr algn="ctr"/>
+            <a:endParaRPr lang="en-US"/>
           </a:p>
         </p:txBody>
       </p:sp>
@@ -3658,18 +6732,166 @@
             <p:ph idx="1"/>
           </p:nvPr>
         </p:nvSpPr>
-        <p:spPr/>
-        <p:txBody>
-          <a:bodyPr/>
+        <p:spPr>
+          <a:xfrm>
+            <a:off x="640080" y="2872899"/>
+            <a:ext cx="4243589" cy="3320668"/>
+          </a:xfrm>
+        </p:spPr>
+        <p:txBody>
+          <a:bodyPr>
+            <a:normAutofit/>
+          </a:bodyPr>
           <a:lstStyle/>
           <a:p>
             <a:r>
-              <a:rPr lang="en-US" dirty="0"/>
-              <a:t>Describe The business problem here </a:t>
-            </a:r>
-          </a:p>
-        </p:txBody>
-      </p:sp>
+              <a:rPr lang="en-US" sz="1900"/>
+              <a:t>My company would like to diversify its portfolio by investing in a new Jet-plane operation. Due to this being a new field for my company, my analysis will help guide the stakeholders in selecting an operation with minimized risks. This is done through my highlighting of certain aspects of Jet operations that can be controlled to help minimize the chance of a flight resulting in a fatal incident. </a:t>
+            </a:r>
+          </a:p>
+        </p:txBody>
+      </p:sp>
+      <p:pic>
+        <p:nvPicPr>
+          <p:cNvPr id="5" name="Picture 4" descr="Light bulb on yellow background with sketched light beams and cord">
+            <a:extLst>
+              <a:ext uri="{FF2B5EF4-FFF2-40B4-BE49-F238E27FC236}">
+                <a16:creationId xmlns:a16="http://schemas.microsoft.com/office/drawing/2014/main" id="{9DC4EE3E-F551-9479-F0CA-B978DEBE6EDC}"/>
+              </a:ext>
+            </a:extLst>
+          </p:cNvPr>
+          <p:cNvPicPr>
+            <a:picLocks noChangeAspect="1"/>
+          </p:cNvPicPr>
+          <p:nvPr/>
+        </p:nvPicPr>
+        <p:blipFill>
+          <a:blip r:embed="rId2"/>
+          <a:srcRect l="38314"/>
+          <a:stretch/>
+        </p:blipFill>
+        <p:spPr>
+          <a:xfrm>
+            <a:off x="5311702" y="10"/>
+            <a:ext cx="6878775" cy="6857990"/>
+          </a:xfrm>
+          <a:custGeom>
+            <a:avLst/>
+            <a:gdLst/>
+            <a:ahLst/>
+            <a:cxnLst/>
+            <a:rect l="l" t="t" r="r" b="b"/>
+            <a:pathLst>
+              <a:path w="6878775" h="6858000">
+                <a:moveTo>
+                  <a:pt x="1102973" y="0"/>
+                </a:moveTo>
+                <a:lnTo>
+                  <a:pt x="1160688" y="0"/>
+                </a:lnTo>
+                <a:lnTo>
+                  <a:pt x="983189" y="331786"/>
+                </a:lnTo>
+                <a:cubicBezTo>
+                  <a:pt x="914866" y="469145"/>
+                  <a:pt x="850355" y="608712"/>
+                  <a:pt x="789261" y="750263"/>
+                </a:cubicBezTo>
+                <a:cubicBezTo>
+                  <a:pt x="774307" y="784928"/>
+                  <a:pt x="759992" y="819849"/>
+                  <a:pt x="745295" y="854514"/>
+                </a:cubicBezTo>
+                <a:cubicBezTo>
+                  <a:pt x="756682" y="845393"/>
+                  <a:pt x="765489" y="833492"/>
+                  <a:pt x="770857" y="819975"/>
+                </a:cubicBezTo>
+                <a:cubicBezTo>
+                  <a:pt x="879943" y="589569"/>
+                  <a:pt x="999605" y="365513"/>
+                  <a:pt x="1131329" y="148742"/>
+                </a:cubicBezTo>
+                <a:lnTo>
+                  <a:pt x="1227589" y="0"/>
+                </a:lnTo>
+                <a:lnTo>
+                  <a:pt x="6878775" y="0"/>
+                </a:lnTo>
+                <a:lnTo>
+                  <a:pt x="6878775" y="6858000"/>
+                </a:lnTo>
+                <a:lnTo>
+                  <a:pt x="713521" y="6858000"/>
+                </a:lnTo>
+                <a:lnTo>
+                  <a:pt x="625642" y="6670527"/>
+                </a:lnTo>
+                <a:cubicBezTo>
+                  <a:pt x="507232" y="6398531"/>
+                  <a:pt x="403083" y="6118381"/>
+                  <a:pt x="312785" y="5830359"/>
+                </a:cubicBezTo>
+                <a:cubicBezTo>
+                  <a:pt x="278149" y="5719759"/>
+                  <a:pt x="248879" y="5607635"/>
+                  <a:pt x="212198" y="5480401"/>
+                </a:cubicBezTo>
+                <a:cubicBezTo>
+                  <a:pt x="212208" y="5491601"/>
+                  <a:pt x="212803" y="5502788"/>
+                  <a:pt x="213988" y="5513923"/>
+                </a:cubicBezTo>
+                <a:cubicBezTo>
+                  <a:pt x="264089" y="5723695"/>
+                  <a:pt x="307290" y="5935370"/>
+                  <a:pt x="365826" y="6142729"/>
+                </a:cubicBezTo>
+                <a:cubicBezTo>
+                  <a:pt x="433152" y="6380817"/>
+                  <a:pt x="510068" y="6614016"/>
+                  <a:pt x="597975" y="6841549"/>
+                </a:cubicBezTo>
+                <a:lnTo>
+                  <a:pt x="604824" y="6858000"/>
+                </a:lnTo>
+                <a:lnTo>
+                  <a:pt x="552056" y="6858000"/>
+                </a:lnTo>
+                <a:lnTo>
+                  <a:pt x="539576" y="6828295"/>
+                </a:lnTo>
+                <a:cubicBezTo>
+                  <a:pt x="380597" y="6414594"/>
+                  <a:pt x="260223" y="5988893"/>
+                  <a:pt x="171555" y="5552906"/>
+                </a:cubicBezTo>
+                <a:cubicBezTo>
+                  <a:pt x="91163" y="5157998"/>
+                  <a:pt x="43746" y="4758899"/>
+                  <a:pt x="12305" y="4357388"/>
+                </a:cubicBezTo>
+                <a:cubicBezTo>
+                  <a:pt x="-14281" y="4013908"/>
+                  <a:pt x="4507" y="3672965"/>
+                  <a:pt x="46684" y="3331516"/>
+                </a:cubicBezTo>
+                <a:cubicBezTo>
+                  <a:pt x="127203" y="2664286"/>
+                  <a:pt x="277819" y="2007265"/>
+                  <a:pt x="496065" y="1371196"/>
+                </a:cubicBezTo>
+                <a:cubicBezTo>
+                  <a:pt x="636273" y="966066"/>
+                  <a:pt x="800445" y="573253"/>
+                  <a:pt x="995723" y="196614"/>
+                </a:cubicBezTo>
+                <a:close/>
+              </a:path>
+            </a:pathLst>
+          </a:custGeom>
+        </p:spPr>
+      </p:pic>
     </p:spTree>
     <p:extLst>
       <p:ext uri="{BB962C8B-B14F-4D97-AF65-F5344CB8AC3E}">
@@ -3686,6 +6908,14 @@
 <file path=ppt/slides/slide5.xml><?xml version="1.0" encoding="utf-8"?>
 <p:sld xmlns:a="http://schemas.openxmlformats.org/drawingml/2006/main" xmlns:r="http://schemas.openxmlformats.org/officeDocument/2006/relationships" xmlns:p="http://schemas.openxmlformats.org/presentationml/2006/main">
   <p:cSld>
+    <p:bg>
+      <p:bgPr>
+        <a:solidFill>
+          <a:schemeClr val="bg1"/>
+        </a:solidFill>
+        <a:effectLst/>
+      </p:bgPr>
+    </p:bg>
     <p:spTree>
       <p:nvGrpSpPr>
         <p:cNvPr id="1" name=""/>
@@ -3700,6 +6930,66 @@
           <a:chExt cx="0" cy="0"/>
         </a:xfrm>
       </p:grpSpPr>
+      <p:sp useBgFill="1">
+        <p:nvSpPr>
+          <p:cNvPr id="12" name="Rectangle 11">
+            <a:extLst>
+              <a:ext uri="{FF2B5EF4-FFF2-40B4-BE49-F238E27FC236}">
+                <a16:creationId xmlns:a16="http://schemas.microsoft.com/office/drawing/2014/main" id="{53B021B3-DE93-4AB7-8A18-CF5F1CED88B8}"/>
+              </a:ext>
+              <a:ext uri="{C183D7F6-B498-43B3-948B-1728B52AA6E4}">
+                <adec:decorative xmlns:adec="http://schemas.microsoft.com/office/drawing/2017/decorative" val="1"/>
+              </a:ext>
+            </a:extLst>
+          </p:cNvPr>
+          <p:cNvSpPr>
+            <a:spLocks noGrp="1" noRot="1" noChangeAspect="1" noMove="1" noResize="1" noEditPoints="1" noAdjustHandles="1" noChangeArrowheads="1" noChangeShapeType="1" noTextEdit="1"/>
+          </p:cNvSpPr>
+          <p:nvPr>
+            <p:extLst>
+              <p:ext uri="{386F3935-93C4-4BCD-93E2-E3B085C9AB24}">
+                <p16:designElem xmlns:p16="http://schemas.microsoft.com/office/powerpoint/2015/main" val="1"/>
+              </p:ext>
+            </p:extLst>
+          </p:nvPr>
+        </p:nvSpPr>
+        <p:spPr>
+          <a:xfrm>
+            <a:off x="0" y="0"/>
+            <a:ext cx="12192000" cy="6858000"/>
+          </a:xfrm>
+          <a:prstGeom prst="rect">
+            <a:avLst/>
+          </a:prstGeom>
+          <a:ln>
+            <a:noFill/>
+          </a:ln>
+        </p:spPr>
+        <p:style>
+          <a:lnRef idx="2">
+            <a:schemeClr val="accent1">
+              <a:shade val="50000"/>
+            </a:schemeClr>
+          </a:lnRef>
+          <a:fillRef idx="1">
+            <a:schemeClr val="accent1"/>
+          </a:fillRef>
+          <a:effectRef idx="0">
+            <a:schemeClr val="accent1"/>
+          </a:effectRef>
+          <a:fontRef idx="minor">
+            <a:schemeClr val="lt1"/>
+          </a:fontRef>
+        </p:style>
+        <p:txBody>
+          <a:bodyPr rtlCol="0" anchor="ctr"/>
+          <a:lstStyle/>
+          <a:p>
+            <a:pPr algn="ctr"/>
+            <a:endParaRPr lang="en-US"/>
+          </a:p>
+        </p:txBody>
+      </p:sp>
       <p:sp>
         <p:nvSpPr>
           <p:cNvPr id="2" name="Title 1">
@@ -3716,15 +7006,213 @@
             <p:ph type="title"/>
           </p:nvPr>
         </p:nvSpPr>
-        <p:spPr/>
+        <p:spPr>
+          <a:xfrm>
+            <a:off x="841248" y="256032"/>
+            <a:ext cx="10506456" cy="1014984"/>
+          </a:xfrm>
+        </p:spPr>
+        <p:txBody>
+          <a:bodyPr vert="horz" lIns="91440" tIns="45720" rIns="91440" bIns="45720" rtlCol="0" anchor="b">
+            <a:normAutofit/>
+          </a:bodyPr>
+          <a:lstStyle/>
+          <a:p>
+            <a:r>
+              <a:rPr lang="en-US" kern="1200">
+                <a:solidFill>
+                  <a:schemeClr val="tx1"/>
+                </a:solidFill>
+                <a:latin typeface="+mj-lt"/>
+                <a:ea typeface="+mj-ea"/>
+                <a:cs typeface="+mj-cs"/>
+              </a:rPr>
+              <a:t>Data Used and Limitations</a:t>
+            </a:r>
+          </a:p>
+        </p:txBody>
+      </p:sp>
+      <p:sp>
+        <p:nvSpPr>
+          <p:cNvPr id="14" name="Rectangle 13">
+            <a:extLst>
+              <a:ext uri="{FF2B5EF4-FFF2-40B4-BE49-F238E27FC236}">
+                <a16:creationId xmlns:a16="http://schemas.microsoft.com/office/drawing/2014/main" id="{52D502E5-F6B4-4D58-B4AE-FC466FF15EE8}"/>
+              </a:ext>
+              <a:ext uri="{C183D7F6-B498-43B3-948B-1728B52AA6E4}">
+                <adec:decorative xmlns:adec="http://schemas.microsoft.com/office/drawing/2017/decorative" val="1"/>
+              </a:ext>
+            </a:extLst>
+          </p:cNvPr>
+          <p:cNvSpPr>
+            <a:spLocks noGrp="1" noRot="1" noChangeAspect="1" noMove="1" noResize="1" noEditPoints="1" noAdjustHandles="1" noChangeArrowheads="1" noChangeShapeType="1" noTextEdit="1"/>
+          </p:cNvSpPr>
+          <p:nvPr>
+            <p:extLst>
+              <p:ext uri="{386F3935-93C4-4BCD-93E2-E3B085C9AB24}">
+                <p16:designElem xmlns:p16="http://schemas.microsoft.com/office/powerpoint/2015/main" val="1"/>
+              </p:ext>
+            </p:extLst>
+          </p:nvPr>
+        </p:nvSpPr>
+        <p:spPr>
+          <a:xfrm>
+            <a:off x="865953" y="1634502"/>
+            <a:ext cx="10451592" cy="18288"/>
+          </a:xfrm>
+          <a:prstGeom prst="rect">
+            <a:avLst/>
+          </a:prstGeom>
+          <a:solidFill>
+            <a:srgbClr val="D5D5D5"/>
+          </a:solidFill>
+          <a:ln w="3175">
+            <a:noFill/>
+          </a:ln>
+          <a:effectLst/>
+        </p:spPr>
+        <p:style>
+          <a:lnRef idx="2">
+            <a:schemeClr val="accent1">
+              <a:shade val="50000"/>
+            </a:schemeClr>
+          </a:lnRef>
+          <a:fillRef idx="1">
+            <a:schemeClr val="accent1"/>
+          </a:fillRef>
+          <a:effectRef idx="0">
+            <a:schemeClr val="accent1"/>
+          </a:effectRef>
+          <a:fontRef idx="minor">
+            <a:schemeClr val="lt1"/>
+          </a:fontRef>
+        </p:style>
+        <p:txBody>
+          <a:bodyPr rtlCol="0" anchor="ctr"/>
+          <a:lstStyle/>
+          <a:p>
+            <a:pPr algn="ctr"/>
+            <a:endParaRPr lang="en-US">
+              <a:solidFill>
+                <a:prstClr val="white"/>
+              </a:solidFill>
+              <a:latin typeface="Calibri" panose="020F0502020204030204"/>
+            </a:endParaRPr>
+          </a:p>
+        </p:txBody>
+      </p:sp>
+      <p:sp>
+        <p:nvSpPr>
+          <p:cNvPr id="16" name="Rectangle 15">
+            <a:extLst>
+              <a:ext uri="{FF2B5EF4-FFF2-40B4-BE49-F238E27FC236}">
+                <a16:creationId xmlns:a16="http://schemas.microsoft.com/office/drawing/2014/main" id="{9DECDBF4-02B6-4BB4-B65B-B8107AD6A9E8}"/>
+              </a:ext>
+              <a:ext uri="{C183D7F6-B498-43B3-948B-1728B52AA6E4}">
+                <adec:decorative xmlns:adec="http://schemas.microsoft.com/office/drawing/2017/decorative" val="1"/>
+              </a:ext>
+            </a:extLst>
+          </p:cNvPr>
+          <p:cNvSpPr>
+            <a:spLocks noGrp="1" noRot="1" noChangeAspect="1" noMove="1" noResize="1" noEditPoints="1" noAdjustHandles="1" noChangeArrowheads="1" noChangeShapeType="1" noTextEdit="1"/>
+          </p:cNvSpPr>
+          <p:nvPr>
+            <p:extLst>
+              <p:ext uri="{386F3935-93C4-4BCD-93E2-E3B085C9AB24}">
+                <p16:designElem xmlns:p16="http://schemas.microsoft.com/office/powerpoint/2015/main" val="1"/>
+              </p:ext>
+            </p:extLst>
+          </p:nvPr>
+        </p:nvSpPr>
+        <p:spPr>
+          <a:xfrm flipV="1">
+            <a:off x="841248" y="1538176"/>
+            <a:ext cx="1873457" cy="109814"/>
+          </a:xfrm>
+          <a:prstGeom prst="rect">
+            <a:avLst/>
+          </a:prstGeom>
+          <a:solidFill>
+            <a:schemeClr val="accent2"/>
+          </a:solidFill>
+          <a:ln>
+            <a:noFill/>
+          </a:ln>
+        </p:spPr>
+        <p:style>
+          <a:lnRef idx="2">
+            <a:schemeClr val="accent1">
+              <a:shade val="50000"/>
+            </a:schemeClr>
+          </a:lnRef>
+          <a:fillRef idx="1">
+            <a:schemeClr val="accent1"/>
+          </a:fillRef>
+          <a:effectRef idx="0">
+            <a:schemeClr val="accent1"/>
+          </a:effectRef>
+          <a:fontRef idx="minor">
+            <a:schemeClr val="lt1"/>
+          </a:fontRef>
+        </p:style>
+        <p:txBody>
+          <a:bodyPr rtlCol="0" anchor="ctr"/>
+          <a:lstStyle/>
+          <a:p>
+            <a:pPr algn="ctr"/>
+            <a:endParaRPr lang="en-US">
+              <a:solidFill>
+                <a:prstClr val="white"/>
+              </a:solidFill>
+              <a:latin typeface="Calibri" panose="020F0502020204030204"/>
+            </a:endParaRPr>
+          </a:p>
+        </p:txBody>
+      </p:sp>
+      <p:sp>
+        <p:nvSpPr>
+          <p:cNvPr id="5" name="Text Placeholder 4">
+            <a:extLst>
+              <a:ext uri="{FF2B5EF4-FFF2-40B4-BE49-F238E27FC236}">
+                <a16:creationId xmlns:a16="http://schemas.microsoft.com/office/drawing/2014/main" id="{496488DF-AF71-3B67-BA0D-49095FCFC10E}"/>
+              </a:ext>
+            </a:extLst>
+          </p:cNvPr>
+          <p:cNvSpPr>
+            <a:spLocks/>
+          </p:cNvSpPr>
+          <p:nvPr/>
+        </p:nvSpPr>
+        <p:spPr>
+          <a:xfrm>
+            <a:off x="1014268" y="1926266"/>
+            <a:ext cx="4985068" cy="796322"/>
+          </a:xfrm>
+          <a:prstGeom prst="rect">
+            <a:avLst/>
+          </a:prstGeom>
+        </p:spPr>
         <p:txBody>
           <a:bodyPr/>
           <a:lstStyle/>
           <a:p>
-            <a:r>
-              <a:rPr lang="en-US" dirty="0"/>
-              <a:t>Data</a:t>
-            </a:r>
+            <a:pPr defTabSz="877824">
+              <a:spcAft>
+                <a:spcPts val="600"/>
+              </a:spcAft>
+            </a:pPr>
+            <a:r>
+              <a:rPr lang="en-US" sz="1728" kern="1200">
+                <a:solidFill>
+                  <a:schemeClr val="tx1"/>
+                </a:solidFill>
+                <a:latin typeface="+mn-lt"/>
+                <a:ea typeface="+mn-ea"/>
+                <a:cs typeface="+mn-cs"/>
+              </a:rPr>
+              <a:t>Data Used</a:t>
+            </a:r>
+            <a:endParaRPr lang="en-US"/>
           </a:p>
         </p:txBody>
       </p:sp>
@@ -3738,21 +7226,212 @@
             </a:extLst>
           </p:cNvPr>
           <p:cNvSpPr>
-            <a:spLocks noGrp="1"/>
-          </p:cNvSpPr>
-          <p:nvPr>
-            <p:ph idx="1"/>
-          </p:nvPr>
-        </p:nvSpPr>
-        <p:spPr/>
+            <a:spLocks/>
+          </p:cNvSpPr>
+          <p:nvPr/>
+        </p:nvSpPr>
+        <p:spPr>
+          <a:xfrm>
+            <a:off x="1014268" y="2722588"/>
+            <a:ext cx="4985068" cy="3561202"/>
+          </a:xfrm>
+          <a:prstGeom prst="rect">
+            <a:avLst/>
+          </a:prstGeom>
+        </p:spPr>
+        <p:txBody>
+          <a:bodyPr>
+            <a:normAutofit/>
+          </a:bodyPr>
+          <a:lstStyle/>
+          <a:p>
+            <a:pPr defTabSz="877824">
+              <a:spcAft>
+                <a:spcPts val="600"/>
+              </a:spcAft>
+            </a:pPr>
+            <a:r>
+              <a:rPr lang="en-US" sz="1728" kern="1200">
+                <a:solidFill>
+                  <a:schemeClr val="tx1"/>
+                </a:solidFill>
+                <a:latin typeface="+mn-lt"/>
+                <a:ea typeface="+mn-ea"/>
+                <a:cs typeface="+mn-cs"/>
+              </a:rPr>
+              <a:t>I use NTSB Aviation Accident Database dataset to conduct analyses about what factors may lead to a lower chance of a flight resulting in a fatal incident.  </a:t>
+            </a:r>
+          </a:p>
+          <a:p>
+            <a:pPr defTabSz="877824">
+              <a:spcAft>
+                <a:spcPts val="600"/>
+              </a:spcAft>
+            </a:pPr>
+            <a:r>
+              <a:rPr lang="en-US" sz="1728" kern="1200">
+                <a:solidFill>
+                  <a:schemeClr val="tx1"/>
+                </a:solidFill>
+                <a:latin typeface="+mn-lt"/>
+                <a:ea typeface="+mn-ea"/>
+                <a:cs typeface="+mn-cs"/>
+              </a:rPr>
+              <a:t>90,348 records of problematic flights from 1962 -2023.</a:t>
+            </a:r>
+          </a:p>
+          <a:p>
+            <a:pPr defTabSz="877824">
+              <a:spcAft>
+                <a:spcPts val="600"/>
+              </a:spcAft>
+            </a:pPr>
+            <a:r>
+              <a:rPr lang="en-US" sz="1728" kern="1200">
+                <a:solidFill>
+                  <a:schemeClr val="tx1"/>
+                </a:solidFill>
+                <a:latin typeface="+mn-lt"/>
+                <a:ea typeface="+mn-ea"/>
+                <a:cs typeface="+mn-cs"/>
+              </a:rPr>
+              <a:t>Each record gives information, across 30 columns, about the type of aircraft, date/location of incident, and incident severity for each event.</a:t>
+            </a:r>
+          </a:p>
+          <a:p>
+            <a:pPr>
+              <a:spcAft>
+                <a:spcPts val="600"/>
+              </a:spcAft>
+            </a:pPr>
+            <a:endParaRPr lang="en-US"/>
+          </a:p>
+        </p:txBody>
+      </p:sp>
+      <p:sp>
+        <p:nvSpPr>
+          <p:cNvPr id="6" name="Text Placeholder 5">
+            <a:extLst>
+              <a:ext uri="{FF2B5EF4-FFF2-40B4-BE49-F238E27FC236}">
+                <a16:creationId xmlns:a16="http://schemas.microsoft.com/office/drawing/2014/main" id="{005AF3BB-2D61-D4CC-C92F-3FC20E45A501}"/>
+              </a:ext>
+            </a:extLst>
+          </p:cNvPr>
+          <p:cNvSpPr>
+            <a:spLocks/>
+          </p:cNvSpPr>
+          <p:nvPr/>
+        </p:nvSpPr>
+        <p:spPr>
+          <a:xfrm>
+            <a:off x="6168113" y="1926266"/>
+            <a:ext cx="5009619" cy="796322"/>
+          </a:xfrm>
+          <a:prstGeom prst="rect">
+            <a:avLst/>
+          </a:prstGeom>
+        </p:spPr>
         <p:txBody>
           <a:bodyPr/>
           <a:lstStyle/>
           <a:p>
-            <a:r>
-              <a:rPr lang="en-US" dirty="0"/>
-              <a:t>Describe the relevant characteristics of your data here </a:t>
-            </a:r>
+            <a:pPr defTabSz="877824">
+              <a:spcAft>
+                <a:spcPts val="600"/>
+              </a:spcAft>
+            </a:pPr>
+            <a:r>
+              <a:rPr lang="en-US" sz="1728" kern="1200">
+                <a:solidFill>
+                  <a:schemeClr val="tx1"/>
+                </a:solidFill>
+                <a:latin typeface="+mn-lt"/>
+                <a:ea typeface="+mn-ea"/>
+                <a:cs typeface="+mn-cs"/>
+              </a:rPr>
+              <a:t>Data Limitations </a:t>
+            </a:r>
+            <a:endParaRPr lang="en-US"/>
+          </a:p>
+        </p:txBody>
+      </p:sp>
+      <p:sp>
+        <p:nvSpPr>
+          <p:cNvPr id="7" name="Content Placeholder 6">
+            <a:extLst>
+              <a:ext uri="{FF2B5EF4-FFF2-40B4-BE49-F238E27FC236}">
+                <a16:creationId xmlns:a16="http://schemas.microsoft.com/office/drawing/2014/main" id="{B9D6CBD2-1D27-AE17-1A19-042599765255}"/>
+              </a:ext>
+            </a:extLst>
+          </p:cNvPr>
+          <p:cNvSpPr>
+            <a:spLocks/>
+          </p:cNvSpPr>
+          <p:nvPr/>
+        </p:nvSpPr>
+        <p:spPr>
+          <a:xfrm>
+            <a:off x="6168113" y="2722588"/>
+            <a:ext cx="5009619" cy="3561202"/>
+          </a:xfrm>
+          <a:prstGeom prst="rect">
+            <a:avLst/>
+          </a:prstGeom>
+        </p:spPr>
+        <p:txBody>
+          <a:bodyPr>
+            <a:normAutofit/>
+          </a:bodyPr>
+          <a:lstStyle/>
+          <a:p>
+            <a:pPr defTabSz="877824">
+              <a:spcAft>
+                <a:spcPts val="600"/>
+              </a:spcAft>
+            </a:pPr>
+            <a:r>
+              <a:rPr lang="en-US" sz="1728" kern="1200">
+                <a:solidFill>
+                  <a:schemeClr val="tx1"/>
+                </a:solidFill>
+                <a:highlight>
+                  <a:srgbClr val="FFFFFF"/>
+                </a:highlight>
+                <a:latin typeface="system-ui"/>
+                <a:ea typeface="+mn-ea"/>
+                <a:cs typeface="+mn-cs"/>
+              </a:rPr>
+              <a:t>Only records of problematic flights are included, not total records of all flights. </a:t>
+            </a:r>
+          </a:p>
+          <a:p>
+            <a:pPr defTabSz="877824">
+              <a:spcAft>
+                <a:spcPts val="600"/>
+              </a:spcAft>
+            </a:pPr>
+            <a:r>
+              <a:rPr lang="en-US" sz="1728" kern="1200">
+                <a:solidFill>
+                  <a:schemeClr val="tx1"/>
+                </a:solidFill>
+                <a:latin typeface="+mn-lt"/>
+                <a:ea typeface="+mn-ea"/>
+                <a:cs typeface="+mn-cs"/>
+              </a:rPr>
+              <a:t>Can only analyze attributes of problematic flights, not what causes the problems. </a:t>
+            </a:r>
+            <a:br>
+              <a:rPr lang="en-US" sz="1728" kern="1200">
+                <a:solidFill>
+                  <a:schemeClr val="tx1"/>
+                </a:solidFill>
+                <a:latin typeface="+mn-lt"/>
+                <a:ea typeface="+mn-ea"/>
+                <a:cs typeface="+mn-cs"/>
+              </a:rPr>
+            </a:br>
+            <a:endParaRPr lang="en-US"/>
           </a:p>
         </p:txBody>
       </p:sp>
@@ -3772,6 +7451,14 @@
 <file path=ppt/slides/slide6.xml><?xml version="1.0" encoding="utf-8"?>
 <p:sld xmlns:a="http://schemas.openxmlformats.org/drawingml/2006/main" xmlns:r="http://schemas.openxmlformats.org/officeDocument/2006/relationships" xmlns:p="http://schemas.openxmlformats.org/presentationml/2006/main">
   <p:cSld>
+    <p:bg>
+      <p:bgPr>
+        <a:solidFill>
+          <a:schemeClr val="bg1"/>
+        </a:solidFill>
+        <a:effectLst/>
+      </p:bgPr>
+    </p:bg>
     <p:spTree>
       <p:nvGrpSpPr>
         <p:cNvPr id="1" name=""/>
@@ -3786,6 +7473,66 @@
           <a:chExt cx="0" cy="0"/>
         </a:xfrm>
       </p:grpSpPr>
+      <p:sp useBgFill="1">
+        <p:nvSpPr>
+          <p:cNvPr id="9" name="Rectangle 8">
+            <a:extLst>
+              <a:ext uri="{FF2B5EF4-FFF2-40B4-BE49-F238E27FC236}">
+                <a16:creationId xmlns:a16="http://schemas.microsoft.com/office/drawing/2014/main" id="{2C61293E-6EBE-43EF-A52C-9BEBFD7679D4}"/>
+              </a:ext>
+              <a:ext uri="{C183D7F6-B498-43B3-948B-1728B52AA6E4}">
+                <adec:decorative xmlns:adec="http://schemas.microsoft.com/office/drawing/2017/decorative" val="1"/>
+              </a:ext>
+            </a:extLst>
+          </p:cNvPr>
+          <p:cNvSpPr>
+            <a:spLocks noGrp="1" noRot="1" noChangeAspect="1" noMove="1" noResize="1" noEditPoints="1" noAdjustHandles="1" noChangeArrowheads="1" noChangeShapeType="1" noTextEdit="1"/>
+          </p:cNvSpPr>
+          <p:nvPr>
+            <p:extLst>
+              <p:ext uri="{386F3935-93C4-4BCD-93E2-E3B085C9AB24}">
+                <p16:designElem xmlns:p16="http://schemas.microsoft.com/office/powerpoint/2015/main" val="1"/>
+              </p:ext>
+            </p:extLst>
+          </p:nvPr>
+        </p:nvSpPr>
+        <p:spPr>
+          <a:xfrm>
+            <a:off x="0" y="0"/>
+            <a:ext cx="12188952" cy="6858000"/>
+          </a:xfrm>
+          <a:prstGeom prst="rect">
+            <a:avLst/>
+          </a:prstGeom>
+          <a:ln>
+            <a:noFill/>
+          </a:ln>
+        </p:spPr>
+        <p:style>
+          <a:lnRef idx="2">
+            <a:schemeClr val="accent1">
+              <a:shade val="50000"/>
+            </a:schemeClr>
+          </a:lnRef>
+          <a:fillRef idx="1">
+            <a:schemeClr val="accent1"/>
+          </a:fillRef>
+          <a:effectRef idx="0">
+            <a:schemeClr val="accent1"/>
+          </a:effectRef>
+          <a:fontRef idx="minor">
+            <a:schemeClr val="lt1"/>
+          </a:fontRef>
+        </p:style>
+        <p:txBody>
+          <a:bodyPr rtlCol="0" anchor="ctr"/>
+          <a:lstStyle/>
+          <a:p>
+            <a:pPr algn="ctr"/>
+            <a:endParaRPr lang="en-US"/>
+          </a:p>
+        </p:txBody>
+      </p:sp>
       <p:sp>
         <p:nvSpPr>
           <p:cNvPr id="2" name="Title 1">
@@ -3802,15 +7549,578 @@
             <p:ph type="title"/>
           </p:nvPr>
         </p:nvSpPr>
-        <p:spPr/>
-        <p:txBody>
-          <a:bodyPr/>
+        <p:spPr>
+          <a:xfrm>
+            <a:off x="4654296" y="329184"/>
+            <a:ext cx="6894576" cy="1783080"/>
+          </a:xfrm>
+        </p:spPr>
+        <p:txBody>
+          <a:bodyPr anchor="b">
+            <a:normAutofit/>
+          </a:bodyPr>
           <a:lstStyle/>
           <a:p>
             <a:r>
-              <a:rPr lang="en-US" dirty="0"/>
-              <a:t>Methods</a:t>
-            </a:r>
+              <a:rPr lang="en-US" sz="5400"/>
+              <a:t>Data Analysis Methods</a:t>
+            </a:r>
+          </a:p>
+        </p:txBody>
+      </p:sp>
+      <p:pic>
+        <p:nvPicPr>
+          <p:cNvPr id="5" name="Picture 4" descr="Plane on tarmac">
+            <a:extLst>
+              <a:ext uri="{FF2B5EF4-FFF2-40B4-BE49-F238E27FC236}">
+                <a16:creationId xmlns:a16="http://schemas.microsoft.com/office/drawing/2014/main" id="{8BBF8391-7A4B-13AD-6994-3DDF6AECD1FE}"/>
+              </a:ext>
+            </a:extLst>
+          </p:cNvPr>
+          <p:cNvPicPr>
+            <a:picLocks noChangeAspect="1"/>
+          </p:cNvPicPr>
+          <p:nvPr/>
+        </p:nvPicPr>
+        <p:blipFill>
+          <a:blip r:embed="rId2"/>
+          <a:srcRect l="42994" r="17561" b="-2"/>
+          <a:stretch/>
+        </p:blipFill>
+        <p:spPr>
+          <a:xfrm>
+            <a:off x="20" y="1"/>
+            <a:ext cx="4052522" cy="6858000"/>
+          </a:xfrm>
+          <a:custGeom>
+            <a:avLst/>
+            <a:gdLst/>
+            <a:ahLst/>
+            <a:cxnLst/>
+            <a:rect l="l" t="t" r="r" b="b"/>
+            <a:pathLst>
+              <a:path w="4052542" h="6858000">
+                <a:moveTo>
+                  <a:pt x="0" y="0"/>
+                </a:moveTo>
+                <a:lnTo>
+                  <a:pt x="4020923" y="0"/>
+                </a:lnTo>
+                <a:lnTo>
+                  <a:pt x="4022656" y="14697"/>
+                </a:lnTo>
+                <a:cubicBezTo>
+                  <a:pt x="4037606" y="98462"/>
+                  <a:pt x="4035072" y="183369"/>
+                  <a:pt x="4039126" y="267642"/>
+                </a:cubicBezTo>
+                <a:cubicBezTo>
+                  <a:pt x="4043941" y="370699"/>
+                  <a:pt x="4037860" y="474136"/>
+                  <a:pt x="4035579" y="577446"/>
+                </a:cubicBezTo>
+                <a:cubicBezTo>
+                  <a:pt x="4033805" y="665399"/>
+                  <a:pt x="4025063" y="753226"/>
+                  <a:pt x="4027724" y="841306"/>
+                </a:cubicBezTo>
+                <a:cubicBezTo>
+                  <a:pt x="4027914" y="844352"/>
+                  <a:pt x="4027914" y="847398"/>
+                  <a:pt x="4027724" y="850444"/>
+                </a:cubicBezTo>
+                <a:cubicBezTo>
+                  <a:pt x="4019615" y="947281"/>
+                  <a:pt x="4019615" y="1044626"/>
+                  <a:pt x="4027724" y="1141464"/>
+                </a:cubicBezTo>
+                <a:cubicBezTo>
+                  <a:pt x="4030296" y="1181772"/>
+                  <a:pt x="4029574" y="1222221"/>
+                  <a:pt x="4025570" y="1262415"/>
+                </a:cubicBezTo>
+                <a:cubicBezTo>
+                  <a:pt x="4021769" y="1313563"/>
+                  <a:pt x="4009606" y="1365472"/>
+                  <a:pt x="4018348" y="1416238"/>
+                </a:cubicBezTo>
+                <a:cubicBezTo>
+                  <a:pt x="4024037" y="1458058"/>
+                  <a:pt x="4027166" y="1500194"/>
+                  <a:pt x="4027724" y="1542394"/>
+                </a:cubicBezTo>
+                <a:cubicBezTo>
+                  <a:pt x="4032158" y="1636820"/>
+                  <a:pt x="4027977" y="1731753"/>
+                  <a:pt x="4026330" y="1826433"/>
+                </a:cubicBezTo>
+                <a:cubicBezTo>
+                  <a:pt x="4024556" y="1936724"/>
+                  <a:pt x="4027344" y="2047015"/>
+                  <a:pt x="4018475" y="2157432"/>
+                </a:cubicBezTo>
+                <a:cubicBezTo>
+                  <a:pt x="4013597" y="2246629"/>
+                  <a:pt x="4013597" y="2336029"/>
+                  <a:pt x="4018475" y="2425226"/>
+                </a:cubicBezTo>
+                <a:cubicBezTo>
+                  <a:pt x="4020882" y="2506961"/>
+                  <a:pt x="4033172" y="2587934"/>
+                  <a:pt x="4031145" y="2670557"/>
+                </a:cubicBezTo>
+                <a:cubicBezTo>
+                  <a:pt x="4028737" y="2766886"/>
+                  <a:pt x="4017335" y="2862962"/>
+                  <a:pt x="4020882" y="2959546"/>
+                </a:cubicBezTo>
+                <a:cubicBezTo>
+                  <a:pt x="4022529" y="3005617"/>
+                  <a:pt x="4022656" y="3051688"/>
+                  <a:pt x="4023543" y="3097758"/>
+                </a:cubicBezTo>
+                <a:cubicBezTo>
+                  <a:pt x="4024683" y="3153221"/>
+                  <a:pt x="4034692" y="3208556"/>
+                  <a:pt x="4029117" y="3263892"/>
+                </a:cubicBezTo>
+                <a:cubicBezTo>
+                  <a:pt x="4019869" y="3356161"/>
+                  <a:pt x="3995923" y="3446906"/>
+                  <a:pt x="4010873" y="3541459"/>
+                </a:cubicBezTo>
+                <a:cubicBezTo>
+                  <a:pt x="4019108" y="3593495"/>
+                  <a:pt x="4028357" y="3645658"/>
+                  <a:pt x="4033172" y="3698201"/>
+                </a:cubicBezTo>
+                <a:cubicBezTo>
+                  <a:pt x="4037353" y="3745160"/>
+                  <a:pt x="4047868" y="3792881"/>
+                  <a:pt x="4039886" y="3839586"/>
+                </a:cubicBezTo>
+                <a:cubicBezTo>
+                  <a:pt x="4033045" y="3879565"/>
+                  <a:pt x="4036592" y="3919544"/>
+                  <a:pt x="4031271" y="3959523"/>
+                </a:cubicBezTo>
+                <a:cubicBezTo>
+                  <a:pt x="4024303" y="4011939"/>
+                  <a:pt x="4020629" y="4065244"/>
+                  <a:pt x="4015308" y="4118042"/>
+                </a:cubicBezTo>
+                <a:cubicBezTo>
+                  <a:pt x="4010620" y="4165889"/>
+                  <a:pt x="4006946" y="4213610"/>
+                  <a:pt x="4019615" y="4258539"/>
+                </a:cubicBezTo>
+                <a:cubicBezTo>
+                  <a:pt x="4050656" y="4371622"/>
+                  <a:pt x="4033679" y="4484070"/>
+                  <a:pt x="4022023" y="4596391"/>
+                </a:cubicBezTo>
+                <a:cubicBezTo>
+                  <a:pt x="4016321" y="4650965"/>
+                  <a:pt x="4007959" y="4708712"/>
+                  <a:pt x="4020629" y="4758718"/>
+                </a:cubicBezTo>
+                <a:cubicBezTo>
+                  <a:pt x="4043941" y="4847432"/>
+                  <a:pt x="4025697" y="4931705"/>
+                  <a:pt x="4015561" y="5016866"/>
+                </a:cubicBezTo>
+                <a:cubicBezTo>
+                  <a:pt x="4003335" y="5100174"/>
+                  <a:pt x="4005096" y="5184929"/>
+                  <a:pt x="4020756" y="5267654"/>
+                </a:cubicBezTo>
+                <a:cubicBezTo>
+                  <a:pt x="4033172" y="5326035"/>
+                  <a:pt x="4033172" y="5385432"/>
+                  <a:pt x="4034692" y="5444194"/>
+                </a:cubicBezTo>
+                <a:cubicBezTo>
+                  <a:pt x="4035579" y="5481001"/>
+                  <a:pt x="4022023" y="5518441"/>
+                  <a:pt x="4013027" y="5555120"/>
+                </a:cubicBezTo>
+                <a:cubicBezTo>
+                  <a:pt x="3996937" y="5621371"/>
+                  <a:pt x="3991109" y="5688636"/>
+                  <a:pt x="4013027" y="5753237"/>
+                </a:cubicBezTo>
+                <a:cubicBezTo>
+                  <a:pt x="4043561" y="5842713"/>
+                  <a:pt x="4061045" y="5932189"/>
+                  <a:pt x="4048375" y="6026870"/>
+                </a:cubicBezTo>
+                <a:cubicBezTo>
+                  <a:pt x="4041027" y="6085251"/>
+                  <a:pt x="4039380" y="6144902"/>
+                  <a:pt x="4028357" y="6202522"/>
+                </a:cubicBezTo>
+                <a:cubicBezTo>
+                  <a:pt x="4010240" y="6298091"/>
+                  <a:pt x="4016701" y="6393024"/>
+                  <a:pt x="4031145" y="6487196"/>
+                </a:cubicBezTo>
+                <a:cubicBezTo>
+                  <a:pt x="4041293" y="6565885"/>
+                  <a:pt x="4042395" y="6645474"/>
+                  <a:pt x="4034439" y="6724403"/>
+                </a:cubicBezTo>
+                <a:lnTo>
+                  <a:pt x="4025206" y="6858000"/>
+                </a:lnTo>
+                <a:lnTo>
+                  <a:pt x="0" y="6858000"/>
+                </a:lnTo>
+                <a:close/>
+              </a:path>
+            </a:pathLst>
+          </a:custGeom>
+        </p:spPr>
+      </p:pic>
+      <p:sp>
+        <p:nvSpPr>
+          <p:cNvPr id="11" name="sketchy line">
+            <a:extLst>
+              <a:ext uri="{FF2B5EF4-FFF2-40B4-BE49-F238E27FC236}">
+                <a16:creationId xmlns:a16="http://schemas.microsoft.com/office/drawing/2014/main" id="{3FCFB1DE-0B7E-48CC-BA90-B2AB0889F9D6}"/>
+              </a:ext>
+              <a:ext uri="{C183D7F6-B498-43B3-948B-1728B52AA6E4}">
+                <adec:decorative xmlns:adec="http://schemas.microsoft.com/office/drawing/2017/decorative" val="1"/>
+              </a:ext>
+            </a:extLst>
+          </p:cNvPr>
+          <p:cNvSpPr>
+            <a:spLocks noGrp="1" noRot="1" noChangeAspect="1" noMove="1" noResize="1" noEditPoints="1" noAdjustHandles="1" noChangeArrowheads="1" noChangeShapeType="1" noTextEdit="1"/>
+          </p:cNvSpPr>
+          <p:nvPr>
+            <p:extLst>
+              <p:ext uri="{386F3935-93C4-4BCD-93E2-E3B085C9AB24}">
+                <p16:designElem xmlns:p16="http://schemas.microsoft.com/office/powerpoint/2015/main" val="1"/>
+              </p:ext>
+            </p:extLst>
+          </p:nvPr>
+        </p:nvSpPr>
+        <p:spPr>
+          <a:xfrm>
+            <a:off x="4654296" y="2395728"/>
+            <a:ext cx="4243589" cy="18288"/>
+          </a:xfrm>
+          <a:custGeom>
+            <a:avLst/>
+            <a:gdLst>
+              <a:gd name="connsiteX0" fmla="*/ 0 w 4243589"/>
+              <a:gd name="connsiteY0" fmla="*/ 0 h 18288"/>
+              <a:gd name="connsiteX1" fmla="*/ 478919 w 4243589"/>
+              <a:gd name="connsiteY1" fmla="*/ 0 h 18288"/>
+              <a:gd name="connsiteX2" fmla="*/ 957839 w 4243589"/>
+              <a:gd name="connsiteY2" fmla="*/ 0 h 18288"/>
+              <a:gd name="connsiteX3" fmla="*/ 1521630 w 4243589"/>
+              <a:gd name="connsiteY3" fmla="*/ 0 h 18288"/>
+              <a:gd name="connsiteX4" fmla="*/ 2212729 w 4243589"/>
+              <a:gd name="connsiteY4" fmla="*/ 0 h 18288"/>
+              <a:gd name="connsiteX5" fmla="*/ 2734084 w 4243589"/>
+              <a:gd name="connsiteY5" fmla="*/ 0 h 18288"/>
+              <a:gd name="connsiteX6" fmla="*/ 3255439 w 4243589"/>
+              <a:gd name="connsiteY6" fmla="*/ 0 h 18288"/>
+              <a:gd name="connsiteX7" fmla="*/ 4243589 w 4243589"/>
+              <a:gd name="connsiteY7" fmla="*/ 0 h 18288"/>
+              <a:gd name="connsiteX8" fmla="*/ 4243589 w 4243589"/>
+              <a:gd name="connsiteY8" fmla="*/ 18288 h 18288"/>
+              <a:gd name="connsiteX9" fmla="*/ 3594926 w 4243589"/>
+              <a:gd name="connsiteY9" fmla="*/ 18288 h 18288"/>
+              <a:gd name="connsiteX10" fmla="*/ 3073571 w 4243589"/>
+              <a:gd name="connsiteY10" fmla="*/ 18288 h 18288"/>
+              <a:gd name="connsiteX11" fmla="*/ 2552216 w 4243589"/>
+              <a:gd name="connsiteY11" fmla="*/ 18288 h 18288"/>
+              <a:gd name="connsiteX12" fmla="*/ 1903553 w 4243589"/>
+              <a:gd name="connsiteY12" fmla="*/ 18288 h 18288"/>
+              <a:gd name="connsiteX13" fmla="*/ 1212454 w 4243589"/>
+              <a:gd name="connsiteY13" fmla="*/ 18288 h 18288"/>
+              <a:gd name="connsiteX14" fmla="*/ 733535 w 4243589"/>
+              <a:gd name="connsiteY14" fmla="*/ 18288 h 18288"/>
+              <a:gd name="connsiteX15" fmla="*/ 0 w 4243589"/>
+              <a:gd name="connsiteY15" fmla="*/ 18288 h 18288"/>
+              <a:gd name="connsiteX16" fmla="*/ 0 w 4243589"/>
+              <a:gd name="connsiteY16" fmla="*/ 0 h 18288"/>
+            </a:gdLst>
+            <a:ahLst/>
+            <a:cxnLst>
+              <a:cxn ang="0">
+                <a:pos x="connsiteX0" y="connsiteY0"/>
+              </a:cxn>
+              <a:cxn ang="0">
+                <a:pos x="connsiteX1" y="connsiteY1"/>
+              </a:cxn>
+              <a:cxn ang="0">
+                <a:pos x="connsiteX2" y="connsiteY2"/>
+              </a:cxn>
+              <a:cxn ang="0">
+                <a:pos x="connsiteX3" y="connsiteY3"/>
+              </a:cxn>
+              <a:cxn ang="0">
+                <a:pos x="connsiteX4" y="connsiteY4"/>
+              </a:cxn>
+              <a:cxn ang="0">
+                <a:pos x="connsiteX5" y="connsiteY5"/>
+              </a:cxn>
+              <a:cxn ang="0">
+                <a:pos x="connsiteX6" y="connsiteY6"/>
+              </a:cxn>
+              <a:cxn ang="0">
+                <a:pos x="connsiteX7" y="connsiteY7"/>
+              </a:cxn>
+              <a:cxn ang="0">
+                <a:pos x="connsiteX8" y="connsiteY8"/>
+              </a:cxn>
+              <a:cxn ang="0">
+                <a:pos x="connsiteX9" y="connsiteY9"/>
+              </a:cxn>
+              <a:cxn ang="0">
+                <a:pos x="connsiteX10" y="connsiteY10"/>
+              </a:cxn>
+              <a:cxn ang="0">
+                <a:pos x="connsiteX11" y="connsiteY11"/>
+              </a:cxn>
+              <a:cxn ang="0">
+                <a:pos x="connsiteX12" y="connsiteY12"/>
+              </a:cxn>
+              <a:cxn ang="0">
+                <a:pos x="connsiteX13" y="connsiteY13"/>
+              </a:cxn>
+              <a:cxn ang="0">
+                <a:pos x="connsiteX14" y="connsiteY14"/>
+              </a:cxn>
+              <a:cxn ang="0">
+                <a:pos x="connsiteX15" y="connsiteY15"/>
+              </a:cxn>
+              <a:cxn ang="0">
+                <a:pos x="connsiteX16" y="connsiteY16"/>
+              </a:cxn>
+            </a:cxnLst>
+            <a:rect l="l" t="t" r="r" b="b"/>
+            <a:pathLst>
+              <a:path w="4243589" h="18288" fill="none" extrusionOk="0">
+                <a:moveTo>
+                  <a:pt x="0" y="0"/>
+                </a:moveTo>
+                <a:cubicBezTo>
+                  <a:pt x="213395" y="-21006"/>
+                  <a:pt x="307421" y="-18116"/>
+                  <a:pt x="478919" y="0"/>
+                </a:cubicBezTo>
+                <a:cubicBezTo>
+                  <a:pt x="650417" y="18116"/>
+                  <a:pt x="831092" y="-21237"/>
+                  <a:pt x="957839" y="0"/>
+                </a:cubicBezTo>
+                <a:cubicBezTo>
+                  <a:pt x="1084586" y="21237"/>
+                  <a:pt x="1301682" y="25124"/>
+                  <a:pt x="1521630" y="0"/>
+                </a:cubicBezTo>
+                <a:cubicBezTo>
+                  <a:pt x="1741578" y="-25124"/>
+                  <a:pt x="1970269" y="-29139"/>
+                  <a:pt x="2212729" y="0"/>
+                </a:cubicBezTo>
+                <a:cubicBezTo>
+                  <a:pt x="2455189" y="29139"/>
+                  <a:pt x="2558847" y="-4796"/>
+                  <a:pt x="2734084" y="0"/>
+                </a:cubicBezTo>
+                <a:cubicBezTo>
+                  <a:pt x="2909321" y="4796"/>
+                  <a:pt x="3097217" y="-13409"/>
+                  <a:pt x="3255439" y="0"/>
+                </a:cubicBezTo>
+                <a:cubicBezTo>
+                  <a:pt x="3413662" y="13409"/>
+                  <a:pt x="3979999" y="-10121"/>
+                  <a:pt x="4243589" y="0"/>
+                </a:cubicBezTo>
+                <a:cubicBezTo>
+                  <a:pt x="4244484" y="8974"/>
+                  <a:pt x="4243043" y="9359"/>
+                  <a:pt x="4243589" y="18288"/>
+                </a:cubicBezTo>
+                <a:cubicBezTo>
+                  <a:pt x="4058777" y="31246"/>
+                  <a:pt x="3910348" y="3158"/>
+                  <a:pt x="3594926" y="18288"/>
+                </a:cubicBezTo>
+                <a:cubicBezTo>
+                  <a:pt x="3279504" y="33418"/>
+                  <a:pt x="3319955" y="-3977"/>
+                  <a:pt x="3073571" y="18288"/>
+                </a:cubicBezTo>
+                <a:cubicBezTo>
+                  <a:pt x="2827187" y="40553"/>
+                  <a:pt x="2767387" y="1863"/>
+                  <a:pt x="2552216" y="18288"/>
+                </a:cubicBezTo>
+                <a:cubicBezTo>
+                  <a:pt x="2337046" y="34713"/>
+                  <a:pt x="2181871" y="19527"/>
+                  <a:pt x="1903553" y="18288"/>
+                </a:cubicBezTo>
+                <a:cubicBezTo>
+                  <a:pt x="1625235" y="17049"/>
+                  <a:pt x="1557672" y="24174"/>
+                  <a:pt x="1212454" y="18288"/>
+                </a:cubicBezTo>
+                <a:cubicBezTo>
+                  <a:pt x="867236" y="12402"/>
+                  <a:pt x="874382" y="15627"/>
+                  <a:pt x="733535" y="18288"/>
+                </a:cubicBezTo>
+                <a:cubicBezTo>
+                  <a:pt x="592688" y="20949"/>
+                  <a:pt x="183477" y="14753"/>
+                  <a:pt x="0" y="18288"/>
+                </a:cubicBezTo>
+                <a:cubicBezTo>
+                  <a:pt x="-229" y="14222"/>
+                  <a:pt x="509" y="5816"/>
+                  <a:pt x="0" y="0"/>
+                </a:cubicBezTo>
+                <a:close/>
+              </a:path>
+              <a:path w="4243589" h="18288" stroke="0" extrusionOk="0">
+                <a:moveTo>
+                  <a:pt x="0" y="0"/>
+                </a:moveTo>
+                <a:cubicBezTo>
+                  <a:pt x="143690" y="16630"/>
+                  <a:pt x="266667" y="14847"/>
+                  <a:pt x="521355" y="0"/>
+                </a:cubicBezTo>
+                <a:cubicBezTo>
+                  <a:pt x="776043" y="-14847"/>
+                  <a:pt x="814491" y="-17363"/>
+                  <a:pt x="1000275" y="0"/>
+                </a:cubicBezTo>
+                <a:cubicBezTo>
+                  <a:pt x="1186059" y="17363"/>
+                  <a:pt x="1352504" y="-23507"/>
+                  <a:pt x="1521630" y="0"/>
+                </a:cubicBezTo>
+                <a:cubicBezTo>
+                  <a:pt x="1690756" y="23507"/>
+                  <a:pt x="1889525" y="5871"/>
+                  <a:pt x="2127857" y="0"/>
+                </a:cubicBezTo>
+                <a:cubicBezTo>
+                  <a:pt x="2366189" y="-5871"/>
+                  <a:pt x="2620628" y="-27997"/>
+                  <a:pt x="2776520" y="0"/>
+                </a:cubicBezTo>
+                <a:cubicBezTo>
+                  <a:pt x="2932412" y="27997"/>
+                  <a:pt x="3131683" y="-25073"/>
+                  <a:pt x="3467618" y="0"/>
+                </a:cubicBezTo>
+                <a:cubicBezTo>
+                  <a:pt x="3803553" y="25073"/>
+                  <a:pt x="4017371" y="3071"/>
+                  <a:pt x="4243589" y="0"/>
+                </a:cubicBezTo>
+                <a:cubicBezTo>
+                  <a:pt x="4243134" y="6162"/>
+                  <a:pt x="4243492" y="11775"/>
+                  <a:pt x="4243589" y="18288"/>
+                </a:cubicBezTo>
+                <a:cubicBezTo>
+                  <a:pt x="4017834" y="-5779"/>
+                  <a:pt x="3834586" y="13376"/>
+                  <a:pt x="3594926" y="18288"/>
+                </a:cubicBezTo>
+                <a:cubicBezTo>
+                  <a:pt x="3355266" y="23200"/>
+                  <a:pt x="3204179" y="2869"/>
+                  <a:pt x="2903827" y="18288"/>
+                </a:cubicBezTo>
+                <a:cubicBezTo>
+                  <a:pt x="2603475" y="33707"/>
+                  <a:pt x="2526187" y="46187"/>
+                  <a:pt x="2212729" y="18288"/>
+                </a:cubicBezTo>
+                <a:cubicBezTo>
+                  <a:pt x="1899271" y="-9611"/>
+                  <a:pt x="1966289" y="29692"/>
+                  <a:pt x="1733809" y="18288"/>
+                </a:cubicBezTo>
+                <a:cubicBezTo>
+                  <a:pt x="1501329" y="6884"/>
+                  <a:pt x="1343612" y="12492"/>
+                  <a:pt x="1085146" y="18288"/>
+                </a:cubicBezTo>
+                <a:cubicBezTo>
+                  <a:pt x="826680" y="24084"/>
+                  <a:pt x="778184" y="35607"/>
+                  <a:pt x="521355" y="18288"/>
+                </a:cubicBezTo>
+                <a:cubicBezTo>
+                  <a:pt x="264526" y="969"/>
+                  <a:pt x="120277" y="4268"/>
+                  <a:pt x="0" y="18288"/>
+                </a:cubicBezTo>
+                <a:cubicBezTo>
+                  <a:pt x="766" y="10800"/>
+                  <a:pt x="-457" y="8180"/>
+                  <a:pt x="0" y="0"/>
+                </a:cubicBezTo>
+                <a:close/>
+              </a:path>
+            </a:pathLst>
+          </a:custGeom>
+          <a:solidFill>
+            <a:schemeClr val="accent2"/>
+          </a:solidFill>
+          <a:ln w="44450" cap="rnd">
+            <a:solidFill>
+              <a:schemeClr val="accent2"/>
+            </a:solidFill>
+            <a:round/>
+            <a:extLst>
+              <a:ext uri="{C807C97D-BFC1-408E-A445-0C87EB9F89A2}">
+                <ask:lineSketchStyleProps xmlns:ask="http://schemas.microsoft.com/office/drawing/2018/sketchyshapes" sd="2727557108">
+                  <a:prstGeom prst="rect">
+                    <a:avLst/>
+                  </a:prstGeom>
+                  <ask:type>
+                    <ask:lineSketchFreehand/>
+                  </ask:type>
+                </ask:lineSketchStyleProps>
+              </a:ext>
+            </a:extLst>
+          </a:ln>
+        </p:spPr>
+        <p:style>
+          <a:lnRef idx="2">
+            <a:schemeClr val="accent1">
+              <a:shade val="50000"/>
+            </a:schemeClr>
+          </a:lnRef>
+          <a:fillRef idx="1">
+            <a:schemeClr val="accent1"/>
+          </a:fillRef>
+          <a:effectRef idx="0">
+            <a:schemeClr val="accent1"/>
+          </a:effectRef>
+          <a:fontRef idx="minor">
+            <a:schemeClr val="lt1"/>
+          </a:fontRef>
+        </p:style>
+        <p:txBody>
+          <a:bodyPr rtlCol="0" anchor="ctr"/>
+          <a:lstStyle/>
+          <a:p>
+            <a:pPr algn="ctr"/>
+            <a:endParaRPr lang="en-US"/>
           </a:p>
         </p:txBody>
       </p:sp>
@@ -3830,15 +8140,47 @@
             <p:ph idx="1"/>
           </p:nvPr>
         </p:nvSpPr>
-        <p:spPr/>
-        <p:txBody>
-          <a:bodyPr/>
+        <p:spPr>
+          <a:xfrm>
+            <a:off x="4654296" y="2706624"/>
+            <a:ext cx="6894576" cy="3483864"/>
+          </a:xfrm>
+        </p:spPr>
+        <p:txBody>
+          <a:bodyPr>
+            <a:normAutofit/>
+          </a:bodyPr>
           <a:lstStyle/>
           <a:p>
             <a:r>
-              <a:rPr lang="en-US" dirty="0"/>
-              <a:t>Describe the methods you use here. Can include data preparation, analysis, and or modeling. </a:t>
-            </a:r>
+              <a:rPr lang="en-US" sz="2200" b="1"/>
+              <a:t>Data Cleaning: </a:t>
+            </a:r>
+            <a:r>
+              <a:rPr lang="en-US" sz="2200"/>
+              <a:t>Filtered out all data not immediately relevant to factors our stakeholders could control when selecting a jet operation. </a:t>
+            </a:r>
+          </a:p>
+          <a:p>
+            <a:r>
+              <a:rPr lang="en-US" sz="2200" b="1"/>
+              <a:t>Feature Engineering: </a:t>
+            </a:r>
+            <a:r>
+              <a:rPr lang="en-US" sz="2200"/>
+              <a:t>Use the filtered data to create new columns that help assist with analyzing which Jet operations have the lowest operating risks. </a:t>
+            </a:r>
+          </a:p>
+          <a:p>
+            <a:r>
+              <a:rPr lang="en-US" sz="2200" b="1"/>
+              <a:t>Data Analysis: </a:t>
+            </a:r>
+            <a:r>
+              <a:rPr lang="en-US" sz="2200"/>
+              <a:t>Analyze the newly engineered data to determine what specific characteristics flights with lower fatality rates usually have. </a:t>
+            </a:r>
+            <a:endParaRPr lang="en-US" sz="2200" b="1"/>
           </a:p>
         </p:txBody>
       </p:sp>
@@ -3858,6 +8200,14 @@
 <file path=ppt/slides/slide7.xml><?xml version="1.0" encoding="utf-8"?>
 <p:sld xmlns:a="http://schemas.openxmlformats.org/drawingml/2006/main" xmlns:r="http://schemas.openxmlformats.org/officeDocument/2006/relationships" xmlns:p="http://schemas.openxmlformats.org/presentationml/2006/main">
   <p:cSld>
+    <p:bg>
+      <p:bgPr>
+        <a:solidFill>
+          <a:schemeClr val="bg1"/>
+        </a:solidFill>
+        <a:effectLst/>
+      </p:bgPr>
+    </p:bg>
     <p:spTree>
       <p:nvGrpSpPr>
         <p:cNvPr id="1" name=""/>
@@ -3872,12 +8222,72 @@
           <a:chExt cx="0" cy="0"/>
         </a:xfrm>
       </p:grpSpPr>
+      <p:sp useBgFill="1">
+        <p:nvSpPr>
+          <p:cNvPr id="14" name="Rectangle 13">
+            <a:extLst>
+              <a:ext uri="{FF2B5EF4-FFF2-40B4-BE49-F238E27FC236}">
+                <a16:creationId xmlns:a16="http://schemas.microsoft.com/office/drawing/2014/main" id="{35DB3719-6FDC-4E5D-891D-FF40B7300F64}"/>
+              </a:ext>
+              <a:ext uri="{C183D7F6-B498-43B3-948B-1728B52AA6E4}">
+                <adec:decorative xmlns:adec="http://schemas.microsoft.com/office/drawing/2017/decorative" val="1"/>
+              </a:ext>
+            </a:extLst>
+          </p:cNvPr>
+          <p:cNvSpPr>
+            <a:spLocks noGrp="1" noRot="1" noChangeAspect="1" noMove="1" noResize="1" noEditPoints="1" noAdjustHandles="1" noChangeArrowheads="1" noChangeShapeType="1" noTextEdit="1"/>
+          </p:cNvSpPr>
+          <p:nvPr>
+            <p:extLst>
+              <p:ext uri="{386F3935-93C4-4BCD-93E2-E3B085C9AB24}">
+                <p16:designElem xmlns:p16="http://schemas.microsoft.com/office/powerpoint/2015/main" val="1"/>
+              </p:ext>
+            </p:extLst>
+          </p:nvPr>
+        </p:nvSpPr>
+        <p:spPr>
+          <a:xfrm>
+            <a:off x="0" y="0"/>
+            <a:ext cx="12188952" cy="6858000"/>
+          </a:xfrm>
+          <a:prstGeom prst="rect">
+            <a:avLst/>
+          </a:prstGeom>
+          <a:ln>
+            <a:noFill/>
+          </a:ln>
+        </p:spPr>
+        <p:style>
+          <a:lnRef idx="2">
+            <a:schemeClr val="accent1">
+              <a:shade val="50000"/>
+            </a:schemeClr>
+          </a:lnRef>
+          <a:fillRef idx="1">
+            <a:schemeClr val="accent1"/>
+          </a:fillRef>
+          <a:effectRef idx="0">
+            <a:schemeClr val="accent1"/>
+          </a:effectRef>
+          <a:fontRef idx="minor">
+            <a:schemeClr val="lt1"/>
+          </a:fontRef>
+        </p:style>
+        <p:txBody>
+          <a:bodyPr rtlCol="0" anchor="ctr"/>
+          <a:lstStyle/>
+          <a:p>
+            <a:pPr algn="ctr"/>
+            <a:endParaRPr lang="en-US"/>
+          </a:p>
+        </p:txBody>
+      </p:sp>
       <p:sp>
         <p:nvSpPr>
           <p:cNvPr id="2" name="Title 1">
             <a:extLst>
               <a:ext uri="{FF2B5EF4-FFF2-40B4-BE49-F238E27FC236}">
-                <a16:creationId xmlns:a16="http://schemas.microsoft.com/office/drawing/2014/main" id="{7CA265D7-433E-4781-7A9F-F3F53DFEC414}"/>
+                <a16:creationId xmlns:a16="http://schemas.microsoft.com/office/drawing/2014/main" id="{4F0859DE-1489-52A5-82B6-0687E3163D51}"/>
               </a:ext>
             </a:extLst>
           </p:cNvPr>
@@ -3888,50 +8298,878 @@
             <p:ph type="title"/>
           </p:nvPr>
         </p:nvSpPr>
-        <p:spPr/>
-        <p:txBody>
-          <a:bodyPr/>
+        <p:spPr>
+          <a:xfrm>
+            <a:off x="838200" y="365125"/>
+            <a:ext cx="10515600" cy="1325563"/>
+          </a:xfrm>
+        </p:spPr>
+        <p:txBody>
+          <a:bodyPr vert="horz" lIns="91440" tIns="45720" rIns="91440" bIns="45720" rtlCol="0" anchor="ctr">
+            <a:normAutofit/>
+          </a:bodyPr>
           <a:lstStyle/>
           <a:p>
             <a:r>
-              <a:rPr lang="en-US" dirty="0"/>
-              <a:t>Results</a:t>
+              <a:rPr lang="en-US" sz="5400" b="1" kern="1200">
+                <a:solidFill>
+                  <a:schemeClr val="tx1"/>
+                </a:solidFill>
+                <a:latin typeface="+mj-lt"/>
+                <a:ea typeface="+mj-ea"/>
+                <a:cs typeface="+mj-cs"/>
+              </a:rPr>
+              <a:t>Results: </a:t>
+            </a:r>
+            <a:r>
+              <a:rPr lang="en-US" sz="5400" kern="1200">
+                <a:solidFill>
+                  <a:schemeClr val="tx1"/>
+                </a:solidFill>
+                <a:latin typeface="+mj-lt"/>
+                <a:ea typeface="+mj-ea"/>
+                <a:cs typeface="+mj-cs"/>
+              </a:rPr>
+              <a:t>Region of Operation</a:t>
             </a:r>
           </a:p>
         </p:txBody>
       </p:sp>
       <p:sp>
         <p:nvSpPr>
+          <p:cNvPr id="16" name="sketch line">
+            <a:extLst>
+              <a:ext uri="{FF2B5EF4-FFF2-40B4-BE49-F238E27FC236}">
+                <a16:creationId xmlns:a16="http://schemas.microsoft.com/office/drawing/2014/main" id="{E0CBAC23-2E3F-4A90-BA59-F8299F6A5439}"/>
+              </a:ext>
+              <a:ext uri="{C183D7F6-B498-43B3-948B-1728B52AA6E4}">
+                <adec:decorative xmlns:adec="http://schemas.microsoft.com/office/drawing/2017/decorative" val="1"/>
+              </a:ext>
+            </a:extLst>
+          </p:cNvPr>
+          <p:cNvSpPr>
+            <a:spLocks noGrp="1" noRot="1" noChangeAspect="1" noMove="1" noResize="1" noEditPoints="1" noAdjustHandles="1" noChangeArrowheads="1" noChangeShapeType="1" noTextEdit="1"/>
+          </p:cNvSpPr>
+          <p:nvPr>
+            <p:extLst>
+              <p:ext uri="{386F3935-93C4-4BCD-93E2-E3B085C9AB24}">
+                <p16:designElem xmlns:p16="http://schemas.microsoft.com/office/powerpoint/2015/main" val="1"/>
+              </p:ext>
+            </p:extLst>
+          </p:nvPr>
+        </p:nvSpPr>
+        <p:spPr>
+          <a:xfrm>
+            <a:off x="838200" y="1865313"/>
+            <a:ext cx="10424160" cy="18288"/>
+          </a:xfrm>
+          <a:custGeom>
+            <a:avLst/>
+            <a:gdLst>
+              <a:gd name="connsiteX0" fmla="*/ 0 w 10424160"/>
+              <a:gd name="connsiteY0" fmla="*/ 0 h 18288"/>
+              <a:gd name="connsiteX1" fmla="*/ 903427 w 10424160"/>
+              <a:gd name="connsiteY1" fmla="*/ 0 h 18288"/>
+              <a:gd name="connsiteX2" fmla="*/ 1389888 w 10424160"/>
+              <a:gd name="connsiteY2" fmla="*/ 0 h 18288"/>
+              <a:gd name="connsiteX3" fmla="*/ 2189074 w 10424160"/>
+              <a:gd name="connsiteY3" fmla="*/ 0 h 18288"/>
+              <a:gd name="connsiteX4" fmla="*/ 2675534 w 10424160"/>
+              <a:gd name="connsiteY4" fmla="*/ 0 h 18288"/>
+              <a:gd name="connsiteX5" fmla="*/ 3370478 w 10424160"/>
+              <a:gd name="connsiteY5" fmla="*/ 0 h 18288"/>
+              <a:gd name="connsiteX6" fmla="*/ 4169664 w 10424160"/>
+              <a:gd name="connsiteY6" fmla="*/ 0 h 18288"/>
+              <a:gd name="connsiteX7" fmla="*/ 4551883 w 10424160"/>
+              <a:gd name="connsiteY7" fmla="*/ 0 h 18288"/>
+              <a:gd name="connsiteX8" fmla="*/ 4934102 w 10424160"/>
+              <a:gd name="connsiteY8" fmla="*/ 0 h 18288"/>
+              <a:gd name="connsiteX9" fmla="*/ 5837530 w 10424160"/>
+              <a:gd name="connsiteY9" fmla="*/ 0 h 18288"/>
+              <a:gd name="connsiteX10" fmla="*/ 6532474 w 10424160"/>
+              <a:gd name="connsiteY10" fmla="*/ 0 h 18288"/>
+              <a:gd name="connsiteX11" fmla="*/ 6914693 w 10424160"/>
+              <a:gd name="connsiteY11" fmla="*/ 0 h 18288"/>
+              <a:gd name="connsiteX12" fmla="*/ 7609637 w 10424160"/>
+              <a:gd name="connsiteY12" fmla="*/ 0 h 18288"/>
+              <a:gd name="connsiteX13" fmla="*/ 8513064 w 10424160"/>
+              <a:gd name="connsiteY13" fmla="*/ 0 h 18288"/>
+              <a:gd name="connsiteX14" fmla="*/ 9103766 w 10424160"/>
+              <a:gd name="connsiteY14" fmla="*/ 0 h 18288"/>
+              <a:gd name="connsiteX15" fmla="*/ 9694469 w 10424160"/>
+              <a:gd name="connsiteY15" fmla="*/ 0 h 18288"/>
+              <a:gd name="connsiteX16" fmla="*/ 10424160 w 10424160"/>
+              <a:gd name="connsiteY16" fmla="*/ 0 h 18288"/>
+              <a:gd name="connsiteX17" fmla="*/ 10424160 w 10424160"/>
+              <a:gd name="connsiteY17" fmla="*/ 18288 h 18288"/>
+              <a:gd name="connsiteX18" fmla="*/ 9729216 w 10424160"/>
+              <a:gd name="connsiteY18" fmla="*/ 18288 h 18288"/>
+              <a:gd name="connsiteX19" fmla="*/ 8930030 w 10424160"/>
+              <a:gd name="connsiteY19" fmla="*/ 18288 h 18288"/>
+              <a:gd name="connsiteX20" fmla="*/ 8130845 w 10424160"/>
+              <a:gd name="connsiteY20" fmla="*/ 18288 h 18288"/>
+              <a:gd name="connsiteX21" fmla="*/ 7644384 w 10424160"/>
+              <a:gd name="connsiteY21" fmla="*/ 18288 h 18288"/>
+              <a:gd name="connsiteX22" fmla="*/ 6740957 w 10424160"/>
+              <a:gd name="connsiteY22" fmla="*/ 18288 h 18288"/>
+              <a:gd name="connsiteX23" fmla="*/ 6046013 w 10424160"/>
+              <a:gd name="connsiteY23" fmla="*/ 18288 h 18288"/>
+              <a:gd name="connsiteX24" fmla="*/ 5663794 w 10424160"/>
+              <a:gd name="connsiteY24" fmla="*/ 18288 h 18288"/>
+              <a:gd name="connsiteX25" fmla="*/ 4968850 w 10424160"/>
+              <a:gd name="connsiteY25" fmla="*/ 18288 h 18288"/>
+              <a:gd name="connsiteX26" fmla="*/ 4378147 w 10424160"/>
+              <a:gd name="connsiteY26" fmla="*/ 18288 h 18288"/>
+              <a:gd name="connsiteX27" fmla="*/ 3787445 w 10424160"/>
+              <a:gd name="connsiteY27" fmla="*/ 18288 h 18288"/>
+              <a:gd name="connsiteX28" fmla="*/ 3196742 w 10424160"/>
+              <a:gd name="connsiteY28" fmla="*/ 18288 h 18288"/>
+              <a:gd name="connsiteX29" fmla="*/ 2606040 w 10424160"/>
+              <a:gd name="connsiteY29" fmla="*/ 18288 h 18288"/>
+              <a:gd name="connsiteX30" fmla="*/ 1806854 w 10424160"/>
+              <a:gd name="connsiteY30" fmla="*/ 18288 h 18288"/>
+              <a:gd name="connsiteX31" fmla="*/ 1111910 w 10424160"/>
+              <a:gd name="connsiteY31" fmla="*/ 18288 h 18288"/>
+              <a:gd name="connsiteX32" fmla="*/ 729691 w 10424160"/>
+              <a:gd name="connsiteY32" fmla="*/ 18288 h 18288"/>
+              <a:gd name="connsiteX33" fmla="*/ 0 w 10424160"/>
+              <a:gd name="connsiteY33" fmla="*/ 18288 h 18288"/>
+              <a:gd name="connsiteX34" fmla="*/ 0 w 10424160"/>
+              <a:gd name="connsiteY34" fmla="*/ 0 h 18288"/>
+            </a:gdLst>
+            <a:ahLst/>
+            <a:cxnLst>
+              <a:cxn ang="0">
+                <a:pos x="connsiteX0" y="connsiteY0"/>
+              </a:cxn>
+              <a:cxn ang="0">
+                <a:pos x="connsiteX1" y="connsiteY1"/>
+              </a:cxn>
+              <a:cxn ang="0">
+                <a:pos x="connsiteX2" y="connsiteY2"/>
+              </a:cxn>
+              <a:cxn ang="0">
+                <a:pos x="connsiteX3" y="connsiteY3"/>
+              </a:cxn>
+              <a:cxn ang="0">
+                <a:pos x="connsiteX4" y="connsiteY4"/>
+              </a:cxn>
+              <a:cxn ang="0">
+                <a:pos x="connsiteX5" y="connsiteY5"/>
+              </a:cxn>
+              <a:cxn ang="0">
+                <a:pos x="connsiteX6" y="connsiteY6"/>
+              </a:cxn>
+              <a:cxn ang="0">
+                <a:pos x="connsiteX7" y="connsiteY7"/>
+              </a:cxn>
+              <a:cxn ang="0">
+                <a:pos x="connsiteX8" y="connsiteY8"/>
+              </a:cxn>
+              <a:cxn ang="0">
+                <a:pos x="connsiteX9" y="connsiteY9"/>
+              </a:cxn>
+              <a:cxn ang="0">
+                <a:pos x="connsiteX10" y="connsiteY10"/>
+              </a:cxn>
+              <a:cxn ang="0">
+                <a:pos x="connsiteX11" y="connsiteY11"/>
+              </a:cxn>
+              <a:cxn ang="0">
+                <a:pos x="connsiteX12" y="connsiteY12"/>
+              </a:cxn>
+              <a:cxn ang="0">
+                <a:pos x="connsiteX13" y="connsiteY13"/>
+              </a:cxn>
+              <a:cxn ang="0">
+                <a:pos x="connsiteX14" y="connsiteY14"/>
+              </a:cxn>
+              <a:cxn ang="0">
+                <a:pos x="connsiteX15" y="connsiteY15"/>
+              </a:cxn>
+              <a:cxn ang="0">
+                <a:pos x="connsiteX16" y="connsiteY16"/>
+              </a:cxn>
+              <a:cxn ang="0">
+                <a:pos x="connsiteX17" y="connsiteY17"/>
+              </a:cxn>
+              <a:cxn ang="0">
+                <a:pos x="connsiteX18" y="connsiteY18"/>
+              </a:cxn>
+              <a:cxn ang="0">
+                <a:pos x="connsiteX19" y="connsiteY19"/>
+              </a:cxn>
+              <a:cxn ang="0">
+                <a:pos x="connsiteX20" y="connsiteY20"/>
+              </a:cxn>
+              <a:cxn ang="0">
+                <a:pos x="connsiteX21" y="connsiteY21"/>
+              </a:cxn>
+              <a:cxn ang="0">
+                <a:pos x="connsiteX22" y="connsiteY22"/>
+              </a:cxn>
+              <a:cxn ang="0">
+                <a:pos x="connsiteX23" y="connsiteY23"/>
+              </a:cxn>
+              <a:cxn ang="0">
+                <a:pos x="connsiteX24" y="connsiteY24"/>
+              </a:cxn>
+              <a:cxn ang="0">
+                <a:pos x="connsiteX25" y="connsiteY25"/>
+              </a:cxn>
+              <a:cxn ang="0">
+                <a:pos x="connsiteX26" y="connsiteY26"/>
+              </a:cxn>
+              <a:cxn ang="0">
+                <a:pos x="connsiteX27" y="connsiteY27"/>
+              </a:cxn>
+              <a:cxn ang="0">
+                <a:pos x="connsiteX28" y="connsiteY28"/>
+              </a:cxn>
+              <a:cxn ang="0">
+                <a:pos x="connsiteX29" y="connsiteY29"/>
+              </a:cxn>
+              <a:cxn ang="0">
+                <a:pos x="connsiteX30" y="connsiteY30"/>
+              </a:cxn>
+              <a:cxn ang="0">
+                <a:pos x="connsiteX31" y="connsiteY31"/>
+              </a:cxn>
+              <a:cxn ang="0">
+                <a:pos x="connsiteX32" y="connsiteY32"/>
+              </a:cxn>
+              <a:cxn ang="0">
+                <a:pos x="connsiteX33" y="connsiteY33"/>
+              </a:cxn>
+              <a:cxn ang="0">
+                <a:pos x="connsiteX34" y="connsiteY34"/>
+              </a:cxn>
+            </a:cxnLst>
+            <a:rect l="l" t="t" r="r" b="b"/>
+            <a:pathLst>
+              <a:path w="10424160" h="18288" fill="none" extrusionOk="0">
+                <a:moveTo>
+                  <a:pt x="0" y="0"/>
+                </a:moveTo>
+                <a:cubicBezTo>
+                  <a:pt x="251416" y="-3874"/>
+                  <a:pt x="479411" y="-20508"/>
+                  <a:pt x="903427" y="0"/>
+                </a:cubicBezTo>
+                <a:cubicBezTo>
+                  <a:pt x="1327443" y="20508"/>
+                  <a:pt x="1177990" y="-7387"/>
+                  <a:pt x="1389888" y="0"/>
+                </a:cubicBezTo>
+                <a:cubicBezTo>
+                  <a:pt x="1601786" y="7387"/>
+                  <a:pt x="1928602" y="-6697"/>
+                  <a:pt x="2189074" y="0"/>
+                </a:cubicBezTo>
+                <a:cubicBezTo>
+                  <a:pt x="2449546" y="6697"/>
+                  <a:pt x="2440085" y="-21144"/>
+                  <a:pt x="2675534" y="0"/>
+                </a:cubicBezTo>
+                <a:cubicBezTo>
+                  <a:pt x="2910983" y="21144"/>
+                  <a:pt x="3026158" y="-11124"/>
+                  <a:pt x="3370478" y="0"/>
+                </a:cubicBezTo>
+                <a:cubicBezTo>
+                  <a:pt x="3714798" y="11124"/>
+                  <a:pt x="3864539" y="-10660"/>
+                  <a:pt x="4169664" y="0"/>
+                </a:cubicBezTo>
+                <a:cubicBezTo>
+                  <a:pt x="4474789" y="10660"/>
+                  <a:pt x="4471218" y="16488"/>
+                  <a:pt x="4551883" y="0"/>
+                </a:cubicBezTo>
+                <a:cubicBezTo>
+                  <a:pt x="4632548" y="-16488"/>
+                  <a:pt x="4786830" y="7986"/>
+                  <a:pt x="4934102" y="0"/>
+                </a:cubicBezTo>
+                <a:cubicBezTo>
+                  <a:pt x="5081374" y="-7986"/>
+                  <a:pt x="5575881" y="-33003"/>
+                  <a:pt x="5837530" y="0"/>
+                </a:cubicBezTo>
+                <a:cubicBezTo>
+                  <a:pt x="6099179" y="33003"/>
+                  <a:pt x="6305895" y="14170"/>
+                  <a:pt x="6532474" y="0"/>
+                </a:cubicBezTo>
+                <a:cubicBezTo>
+                  <a:pt x="6759053" y="-14170"/>
+                  <a:pt x="6726707" y="16121"/>
+                  <a:pt x="6914693" y="0"/>
+                </a:cubicBezTo>
+                <a:cubicBezTo>
+                  <a:pt x="7102679" y="-16121"/>
+                  <a:pt x="7397857" y="32594"/>
+                  <a:pt x="7609637" y="0"/>
+                </a:cubicBezTo>
+                <a:cubicBezTo>
+                  <a:pt x="7821417" y="-32594"/>
+                  <a:pt x="8141235" y="-3745"/>
+                  <a:pt x="8513064" y="0"/>
+                </a:cubicBezTo>
+                <a:cubicBezTo>
+                  <a:pt x="8884893" y="3745"/>
+                  <a:pt x="8877548" y="3359"/>
+                  <a:pt x="9103766" y="0"/>
+                </a:cubicBezTo>
+                <a:cubicBezTo>
+                  <a:pt x="9329984" y="-3359"/>
+                  <a:pt x="9545570" y="-17843"/>
+                  <a:pt x="9694469" y="0"/>
+                </a:cubicBezTo>
+                <a:cubicBezTo>
+                  <a:pt x="9843368" y="17843"/>
+                  <a:pt x="10162477" y="-1217"/>
+                  <a:pt x="10424160" y="0"/>
+                </a:cubicBezTo>
+                <a:cubicBezTo>
+                  <a:pt x="10424498" y="7640"/>
+                  <a:pt x="10423710" y="11289"/>
+                  <a:pt x="10424160" y="18288"/>
+                </a:cubicBezTo>
+                <a:cubicBezTo>
+                  <a:pt x="10184680" y="20716"/>
+                  <a:pt x="10034768" y="-9357"/>
+                  <a:pt x="9729216" y="18288"/>
+                </a:cubicBezTo>
+                <a:cubicBezTo>
+                  <a:pt x="9423664" y="45933"/>
+                  <a:pt x="9309220" y="36372"/>
+                  <a:pt x="8930030" y="18288"/>
+                </a:cubicBezTo>
+                <a:cubicBezTo>
+                  <a:pt x="8550840" y="204"/>
+                  <a:pt x="8513376" y="34707"/>
+                  <a:pt x="8130845" y="18288"/>
+                </a:cubicBezTo>
+                <a:cubicBezTo>
+                  <a:pt x="7748315" y="1869"/>
+                  <a:pt x="7864674" y="19659"/>
+                  <a:pt x="7644384" y="18288"/>
+                </a:cubicBezTo>
+                <a:cubicBezTo>
+                  <a:pt x="7424094" y="16917"/>
+                  <a:pt x="6947001" y="55680"/>
+                  <a:pt x="6740957" y="18288"/>
+                </a:cubicBezTo>
+                <a:cubicBezTo>
+                  <a:pt x="6534913" y="-19104"/>
+                  <a:pt x="6313809" y="33391"/>
+                  <a:pt x="6046013" y="18288"/>
+                </a:cubicBezTo>
+                <a:cubicBezTo>
+                  <a:pt x="5778217" y="3185"/>
+                  <a:pt x="5786775" y="1439"/>
+                  <a:pt x="5663794" y="18288"/>
+                </a:cubicBezTo>
+                <a:cubicBezTo>
+                  <a:pt x="5540813" y="35137"/>
+                  <a:pt x="5204724" y="25434"/>
+                  <a:pt x="4968850" y="18288"/>
+                </a:cubicBezTo>
+                <a:cubicBezTo>
+                  <a:pt x="4732976" y="11142"/>
+                  <a:pt x="4559928" y="34568"/>
+                  <a:pt x="4378147" y="18288"/>
+                </a:cubicBezTo>
+                <a:cubicBezTo>
+                  <a:pt x="4196366" y="2008"/>
+                  <a:pt x="3992200" y="35409"/>
+                  <a:pt x="3787445" y="18288"/>
+                </a:cubicBezTo>
+                <a:cubicBezTo>
+                  <a:pt x="3582690" y="1167"/>
+                  <a:pt x="3488876" y="-7583"/>
+                  <a:pt x="3196742" y="18288"/>
+                </a:cubicBezTo>
+                <a:cubicBezTo>
+                  <a:pt x="2904608" y="44159"/>
+                  <a:pt x="2729828" y="45906"/>
+                  <a:pt x="2606040" y="18288"/>
+                </a:cubicBezTo>
+                <a:cubicBezTo>
+                  <a:pt x="2482252" y="-9330"/>
+                  <a:pt x="2000672" y="-5498"/>
+                  <a:pt x="1806854" y="18288"/>
+                </a:cubicBezTo>
+                <a:cubicBezTo>
+                  <a:pt x="1613036" y="42074"/>
+                  <a:pt x="1310933" y="-4240"/>
+                  <a:pt x="1111910" y="18288"/>
+                </a:cubicBezTo>
+                <a:cubicBezTo>
+                  <a:pt x="912887" y="40816"/>
+                  <a:pt x="891560" y="1701"/>
+                  <a:pt x="729691" y="18288"/>
+                </a:cubicBezTo>
+                <a:cubicBezTo>
+                  <a:pt x="567822" y="34875"/>
+                  <a:pt x="203025" y="34462"/>
+                  <a:pt x="0" y="18288"/>
+                </a:cubicBezTo>
+                <a:cubicBezTo>
+                  <a:pt x="-82" y="11708"/>
+                  <a:pt x="-178" y="8956"/>
+                  <a:pt x="0" y="0"/>
+                </a:cubicBezTo>
+                <a:close/>
+              </a:path>
+              <a:path w="10424160" h="18288" stroke="0" extrusionOk="0">
+                <a:moveTo>
+                  <a:pt x="0" y="0"/>
+                </a:moveTo>
+                <a:cubicBezTo>
+                  <a:pt x="119910" y="17195"/>
+                  <a:pt x="345032" y="1652"/>
+                  <a:pt x="590702" y="0"/>
+                </a:cubicBezTo>
+                <a:cubicBezTo>
+                  <a:pt x="836372" y="-1652"/>
+                  <a:pt x="830717" y="-10944"/>
+                  <a:pt x="972922" y="0"/>
+                </a:cubicBezTo>
+                <a:cubicBezTo>
+                  <a:pt x="1115127" y="10944"/>
+                  <a:pt x="1638708" y="17269"/>
+                  <a:pt x="1876349" y="0"/>
+                </a:cubicBezTo>
+                <a:cubicBezTo>
+                  <a:pt x="2113990" y="-17269"/>
+                  <a:pt x="2263529" y="27642"/>
+                  <a:pt x="2467051" y="0"/>
+                </a:cubicBezTo>
+                <a:cubicBezTo>
+                  <a:pt x="2670573" y="-27642"/>
+                  <a:pt x="2867743" y="-1552"/>
+                  <a:pt x="3057754" y="0"/>
+                </a:cubicBezTo>
+                <a:cubicBezTo>
+                  <a:pt x="3247765" y="1552"/>
+                  <a:pt x="3729099" y="45169"/>
+                  <a:pt x="3961181" y="0"/>
+                </a:cubicBezTo>
+                <a:cubicBezTo>
+                  <a:pt x="4193263" y="-45169"/>
+                  <a:pt x="4313735" y="4067"/>
+                  <a:pt x="4447642" y="0"/>
+                </a:cubicBezTo>
+                <a:cubicBezTo>
+                  <a:pt x="4581549" y="-4067"/>
+                  <a:pt x="5123626" y="11867"/>
+                  <a:pt x="5351069" y="0"/>
+                </a:cubicBezTo>
+                <a:cubicBezTo>
+                  <a:pt x="5578512" y="-11867"/>
+                  <a:pt x="6044105" y="-19983"/>
+                  <a:pt x="6254496" y="0"/>
+                </a:cubicBezTo>
+                <a:cubicBezTo>
+                  <a:pt x="6464887" y="19983"/>
+                  <a:pt x="6664731" y="4232"/>
+                  <a:pt x="6949440" y="0"/>
+                </a:cubicBezTo>
+                <a:cubicBezTo>
+                  <a:pt x="7234149" y="-4232"/>
+                  <a:pt x="7497205" y="28731"/>
+                  <a:pt x="7852867" y="0"/>
+                </a:cubicBezTo>
+                <a:cubicBezTo>
+                  <a:pt x="8208529" y="-28731"/>
+                  <a:pt x="8287556" y="2616"/>
+                  <a:pt x="8443570" y="0"/>
+                </a:cubicBezTo>
+                <a:cubicBezTo>
+                  <a:pt x="8599584" y="-2616"/>
+                  <a:pt x="8871283" y="-14113"/>
+                  <a:pt x="9034272" y="0"/>
+                </a:cubicBezTo>
+                <a:cubicBezTo>
+                  <a:pt x="9197261" y="14113"/>
+                  <a:pt x="9604978" y="-35623"/>
+                  <a:pt x="9833458" y="0"/>
+                </a:cubicBezTo>
+                <a:cubicBezTo>
+                  <a:pt x="10061938" y="35623"/>
+                  <a:pt x="10231944" y="-8194"/>
+                  <a:pt x="10424160" y="0"/>
+                </a:cubicBezTo>
+                <a:cubicBezTo>
+                  <a:pt x="10424285" y="4395"/>
+                  <a:pt x="10424085" y="9776"/>
+                  <a:pt x="10424160" y="18288"/>
+                </a:cubicBezTo>
+                <a:cubicBezTo>
+                  <a:pt x="10058736" y="-5772"/>
+                  <a:pt x="9942989" y="-18764"/>
+                  <a:pt x="9624974" y="18288"/>
+                </a:cubicBezTo>
+                <a:cubicBezTo>
+                  <a:pt x="9306959" y="55340"/>
+                  <a:pt x="9229263" y="24995"/>
+                  <a:pt x="8930030" y="18288"/>
+                </a:cubicBezTo>
+                <a:cubicBezTo>
+                  <a:pt x="8630797" y="11581"/>
+                  <a:pt x="8647263" y="10931"/>
+                  <a:pt x="8547811" y="18288"/>
+                </a:cubicBezTo>
+                <a:cubicBezTo>
+                  <a:pt x="8448359" y="25645"/>
+                  <a:pt x="8173221" y="219"/>
+                  <a:pt x="8061350" y="18288"/>
+                </a:cubicBezTo>
+                <a:cubicBezTo>
+                  <a:pt x="7949479" y="36357"/>
+                  <a:pt x="7437002" y="17516"/>
+                  <a:pt x="7157923" y="18288"/>
+                </a:cubicBezTo>
+                <a:cubicBezTo>
+                  <a:pt x="6878844" y="19060"/>
+                  <a:pt x="6610241" y="8864"/>
+                  <a:pt x="6462979" y="18288"/>
+                </a:cubicBezTo>
+                <a:cubicBezTo>
+                  <a:pt x="6315717" y="27712"/>
+                  <a:pt x="6124879" y="4989"/>
+                  <a:pt x="5976518" y="18288"/>
+                </a:cubicBezTo>
+                <a:cubicBezTo>
+                  <a:pt x="5828157" y="31587"/>
+                  <a:pt x="5566880" y="7112"/>
+                  <a:pt x="5281574" y="18288"/>
+                </a:cubicBezTo>
+                <a:cubicBezTo>
+                  <a:pt x="4996268" y="29464"/>
+                  <a:pt x="5085614" y="20493"/>
+                  <a:pt x="4899355" y="18288"/>
+                </a:cubicBezTo>
+                <a:cubicBezTo>
+                  <a:pt x="4713096" y="16083"/>
+                  <a:pt x="4606138" y="34359"/>
+                  <a:pt x="4517136" y="18288"/>
+                </a:cubicBezTo>
+                <a:cubicBezTo>
+                  <a:pt x="4428134" y="2217"/>
+                  <a:pt x="4125335" y="52414"/>
+                  <a:pt x="3822192" y="18288"/>
+                </a:cubicBezTo>
+                <a:cubicBezTo>
+                  <a:pt x="3519049" y="-15838"/>
+                  <a:pt x="3453132" y="3859"/>
+                  <a:pt x="3335731" y="18288"/>
+                </a:cubicBezTo>
+                <a:cubicBezTo>
+                  <a:pt x="3218330" y="32717"/>
+                  <a:pt x="2718749" y="-13936"/>
+                  <a:pt x="2536546" y="18288"/>
+                </a:cubicBezTo>
+                <a:cubicBezTo>
+                  <a:pt x="2354343" y="50512"/>
+                  <a:pt x="2190669" y="3238"/>
+                  <a:pt x="2050085" y="18288"/>
+                </a:cubicBezTo>
+                <a:cubicBezTo>
+                  <a:pt x="1909501" y="33338"/>
+                  <a:pt x="1520975" y="3062"/>
+                  <a:pt x="1250899" y="18288"/>
+                </a:cubicBezTo>
+                <a:cubicBezTo>
+                  <a:pt x="980823" y="33514"/>
+                  <a:pt x="992936" y="28036"/>
+                  <a:pt x="868680" y="18288"/>
+                </a:cubicBezTo>
+                <a:cubicBezTo>
+                  <a:pt x="744424" y="8540"/>
+                  <a:pt x="230364" y="33365"/>
+                  <a:pt x="0" y="18288"/>
+                </a:cubicBezTo>
+                <a:cubicBezTo>
+                  <a:pt x="-504" y="12101"/>
+                  <a:pt x="-591" y="7719"/>
+                  <a:pt x="0" y="0"/>
+                </a:cubicBezTo>
+                <a:close/>
+              </a:path>
+            </a:pathLst>
+          </a:custGeom>
+          <a:solidFill>
+            <a:schemeClr val="accent2"/>
+          </a:solidFill>
+          <a:ln w="41275" cap="rnd">
+            <a:solidFill>
+              <a:schemeClr val="accent2"/>
+            </a:solidFill>
+            <a:round/>
+            <a:extLst>
+              <a:ext uri="{C807C97D-BFC1-408E-A445-0C87EB9F89A2}">
+                <ask:lineSketchStyleProps xmlns:ask="http://schemas.microsoft.com/office/drawing/2018/sketchyshapes" sd="1219033472">
+                  <a:prstGeom prst="rect">
+                    <a:avLst/>
+                  </a:prstGeom>
+                  <ask:type>
+                    <ask:lineSketchFreehand/>
+                  </ask:type>
+                </ask:lineSketchStyleProps>
+              </a:ext>
+            </a:extLst>
+          </a:ln>
+        </p:spPr>
+        <p:style>
+          <a:lnRef idx="2">
+            <a:schemeClr val="accent1">
+              <a:shade val="50000"/>
+            </a:schemeClr>
+          </a:lnRef>
+          <a:fillRef idx="1">
+            <a:schemeClr val="accent1"/>
+          </a:fillRef>
+          <a:effectRef idx="0">
+            <a:schemeClr val="accent1"/>
+          </a:effectRef>
+          <a:fontRef idx="minor">
+            <a:schemeClr val="lt1"/>
+          </a:fontRef>
+        </p:style>
+        <p:txBody>
+          <a:bodyPr rtlCol="0" anchor="ctr"/>
+          <a:lstStyle/>
+          <a:p>
+            <a:pPr algn="ctr"/>
+            <a:endParaRPr lang="en-US"/>
+          </a:p>
+        </p:txBody>
+      </p:sp>
+      <p:sp>
+        <p:nvSpPr>
           <p:cNvPr id="3" name="Content Placeholder 2">
             <a:extLst>
               <a:ext uri="{FF2B5EF4-FFF2-40B4-BE49-F238E27FC236}">
-                <a16:creationId xmlns:a16="http://schemas.microsoft.com/office/drawing/2014/main" id="{6AE78EE8-E8AE-4BE8-BF17-74E1FA82249F}"/>
-              </a:ext>
-            </a:extLst>
-          </p:cNvPr>
-          <p:cNvSpPr>
-            <a:spLocks noGrp="1"/>
-          </p:cNvSpPr>
-          <p:nvPr>
-            <p:ph idx="1"/>
-          </p:nvPr>
-        </p:nvSpPr>
-        <p:spPr/>
-        <p:txBody>
-          <a:bodyPr/>
+                <a16:creationId xmlns:a16="http://schemas.microsoft.com/office/drawing/2014/main" id="{32E81E55-C70B-65B4-64DB-E5B945E04334}"/>
+              </a:ext>
+            </a:extLst>
+          </p:cNvPr>
+          <p:cNvSpPr>
+            <a:spLocks/>
+          </p:cNvSpPr>
+          <p:nvPr/>
+        </p:nvSpPr>
+        <p:spPr>
+          <a:xfrm>
+            <a:off x="1504465" y="2228087"/>
+            <a:ext cx="4524991" cy="3799939"/>
+          </a:xfrm>
+          <a:prstGeom prst="rect">
+            <a:avLst/>
+          </a:prstGeom>
+        </p:spPr>
+        <p:txBody>
+          <a:bodyPr>
+            <a:normAutofit/>
+          </a:bodyPr>
           <a:lstStyle/>
           <a:p>
-            <a:r>
-              <a:rPr lang="en-US" dirty="0"/>
-              <a:t>Present the results of your analysis or modeling here. Should include an evaluation of how well your results solve the business problem. </a:t>
-            </a:r>
+            <a:pPr defTabSz="795528">
+              <a:spcAft>
+                <a:spcPts val="600"/>
+              </a:spcAft>
+            </a:pPr>
+            <a:r>
+              <a:rPr lang="en-US" sz="1566" kern="1200">
+                <a:solidFill>
+                  <a:schemeClr val="tx1"/>
+                </a:solidFill>
+                <a:latin typeface="+mn-lt"/>
+                <a:ea typeface="+mn-ea"/>
+                <a:cs typeface="+mn-cs"/>
+              </a:rPr>
+              <a:t>Flying during IMC (</a:t>
+            </a:r>
+            <a:r>
+              <a:rPr lang="en-US" sz="1566" b="1" kern="1200">
+                <a:solidFill>
+                  <a:schemeClr val="tx1"/>
+                </a:solidFill>
+                <a:highlight>
+                  <a:srgbClr val="FFFFFF"/>
+                </a:highlight>
+                <a:latin typeface="system-ui"/>
+                <a:ea typeface="+mn-ea"/>
+                <a:cs typeface="+mn-cs"/>
+              </a:rPr>
+              <a:t>Instrument Meteorological Conditions</a:t>
+            </a:r>
+            <a:r>
+              <a:rPr lang="en-US" sz="1566" kern="1200">
+                <a:solidFill>
+                  <a:schemeClr val="tx1"/>
+                </a:solidFill>
+                <a:highlight>
+                  <a:srgbClr val="FFFFFF"/>
+                </a:highlight>
+                <a:latin typeface="system-ui"/>
+                <a:ea typeface="+mn-ea"/>
+                <a:cs typeface="+mn-cs"/>
+              </a:rPr>
+              <a:t>) can add unwanted difficulty to flights, making them more prone to problems and incidents.</a:t>
+            </a:r>
+          </a:p>
+          <a:p>
+            <a:pPr defTabSz="795528">
+              <a:spcAft>
+                <a:spcPts val="600"/>
+              </a:spcAft>
+            </a:pPr>
+            <a:r>
+              <a:rPr lang="en-US" sz="1566" kern="1200">
+                <a:solidFill>
+                  <a:schemeClr val="tx1"/>
+                </a:solidFill>
+                <a:latin typeface="+mn-lt"/>
+                <a:ea typeface="+mn-ea"/>
+                <a:cs typeface="+mn-cs"/>
+              </a:rPr>
+              <a:t>I have r</a:t>
+            </a:r>
+            <a:r>
+              <a:rPr lang="en-US" sz="1566" kern="1200">
+                <a:solidFill>
+                  <a:schemeClr val="tx1"/>
+                </a:solidFill>
+                <a:highlight>
+                  <a:srgbClr val="FFFFFF"/>
+                </a:highlight>
+                <a:latin typeface="system-ui"/>
+                <a:ea typeface="+mn-ea"/>
+                <a:cs typeface="+mn-cs"/>
+              </a:rPr>
+              <a:t>un an analysis to see which region of the USA experienced the fewest incidents during IMC.</a:t>
+            </a:r>
+          </a:p>
+          <a:p>
+            <a:pPr defTabSz="795528">
+              <a:spcAft>
+                <a:spcPts val="600"/>
+              </a:spcAft>
+            </a:pPr>
+            <a:r>
+              <a:rPr lang="en-US" sz="1566" kern="1200">
+                <a:solidFill>
+                  <a:schemeClr val="tx1"/>
+                </a:solidFill>
+                <a:highlight>
+                  <a:srgbClr val="FFFFFF"/>
+                </a:highlight>
+                <a:latin typeface="system-ui"/>
+                <a:ea typeface="+mn-ea"/>
+                <a:cs typeface="+mn-cs"/>
+              </a:rPr>
+              <a:t>The Northeast region of the USA has experienced the fewest number of flight incidents during IMC. </a:t>
+            </a:r>
+            <a:endParaRPr lang="en-US"/>
+          </a:p>
+        </p:txBody>
+      </p:sp>
+      <p:pic>
+        <p:nvPicPr>
+          <p:cNvPr id="7" name="Content Placeholder 6">
+            <a:extLst>
+              <a:ext uri="{FF2B5EF4-FFF2-40B4-BE49-F238E27FC236}">
+                <a16:creationId xmlns:a16="http://schemas.microsoft.com/office/drawing/2014/main" id="{A2CC2A6A-4263-D71C-1252-4A1A61BE1321}"/>
+              </a:ext>
+            </a:extLst>
+          </p:cNvPr>
+          <p:cNvPicPr>
+            <a:picLocks noChangeAspect="1"/>
+          </p:cNvPicPr>
+          <p:nvPr/>
+        </p:nvPicPr>
+        <p:blipFill>
+          <a:blip r:embed="rId2"/>
+          <a:srcRect/>
+          <a:stretch/>
+        </p:blipFill>
+        <p:spPr>
+          <a:xfrm>
+            <a:off x="6162543" y="2269161"/>
+            <a:ext cx="4524991" cy="3393743"/>
+          </a:xfrm>
+          <a:prstGeom prst="rect">
+            <a:avLst/>
+          </a:prstGeom>
+        </p:spPr>
+      </p:pic>
+      <p:sp>
+        <p:nvSpPr>
+          <p:cNvPr id="9" name="TextBox 8">
+            <a:extLst>
+              <a:ext uri="{FF2B5EF4-FFF2-40B4-BE49-F238E27FC236}">
+                <a16:creationId xmlns:a16="http://schemas.microsoft.com/office/drawing/2014/main" id="{99EC72F9-172F-03D4-C5F1-024689EB729B}"/>
+              </a:ext>
+            </a:extLst>
+          </p:cNvPr>
+          <p:cNvSpPr txBox="1"/>
+          <p:nvPr/>
+        </p:nvSpPr>
+        <p:spPr>
+          <a:xfrm>
+            <a:off x="1675165" y="5854433"/>
+            <a:ext cx="8563920" cy="333296"/>
+          </a:xfrm>
+          <a:prstGeom prst="rect">
+            <a:avLst/>
+          </a:prstGeom>
+          <a:noFill/>
+        </p:spPr>
+        <p:txBody>
+          <a:bodyPr wrap="square" rtlCol="0">
+            <a:spAutoFit/>
+          </a:bodyPr>
+          <a:lstStyle/>
+          <a:p>
+            <a:pPr algn="ctr" defTabSz="795528">
+              <a:spcAft>
+                <a:spcPts val="600"/>
+              </a:spcAft>
+            </a:pPr>
+            <a:r>
+              <a:rPr lang="en-US" sz="1566" b="1" i="1" kern="1200">
+                <a:solidFill>
+                  <a:schemeClr val="tx1"/>
+                </a:solidFill>
+                <a:latin typeface="+mn-lt"/>
+                <a:ea typeface="+mn-ea"/>
+                <a:cs typeface="+mn-cs"/>
+              </a:rPr>
+              <a:t>Northeast Region (Sates): </a:t>
+            </a:r>
+            <a:r>
+              <a:rPr lang="en-US" sz="1566" i="1" kern="1200">
+                <a:solidFill>
+                  <a:schemeClr val="tx1"/>
+                </a:solidFill>
+                <a:latin typeface="+mn-lt"/>
+                <a:ea typeface="+mn-ea"/>
+                <a:cs typeface="+mn-cs"/>
+              </a:rPr>
+              <a:t>[PA, NY, NJ, CT, RI, MA, VT, NH, ME]</a:t>
+            </a:r>
+            <a:endParaRPr lang="en-US" i="1"/>
           </a:p>
         </p:txBody>
       </p:sp>
     </p:spTree>
     <p:extLst>
       <p:ext uri="{BB962C8B-B14F-4D97-AF65-F5344CB8AC3E}">
-        <p14:creationId xmlns:p14="http://schemas.microsoft.com/office/powerpoint/2010/main" val="3467839132"/>
+        <p14:creationId xmlns:p14="http://schemas.microsoft.com/office/powerpoint/2010/main" val="178970177"/>
       </p:ext>
     </p:extLst>
   </p:cSld>
@@ -3944,6 +9182,14 @@
 <file path=ppt/slides/slide8.xml><?xml version="1.0" encoding="utf-8"?>
 <p:sld xmlns:a="http://schemas.openxmlformats.org/drawingml/2006/main" xmlns:r="http://schemas.openxmlformats.org/officeDocument/2006/relationships" xmlns:p="http://schemas.openxmlformats.org/presentationml/2006/main">
   <p:cSld>
+    <p:bg>
+      <p:bgPr>
+        <a:solidFill>
+          <a:schemeClr val="bg1"/>
+        </a:solidFill>
+        <a:effectLst/>
+      </p:bgPr>
+    </p:bg>
     <p:spTree>
       <p:nvGrpSpPr>
         <p:cNvPr id="1" name=""/>
@@ -3958,12 +9204,72 @@
           <a:chExt cx="0" cy="0"/>
         </a:xfrm>
       </p:grpSpPr>
+      <p:sp useBgFill="1">
+        <p:nvSpPr>
+          <p:cNvPr id="14" name="Rectangle 13">
+            <a:extLst>
+              <a:ext uri="{FF2B5EF4-FFF2-40B4-BE49-F238E27FC236}">
+                <a16:creationId xmlns:a16="http://schemas.microsoft.com/office/drawing/2014/main" id="{35DB3719-6FDC-4E5D-891D-FF40B7300F64}"/>
+              </a:ext>
+              <a:ext uri="{C183D7F6-B498-43B3-948B-1728B52AA6E4}">
+                <adec:decorative xmlns:adec="http://schemas.microsoft.com/office/drawing/2017/decorative" val="1"/>
+              </a:ext>
+            </a:extLst>
+          </p:cNvPr>
+          <p:cNvSpPr>
+            <a:spLocks noGrp="1" noRot="1" noChangeAspect="1" noMove="1" noResize="1" noEditPoints="1" noAdjustHandles="1" noChangeArrowheads="1" noChangeShapeType="1" noTextEdit="1"/>
+          </p:cNvSpPr>
+          <p:nvPr>
+            <p:extLst>
+              <p:ext uri="{386F3935-93C4-4BCD-93E2-E3B085C9AB24}">
+                <p16:designElem xmlns:p16="http://schemas.microsoft.com/office/powerpoint/2015/main" val="1"/>
+              </p:ext>
+            </p:extLst>
+          </p:nvPr>
+        </p:nvSpPr>
+        <p:spPr>
+          <a:xfrm>
+            <a:off x="0" y="0"/>
+            <a:ext cx="12188952" cy="6858000"/>
+          </a:xfrm>
+          <a:prstGeom prst="rect">
+            <a:avLst/>
+          </a:prstGeom>
+          <a:ln>
+            <a:noFill/>
+          </a:ln>
+        </p:spPr>
+        <p:style>
+          <a:lnRef idx="2">
+            <a:schemeClr val="accent1">
+              <a:shade val="50000"/>
+            </a:schemeClr>
+          </a:lnRef>
+          <a:fillRef idx="1">
+            <a:schemeClr val="accent1"/>
+          </a:fillRef>
+          <a:effectRef idx="0">
+            <a:schemeClr val="accent1"/>
+          </a:effectRef>
+          <a:fontRef idx="minor">
+            <a:schemeClr val="lt1"/>
+          </a:fontRef>
+        </p:style>
+        <p:txBody>
+          <a:bodyPr rtlCol="0" anchor="ctr"/>
+          <a:lstStyle/>
+          <a:p>
+            <a:pPr algn="ctr"/>
+            <a:endParaRPr lang="en-US"/>
+          </a:p>
+        </p:txBody>
+      </p:sp>
       <p:sp>
         <p:nvSpPr>
           <p:cNvPr id="2" name="Title 1">
             <a:extLst>
               <a:ext uri="{FF2B5EF4-FFF2-40B4-BE49-F238E27FC236}">
-                <a16:creationId xmlns:a16="http://schemas.microsoft.com/office/drawing/2014/main" id="{79E54822-5907-EC33-A3E9-FDBC411EA8EA}"/>
+                <a16:creationId xmlns:a16="http://schemas.microsoft.com/office/drawing/2014/main" id="{4F0859DE-1489-52A5-82B6-0687E3163D51}"/>
               </a:ext>
             </a:extLst>
           </p:cNvPr>
@@ -3974,50 +9280,869 @@
             <p:ph type="title"/>
           </p:nvPr>
         </p:nvSpPr>
-        <p:spPr/>
-        <p:txBody>
-          <a:bodyPr/>
+        <p:spPr>
+          <a:xfrm>
+            <a:off x="838200" y="365125"/>
+            <a:ext cx="10515600" cy="1325563"/>
+          </a:xfrm>
+        </p:spPr>
+        <p:txBody>
+          <a:bodyPr vert="horz" lIns="91440" tIns="45720" rIns="91440" bIns="45720" rtlCol="0" anchor="ctr">
+            <a:normAutofit fontScale="90000"/>
+          </a:bodyPr>
           <a:lstStyle/>
           <a:p>
             <a:r>
-              <a:rPr lang="en-US" dirty="0"/>
-              <a:t>Conclusions</a:t>
-            </a:r>
+              <a:rPr lang="en-US" sz="5400" b="1" dirty="0"/>
+              <a:t>Results: </a:t>
+            </a:r>
+            <a:r>
+              <a:rPr lang="en-US" sz="5400" dirty="0"/>
+              <a:t>Size of Jet (Passenger Capacity)</a:t>
+            </a:r>
+            <a:endParaRPr lang="en-US" sz="5400" kern="1200" dirty="0">
+              <a:solidFill>
+                <a:schemeClr val="tx1"/>
+              </a:solidFill>
+              <a:latin typeface="+mj-lt"/>
+              <a:ea typeface="+mj-ea"/>
+              <a:cs typeface="+mj-cs"/>
+            </a:endParaRPr>
           </a:p>
         </p:txBody>
       </p:sp>
       <p:sp>
         <p:nvSpPr>
+          <p:cNvPr id="16" name="sketch line">
+            <a:extLst>
+              <a:ext uri="{FF2B5EF4-FFF2-40B4-BE49-F238E27FC236}">
+                <a16:creationId xmlns:a16="http://schemas.microsoft.com/office/drawing/2014/main" id="{E0CBAC23-2E3F-4A90-BA59-F8299F6A5439}"/>
+              </a:ext>
+              <a:ext uri="{C183D7F6-B498-43B3-948B-1728B52AA6E4}">
+                <adec:decorative xmlns:adec="http://schemas.microsoft.com/office/drawing/2017/decorative" val="1"/>
+              </a:ext>
+            </a:extLst>
+          </p:cNvPr>
+          <p:cNvSpPr>
+            <a:spLocks noGrp="1" noRot="1" noChangeAspect="1" noMove="1" noResize="1" noEditPoints="1" noAdjustHandles="1" noChangeArrowheads="1" noChangeShapeType="1" noTextEdit="1"/>
+          </p:cNvSpPr>
+          <p:nvPr>
+            <p:extLst>
+              <p:ext uri="{386F3935-93C4-4BCD-93E2-E3B085C9AB24}">
+                <p16:designElem xmlns:p16="http://schemas.microsoft.com/office/powerpoint/2015/main" val="1"/>
+              </p:ext>
+            </p:extLst>
+          </p:nvPr>
+        </p:nvSpPr>
+        <p:spPr>
+          <a:xfrm>
+            <a:off x="838200" y="1865313"/>
+            <a:ext cx="10424160" cy="18288"/>
+          </a:xfrm>
+          <a:custGeom>
+            <a:avLst/>
+            <a:gdLst>
+              <a:gd name="connsiteX0" fmla="*/ 0 w 10424160"/>
+              <a:gd name="connsiteY0" fmla="*/ 0 h 18288"/>
+              <a:gd name="connsiteX1" fmla="*/ 903427 w 10424160"/>
+              <a:gd name="connsiteY1" fmla="*/ 0 h 18288"/>
+              <a:gd name="connsiteX2" fmla="*/ 1389888 w 10424160"/>
+              <a:gd name="connsiteY2" fmla="*/ 0 h 18288"/>
+              <a:gd name="connsiteX3" fmla="*/ 2189074 w 10424160"/>
+              <a:gd name="connsiteY3" fmla="*/ 0 h 18288"/>
+              <a:gd name="connsiteX4" fmla="*/ 2675534 w 10424160"/>
+              <a:gd name="connsiteY4" fmla="*/ 0 h 18288"/>
+              <a:gd name="connsiteX5" fmla="*/ 3370478 w 10424160"/>
+              <a:gd name="connsiteY5" fmla="*/ 0 h 18288"/>
+              <a:gd name="connsiteX6" fmla="*/ 4169664 w 10424160"/>
+              <a:gd name="connsiteY6" fmla="*/ 0 h 18288"/>
+              <a:gd name="connsiteX7" fmla="*/ 4551883 w 10424160"/>
+              <a:gd name="connsiteY7" fmla="*/ 0 h 18288"/>
+              <a:gd name="connsiteX8" fmla="*/ 4934102 w 10424160"/>
+              <a:gd name="connsiteY8" fmla="*/ 0 h 18288"/>
+              <a:gd name="connsiteX9" fmla="*/ 5837530 w 10424160"/>
+              <a:gd name="connsiteY9" fmla="*/ 0 h 18288"/>
+              <a:gd name="connsiteX10" fmla="*/ 6532474 w 10424160"/>
+              <a:gd name="connsiteY10" fmla="*/ 0 h 18288"/>
+              <a:gd name="connsiteX11" fmla="*/ 6914693 w 10424160"/>
+              <a:gd name="connsiteY11" fmla="*/ 0 h 18288"/>
+              <a:gd name="connsiteX12" fmla="*/ 7609637 w 10424160"/>
+              <a:gd name="connsiteY12" fmla="*/ 0 h 18288"/>
+              <a:gd name="connsiteX13" fmla="*/ 8513064 w 10424160"/>
+              <a:gd name="connsiteY13" fmla="*/ 0 h 18288"/>
+              <a:gd name="connsiteX14" fmla="*/ 9103766 w 10424160"/>
+              <a:gd name="connsiteY14" fmla="*/ 0 h 18288"/>
+              <a:gd name="connsiteX15" fmla="*/ 9694469 w 10424160"/>
+              <a:gd name="connsiteY15" fmla="*/ 0 h 18288"/>
+              <a:gd name="connsiteX16" fmla="*/ 10424160 w 10424160"/>
+              <a:gd name="connsiteY16" fmla="*/ 0 h 18288"/>
+              <a:gd name="connsiteX17" fmla="*/ 10424160 w 10424160"/>
+              <a:gd name="connsiteY17" fmla="*/ 18288 h 18288"/>
+              <a:gd name="connsiteX18" fmla="*/ 9729216 w 10424160"/>
+              <a:gd name="connsiteY18" fmla="*/ 18288 h 18288"/>
+              <a:gd name="connsiteX19" fmla="*/ 8930030 w 10424160"/>
+              <a:gd name="connsiteY19" fmla="*/ 18288 h 18288"/>
+              <a:gd name="connsiteX20" fmla="*/ 8130845 w 10424160"/>
+              <a:gd name="connsiteY20" fmla="*/ 18288 h 18288"/>
+              <a:gd name="connsiteX21" fmla="*/ 7644384 w 10424160"/>
+              <a:gd name="connsiteY21" fmla="*/ 18288 h 18288"/>
+              <a:gd name="connsiteX22" fmla="*/ 6740957 w 10424160"/>
+              <a:gd name="connsiteY22" fmla="*/ 18288 h 18288"/>
+              <a:gd name="connsiteX23" fmla="*/ 6046013 w 10424160"/>
+              <a:gd name="connsiteY23" fmla="*/ 18288 h 18288"/>
+              <a:gd name="connsiteX24" fmla="*/ 5663794 w 10424160"/>
+              <a:gd name="connsiteY24" fmla="*/ 18288 h 18288"/>
+              <a:gd name="connsiteX25" fmla="*/ 4968850 w 10424160"/>
+              <a:gd name="connsiteY25" fmla="*/ 18288 h 18288"/>
+              <a:gd name="connsiteX26" fmla="*/ 4378147 w 10424160"/>
+              <a:gd name="connsiteY26" fmla="*/ 18288 h 18288"/>
+              <a:gd name="connsiteX27" fmla="*/ 3787445 w 10424160"/>
+              <a:gd name="connsiteY27" fmla="*/ 18288 h 18288"/>
+              <a:gd name="connsiteX28" fmla="*/ 3196742 w 10424160"/>
+              <a:gd name="connsiteY28" fmla="*/ 18288 h 18288"/>
+              <a:gd name="connsiteX29" fmla="*/ 2606040 w 10424160"/>
+              <a:gd name="connsiteY29" fmla="*/ 18288 h 18288"/>
+              <a:gd name="connsiteX30" fmla="*/ 1806854 w 10424160"/>
+              <a:gd name="connsiteY30" fmla="*/ 18288 h 18288"/>
+              <a:gd name="connsiteX31" fmla="*/ 1111910 w 10424160"/>
+              <a:gd name="connsiteY31" fmla="*/ 18288 h 18288"/>
+              <a:gd name="connsiteX32" fmla="*/ 729691 w 10424160"/>
+              <a:gd name="connsiteY32" fmla="*/ 18288 h 18288"/>
+              <a:gd name="connsiteX33" fmla="*/ 0 w 10424160"/>
+              <a:gd name="connsiteY33" fmla="*/ 18288 h 18288"/>
+              <a:gd name="connsiteX34" fmla="*/ 0 w 10424160"/>
+              <a:gd name="connsiteY34" fmla="*/ 0 h 18288"/>
+            </a:gdLst>
+            <a:ahLst/>
+            <a:cxnLst>
+              <a:cxn ang="0">
+                <a:pos x="connsiteX0" y="connsiteY0"/>
+              </a:cxn>
+              <a:cxn ang="0">
+                <a:pos x="connsiteX1" y="connsiteY1"/>
+              </a:cxn>
+              <a:cxn ang="0">
+                <a:pos x="connsiteX2" y="connsiteY2"/>
+              </a:cxn>
+              <a:cxn ang="0">
+                <a:pos x="connsiteX3" y="connsiteY3"/>
+              </a:cxn>
+              <a:cxn ang="0">
+                <a:pos x="connsiteX4" y="connsiteY4"/>
+              </a:cxn>
+              <a:cxn ang="0">
+                <a:pos x="connsiteX5" y="connsiteY5"/>
+              </a:cxn>
+              <a:cxn ang="0">
+                <a:pos x="connsiteX6" y="connsiteY6"/>
+              </a:cxn>
+              <a:cxn ang="0">
+                <a:pos x="connsiteX7" y="connsiteY7"/>
+              </a:cxn>
+              <a:cxn ang="0">
+                <a:pos x="connsiteX8" y="connsiteY8"/>
+              </a:cxn>
+              <a:cxn ang="0">
+                <a:pos x="connsiteX9" y="connsiteY9"/>
+              </a:cxn>
+              <a:cxn ang="0">
+                <a:pos x="connsiteX10" y="connsiteY10"/>
+              </a:cxn>
+              <a:cxn ang="0">
+                <a:pos x="connsiteX11" y="connsiteY11"/>
+              </a:cxn>
+              <a:cxn ang="0">
+                <a:pos x="connsiteX12" y="connsiteY12"/>
+              </a:cxn>
+              <a:cxn ang="0">
+                <a:pos x="connsiteX13" y="connsiteY13"/>
+              </a:cxn>
+              <a:cxn ang="0">
+                <a:pos x="connsiteX14" y="connsiteY14"/>
+              </a:cxn>
+              <a:cxn ang="0">
+                <a:pos x="connsiteX15" y="connsiteY15"/>
+              </a:cxn>
+              <a:cxn ang="0">
+                <a:pos x="connsiteX16" y="connsiteY16"/>
+              </a:cxn>
+              <a:cxn ang="0">
+                <a:pos x="connsiteX17" y="connsiteY17"/>
+              </a:cxn>
+              <a:cxn ang="0">
+                <a:pos x="connsiteX18" y="connsiteY18"/>
+              </a:cxn>
+              <a:cxn ang="0">
+                <a:pos x="connsiteX19" y="connsiteY19"/>
+              </a:cxn>
+              <a:cxn ang="0">
+                <a:pos x="connsiteX20" y="connsiteY20"/>
+              </a:cxn>
+              <a:cxn ang="0">
+                <a:pos x="connsiteX21" y="connsiteY21"/>
+              </a:cxn>
+              <a:cxn ang="0">
+                <a:pos x="connsiteX22" y="connsiteY22"/>
+              </a:cxn>
+              <a:cxn ang="0">
+                <a:pos x="connsiteX23" y="connsiteY23"/>
+              </a:cxn>
+              <a:cxn ang="0">
+                <a:pos x="connsiteX24" y="connsiteY24"/>
+              </a:cxn>
+              <a:cxn ang="0">
+                <a:pos x="connsiteX25" y="connsiteY25"/>
+              </a:cxn>
+              <a:cxn ang="0">
+                <a:pos x="connsiteX26" y="connsiteY26"/>
+              </a:cxn>
+              <a:cxn ang="0">
+                <a:pos x="connsiteX27" y="connsiteY27"/>
+              </a:cxn>
+              <a:cxn ang="0">
+                <a:pos x="connsiteX28" y="connsiteY28"/>
+              </a:cxn>
+              <a:cxn ang="0">
+                <a:pos x="connsiteX29" y="connsiteY29"/>
+              </a:cxn>
+              <a:cxn ang="0">
+                <a:pos x="connsiteX30" y="connsiteY30"/>
+              </a:cxn>
+              <a:cxn ang="0">
+                <a:pos x="connsiteX31" y="connsiteY31"/>
+              </a:cxn>
+              <a:cxn ang="0">
+                <a:pos x="connsiteX32" y="connsiteY32"/>
+              </a:cxn>
+              <a:cxn ang="0">
+                <a:pos x="connsiteX33" y="connsiteY33"/>
+              </a:cxn>
+              <a:cxn ang="0">
+                <a:pos x="connsiteX34" y="connsiteY34"/>
+              </a:cxn>
+            </a:cxnLst>
+            <a:rect l="l" t="t" r="r" b="b"/>
+            <a:pathLst>
+              <a:path w="10424160" h="18288" fill="none" extrusionOk="0">
+                <a:moveTo>
+                  <a:pt x="0" y="0"/>
+                </a:moveTo>
+                <a:cubicBezTo>
+                  <a:pt x="251416" y="-3874"/>
+                  <a:pt x="479411" y="-20508"/>
+                  <a:pt x="903427" y="0"/>
+                </a:cubicBezTo>
+                <a:cubicBezTo>
+                  <a:pt x="1327443" y="20508"/>
+                  <a:pt x="1177990" y="-7387"/>
+                  <a:pt x="1389888" y="0"/>
+                </a:cubicBezTo>
+                <a:cubicBezTo>
+                  <a:pt x="1601786" y="7387"/>
+                  <a:pt x="1928602" y="-6697"/>
+                  <a:pt x="2189074" y="0"/>
+                </a:cubicBezTo>
+                <a:cubicBezTo>
+                  <a:pt x="2449546" y="6697"/>
+                  <a:pt x="2440085" y="-21144"/>
+                  <a:pt x="2675534" y="0"/>
+                </a:cubicBezTo>
+                <a:cubicBezTo>
+                  <a:pt x="2910983" y="21144"/>
+                  <a:pt x="3026158" y="-11124"/>
+                  <a:pt x="3370478" y="0"/>
+                </a:cubicBezTo>
+                <a:cubicBezTo>
+                  <a:pt x="3714798" y="11124"/>
+                  <a:pt x="3864539" y="-10660"/>
+                  <a:pt x="4169664" y="0"/>
+                </a:cubicBezTo>
+                <a:cubicBezTo>
+                  <a:pt x="4474789" y="10660"/>
+                  <a:pt x="4471218" y="16488"/>
+                  <a:pt x="4551883" y="0"/>
+                </a:cubicBezTo>
+                <a:cubicBezTo>
+                  <a:pt x="4632548" y="-16488"/>
+                  <a:pt x="4786830" y="7986"/>
+                  <a:pt x="4934102" y="0"/>
+                </a:cubicBezTo>
+                <a:cubicBezTo>
+                  <a:pt x="5081374" y="-7986"/>
+                  <a:pt x="5575881" y="-33003"/>
+                  <a:pt x="5837530" y="0"/>
+                </a:cubicBezTo>
+                <a:cubicBezTo>
+                  <a:pt x="6099179" y="33003"/>
+                  <a:pt x="6305895" y="14170"/>
+                  <a:pt x="6532474" y="0"/>
+                </a:cubicBezTo>
+                <a:cubicBezTo>
+                  <a:pt x="6759053" y="-14170"/>
+                  <a:pt x="6726707" y="16121"/>
+                  <a:pt x="6914693" y="0"/>
+                </a:cubicBezTo>
+                <a:cubicBezTo>
+                  <a:pt x="7102679" y="-16121"/>
+                  <a:pt x="7397857" y="32594"/>
+                  <a:pt x="7609637" y="0"/>
+                </a:cubicBezTo>
+                <a:cubicBezTo>
+                  <a:pt x="7821417" y="-32594"/>
+                  <a:pt x="8141235" y="-3745"/>
+                  <a:pt x="8513064" y="0"/>
+                </a:cubicBezTo>
+                <a:cubicBezTo>
+                  <a:pt x="8884893" y="3745"/>
+                  <a:pt x="8877548" y="3359"/>
+                  <a:pt x="9103766" y="0"/>
+                </a:cubicBezTo>
+                <a:cubicBezTo>
+                  <a:pt x="9329984" y="-3359"/>
+                  <a:pt x="9545570" y="-17843"/>
+                  <a:pt x="9694469" y="0"/>
+                </a:cubicBezTo>
+                <a:cubicBezTo>
+                  <a:pt x="9843368" y="17843"/>
+                  <a:pt x="10162477" y="-1217"/>
+                  <a:pt x="10424160" y="0"/>
+                </a:cubicBezTo>
+                <a:cubicBezTo>
+                  <a:pt x="10424498" y="7640"/>
+                  <a:pt x="10423710" y="11289"/>
+                  <a:pt x="10424160" y="18288"/>
+                </a:cubicBezTo>
+                <a:cubicBezTo>
+                  <a:pt x="10184680" y="20716"/>
+                  <a:pt x="10034768" y="-9357"/>
+                  <a:pt x="9729216" y="18288"/>
+                </a:cubicBezTo>
+                <a:cubicBezTo>
+                  <a:pt x="9423664" y="45933"/>
+                  <a:pt x="9309220" y="36372"/>
+                  <a:pt x="8930030" y="18288"/>
+                </a:cubicBezTo>
+                <a:cubicBezTo>
+                  <a:pt x="8550840" y="204"/>
+                  <a:pt x="8513376" y="34707"/>
+                  <a:pt x="8130845" y="18288"/>
+                </a:cubicBezTo>
+                <a:cubicBezTo>
+                  <a:pt x="7748315" y="1869"/>
+                  <a:pt x="7864674" y="19659"/>
+                  <a:pt x="7644384" y="18288"/>
+                </a:cubicBezTo>
+                <a:cubicBezTo>
+                  <a:pt x="7424094" y="16917"/>
+                  <a:pt x="6947001" y="55680"/>
+                  <a:pt x="6740957" y="18288"/>
+                </a:cubicBezTo>
+                <a:cubicBezTo>
+                  <a:pt x="6534913" y="-19104"/>
+                  <a:pt x="6313809" y="33391"/>
+                  <a:pt x="6046013" y="18288"/>
+                </a:cubicBezTo>
+                <a:cubicBezTo>
+                  <a:pt x="5778217" y="3185"/>
+                  <a:pt x="5786775" y="1439"/>
+                  <a:pt x="5663794" y="18288"/>
+                </a:cubicBezTo>
+                <a:cubicBezTo>
+                  <a:pt x="5540813" y="35137"/>
+                  <a:pt x="5204724" y="25434"/>
+                  <a:pt x="4968850" y="18288"/>
+                </a:cubicBezTo>
+                <a:cubicBezTo>
+                  <a:pt x="4732976" y="11142"/>
+                  <a:pt x="4559928" y="34568"/>
+                  <a:pt x="4378147" y="18288"/>
+                </a:cubicBezTo>
+                <a:cubicBezTo>
+                  <a:pt x="4196366" y="2008"/>
+                  <a:pt x="3992200" y="35409"/>
+                  <a:pt x="3787445" y="18288"/>
+                </a:cubicBezTo>
+                <a:cubicBezTo>
+                  <a:pt x="3582690" y="1167"/>
+                  <a:pt x="3488876" y="-7583"/>
+                  <a:pt x="3196742" y="18288"/>
+                </a:cubicBezTo>
+                <a:cubicBezTo>
+                  <a:pt x="2904608" y="44159"/>
+                  <a:pt x="2729828" y="45906"/>
+                  <a:pt x="2606040" y="18288"/>
+                </a:cubicBezTo>
+                <a:cubicBezTo>
+                  <a:pt x="2482252" y="-9330"/>
+                  <a:pt x="2000672" y="-5498"/>
+                  <a:pt x="1806854" y="18288"/>
+                </a:cubicBezTo>
+                <a:cubicBezTo>
+                  <a:pt x="1613036" y="42074"/>
+                  <a:pt x="1310933" y="-4240"/>
+                  <a:pt x="1111910" y="18288"/>
+                </a:cubicBezTo>
+                <a:cubicBezTo>
+                  <a:pt x="912887" y="40816"/>
+                  <a:pt x="891560" y="1701"/>
+                  <a:pt x="729691" y="18288"/>
+                </a:cubicBezTo>
+                <a:cubicBezTo>
+                  <a:pt x="567822" y="34875"/>
+                  <a:pt x="203025" y="34462"/>
+                  <a:pt x="0" y="18288"/>
+                </a:cubicBezTo>
+                <a:cubicBezTo>
+                  <a:pt x="-82" y="11708"/>
+                  <a:pt x="-178" y="8956"/>
+                  <a:pt x="0" y="0"/>
+                </a:cubicBezTo>
+                <a:close/>
+              </a:path>
+              <a:path w="10424160" h="18288" stroke="0" extrusionOk="0">
+                <a:moveTo>
+                  <a:pt x="0" y="0"/>
+                </a:moveTo>
+                <a:cubicBezTo>
+                  <a:pt x="119910" y="17195"/>
+                  <a:pt x="345032" y="1652"/>
+                  <a:pt x="590702" y="0"/>
+                </a:cubicBezTo>
+                <a:cubicBezTo>
+                  <a:pt x="836372" y="-1652"/>
+                  <a:pt x="830717" y="-10944"/>
+                  <a:pt x="972922" y="0"/>
+                </a:cubicBezTo>
+                <a:cubicBezTo>
+                  <a:pt x="1115127" y="10944"/>
+                  <a:pt x="1638708" y="17269"/>
+                  <a:pt x="1876349" y="0"/>
+                </a:cubicBezTo>
+                <a:cubicBezTo>
+                  <a:pt x="2113990" y="-17269"/>
+                  <a:pt x="2263529" y="27642"/>
+                  <a:pt x="2467051" y="0"/>
+                </a:cubicBezTo>
+                <a:cubicBezTo>
+                  <a:pt x="2670573" y="-27642"/>
+                  <a:pt x="2867743" y="-1552"/>
+                  <a:pt x="3057754" y="0"/>
+                </a:cubicBezTo>
+                <a:cubicBezTo>
+                  <a:pt x="3247765" y="1552"/>
+                  <a:pt x="3729099" y="45169"/>
+                  <a:pt x="3961181" y="0"/>
+                </a:cubicBezTo>
+                <a:cubicBezTo>
+                  <a:pt x="4193263" y="-45169"/>
+                  <a:pt x="4313735" y="4067"/>
+                  <a:pt x="4447642" y="0"/>
+                </a:cubicBezTo>
+                <a:cubicBezTo>
+                  <a:pt x="4581549" y="-4067"/>
+                  <a:pt x="5123626" y="11867"/>
+                  <a:pt x="5351069" y="0"/>
+                </a:cubicBezTo>
+                <a:cubicBezTo>
+                  <a:pt x="5578512" y="-11867"/>
+                  <a:pt x="6044105" y="-19983"/>
+                  <a:pt x="6254496" y="0"/>
+                </a:cubicBezTo>
+                <a:cubicBezTo>
+                  <a:pt x="6464887" y="19983"/>
+                  <a:pt x="6664731" y="4232"/>
+                  <a:pt x="6949440" y="0"/>
+                </a:cubicBezTo>
+                <a:cubicBezTo>
+                  <a:pt x="7234149" y="-4232"/>
+                  <a:pt x="7497205" y="28731"/>
+                  <a:pt x="7852867" y="0"/>
+                </a:cubicBezTo>
+                <a:cubicBezTo>
+                  <a:pt x="8208529" y="-28731"/>
+                  <a:pt x="8287556" y="2616"/>
+                  <a:pt x="8443570" y="0"/>
+                </a:cubicBezTo>
+                <a:cubicBezTo>
+                  <a:pt x="8599584" y="-2616"/>
+                  <a:pt x="8871283" y="-14113"/>
+                  <a:pt x="9034272" y="0"/>
+                </a:cubicBezTo>
+                <a:cubicBezTo>
+                  <a:pt x="9197261" y="14113"/>
+                  <a:pt x="9604978" y="-35623"/>
+                  <a:pt x="9833458" y="0"/>
+                </a:cubicBezTo>
+                <a:cubicBezTo>
+                  <a:pt x="10061938" y="35623"/>
+                  <a:pt x="10231944" y="-8194"/>
+                  <a:pt x="10424160" y="0"/>
+                </a:cubicBezTo>
+                <a:cubicBezTo>
+                  <a:pt x="10424285" y="4395"/>
+                  <a:pt x="10424085" y="9776"/>
+                  <a:pt x="10424160" y="18288"/>
+                </a:cubicBezTo>
+                <a:cubicBezTo>
+                  <a:pt x="10058736" y="-5772"/>
+                  <a:pt x="9942989" y="-18764"/>
+                  <a:pt x="9624974" y="18288"/>
+                </a:cubicBezTo>
+                <a:cubicBezTo>
+                  <a:pt x="9306959" y="55340"/>
+                  <a:pt x="9229263" y="24995"/>
+                  <a:pt x="8930030" y="18288"/>
+                </a:cubicBezTo>
+                <a:cubicBezTo>
+                  <a:pt x="8630797" y="11581"/>
+                  <a:pt x="8647263" y="10931"/>
+                  <a:pt x="8547811" y="18288"/>
+                </a:cubicBezTo>
+                <a:cubicBezTo>
+                  <a:pt x="8448359" y="25645"/>
+                  <a:pt x="8173221" y="219"/>
+                  <a:pt x="8061350" y="18288"/>
+                </a:cubicBezTo>
+                <a:cubicBezTo>
+                  <a:pt x="7949479" y="36357"/>
+                  <a:pt x="7437002" y="17516"/>
+                  <a:pt x="7157923" y="18288"/>
+                </a:cubicBezTo>
+                <a:cubicBezTo>
+                  <a:pt x="6878844" y="19060"/>
+                  <a:pt x="6610241" y="8864"/>
+                  <a:pt x="6462979" y="18288"/>
+                </a:cubicBezTo>
+                <a:cubicBezTo>
+                  <a:pt x="6315717" y="27712"/>
+                  <a:pt x="6124879" y="4989"/>
+                  <a:pt x="5976518" y="18288"/>
+                </a:cubicBezTo>
+                <a:cubicBezTo>
+                  <a:pt x="5828157" y="31587"/>
+                  <a:pt x="5566880" y="7112"/>
+                  <a:pt x="5281574" y="18288"/>
+                </a:cubicBezTo>
+                <a:cubicBezTo>
+                  <a:pt x="4996268" y="29464"/>
+                  <a:pt x="5085614" y="20493"/>
+                  <a:pt x="4899355" y="18288"/>
+                </a:cubicBezTo>
+                <a:cubicBezTo>
+                  <a:pt x="4713096" y="16083"/>
+                  <a:pt x="4606138" y="34359"/>
+                  <a:pt x="4517136" y="18288"/>
+                </a:cubicBezTo>
+                <a:cubicBezTo>
+                  <a:pt x="4428134" y="2217"/>
+                  <a:pt x="4125335" y="52414"/>
+                  <a:pt x="3822192" y="18288"/>
+                </a:cubicBezTo>
+                <a:cubicBezTo>
+                  <a:pt x="3519049" y="-15838"/>
+                  <a:pt x="3453132" y="3859"/>
+                  <a:pt x="3335731" y="18288"/>
+                </a:cubicBezTo>
+                <a:cubicBezTo>
+                  <a:pt x="3218330" y="32717"/>
+                  <a:pt x="2718749" y="-13936"/>
+                  <a:pt x="2536546" y="18288"/>
+                </a:cubicBezTo>
+                <a:cubicBezTo>
+                  <a:pt x="2354343" y="50512"/>
+                  <a:pt x="2190669" y="3238"/>
+                  <a:pt x="2050085" y="18288"/>
+                </a:cubicBezTo>
+                <a:cubicBezTo>
+                  <a:pt x="1909501" y="33338"/>
+                  <a:pt x="1520975" y="3062"/>
+                  <a:pt x="1250899" y="18288"/>
+                </a:cubicBezTo>
+                <a:cubicBezTo>
+                  <a:pt x="980823" y="33514"/>
+                  <a:pt x="992936" y="28036"/>
+                  <a:pt x="868680" y="18288"/>
+                </a:cubicBezTo>
+                <a:cubicBezTo>
+                  <a:pt x="744424" y="8540"/>
+                  <a:pt x="230364" y="33365"/>
+                  <a:pt x="0" y="18288"/>
+                </a:cubicBezTo>
+                <a:cubicBezTo>
+                  <a:pt x="-504" y="12101"/>
+                  <a:pt x="-591" y="7719"/>
+                  <a:pt x="0" y="0"/>
+                </a:cubicBezTo>
+                <a:close/>
+              </a:path>
+            </a:pathLst>
+          </a:custGeom>
+          <a:solidFill>
+            <a:schemeClr val="accent2"/>
+          </a:solidFill>
+          <a:ln w="41275" cap="rnd">
+            <a:solidFill>
+              <a:schemeClr val="accent2"/>
+            </a:solidFill>
+            <a:round/>
+            <a:extLst>
+              <a:ext uri="{C807C97D-BFC1-408E-A445-0C87EB9F89A2}">
+                <ask:lineSketchStyleProps xmlns:ask="http://schemas.microsoft.com/office/drawing/2018/sketchyshapes" sd="1219033472">
+                  <a:prstGeom prst="rect">
+                    <a:avLst/>
+                  </a:prstGeom>
+                  <ask:type>
+                    <ask:lineSketchFreehand/>
+                  </ask:type>
+                </ask:lineSketchStyleProps>
+              </a:ext>
+            </a:extLst>
+          </a:ln>
+        </p:spPr>
+        <p:style>
+          <a:lnRef idx="2">
+            <a:schemeClr val="accent1">
+              <a:shade val="50000"/>
+            </a:schemeClr>
+          </a:lnRef>
+          <a:fillRef idx="1">
+            <a:schemeClr val="accent1"/>
+          </a:fillRef>
+          <a:effectRef idx="0">
+            <a:schemeClr val="accent1"/>
+          </a:effectRef>
+          <a:fontRef idx="minor">
+            <a:schemeClr val="lt1"/>
+          </a:fontRef>
+        </p:style>
+        <p:txBody>
+          <a:bodyPr rtlCol="0" anchor="ctr"/>
+          <a:lstStyle/>
+          <a:p>
+            <a:pPr algn="ctr"/>
+            <a:endParaRPr lang="en-US"/>
+          </a:p>
+        </p:txBody>
+      </p:sp>
+      <p:sp>
+        <p:nvSpPr>
           <p:cNvPr id="3" name="Content Placeholder 2">
             <a:extLst>
               <a:ext uri="{FF2B5EF4-FFF2-40B4-BE49-F238E27FC236}">
-                <a16:creationId xmlns:a16="http://schemas.microsoft.com/office/drawing/2014/main" id="{5B9EFD29-301E-C8E2-4A0C-3EE03AAD91AC}"/>
-              </a:ext>
-            </a:extLst>
-          </p:cNvPr>
-          <p:cNvSpPr>
-            <a:spLocks noGrp="1"/>
-          </p:cNvSpPr>
-          <p:nvPr>
-            <p:ph idx="1"/>
-          </p:nvPr>
-        </p:nvSpPr>
-        <p:spPr/>
-        <p:txBody>
-          <a:bodyPr/>
+                <a16:creationId xmlns:a16="http://schemas.microsoft.com/office/drawing/2014/main" id="{32E81E55-C70B-65B4-64DB-E5B945E04334}"/>
+              </a:ext>
+            </a:extLst>
+          </p:cNvPr>
+          <p:cNvSpPr>
+            <a:spLocks/>
+          </p:cNvSpPr>
+          <p:nvPr/>
+        </p:nvSpPr>
+        <p:spPr>
+          <a:xfrm>
+            <a:off x="1504465" y="2228087"/>
+            <a:ext cx="4524991" cy="3799939"/>
+          </a:xfrm>
+          <a:prstGeom prst="rect">
+            <a:avLst/>
+          </a:prstGeom>
+        </p:spPr>
+        <p:txBody>
+          <a:bodyPr>
+            <a:normAutofit fontScale="85000" lnSpcReduction="10000"/>
+          </a:bodyPr>
           <a:lstStyle/>
           <a:p>
             <a:r>
-              <a:rPr lang="en-US" dirty="0"/>
-              <a:t>Present your conclusions about the project here. Can include business recommendations, project limitations, and or future improvement ideas. </a:t>
-            </a:r>
-          </a:p>
-        </p:txBody>
-      </p:sp>
+              <a:rPr lang="en-US" sz="2400" dirty="0"/>
+              <a:t>Jets can come in all different sizes (passenger capacities)</a:t>
+            </a:r>
+            <a:r>
+              <a:rPr lang="en-US" sz="2400" b="0" i="0" dirty="0">
+                <a:effectLst/>
+                <a:highlight>
+                  <a:srgbClr val="FFFFFF"/>
+                </a:highlight>
+                <a:latin typeface="system-ui"/>
+              </a:rPr>
+              <a:t>.</a:t>
+            </a:r>
+          </a:p>
+          <a:p>
+            <a:endParaRPr lang="en-US" sz="2400" dirty="0"/>
+          </a:p>
+          <a:p>
+            <a:r>
+              <a:rPr lang="en-US" sz="2400" dirty="0"/>
+              <a:t>I have r</a:t>
+            </a:r>
+            <a:r>
+              <a:rPr lang="en-US" sz="2400" b="0" i="0" dirty="0">
+                <a:effectLst/>
+                <a:highlight>
+                  <a:srgbClr val="FFFFFF"/>
+                </a:highlight>
+                <a:latin typeface="system-ui"/>
+              </a:rPr>
+              <a:t>un an analysis to see if certain Jet sizes are more prone to experiencing fatal incidents during their plights.</a:t>
+            </a:r>
+          </a:p>
+          <a:p>
+            <a:endParaRPr lang="en-US" sz="2400" b="0" i="0" dirty="0">
+              <a:effectLst/>
+              <a:highlight>
+                <a:srgbClr val="FFFFFF"/>
+              </a:highlight>
+              <a:latin typeface="system-ui"/>
+            </a:endParaRPr>
+          </a:p>
+          <a:p>
+            <a:r>
+              <a:rPr lang="en-US" sz="2400" dirty="0">
+                <a:highlight>
+                  <a:srgbClr val="FFFFFF"/>
+                </a:highlight>
+                <a:latin typeface="system-ui"/>
+              </a:rPr>
+              <a:t>Personal Jets seem to have a significantly higher fatality rate than all other sizes of jets.</a:t>
+            </a:r>
+          </a:p>
+          <a:p>
+            <a:endParaRPr lang="en-US" sz="2400" dirty="0">
+              <a:highlight>
+                <a:srgbClr val="FFFFFF"/>
+              </a:highlight>
+              <a:latin typeface="system-ui"/>
+            </a:endParaRPr>
+          </a:p>
+          <a:p>
+            <a:r>
+              <a:rPr lang="en-US" sz="2400" dirty="0">
+                <a:highlight>
+                  <a:srgbClr val="FFFFFF"/>
+                </a:highlight>
+                <a:latin typeface="system-ui"/>
+              </a:rPr>
+              <a:t>Jumbo Jets have experienced the fewest fatal incidents since 1962. </a:t>
+            </a:r>
+            <a:endParaRPr lang="en-US" sz="2400" dirty="0"/>
+          </a:p>
+        </p:txBody>
+      </p:sp>
+      <p:sp>
+        <p:nvSpPr>
+          <p:cNvPr id="9" name="TextBox 8">
+            <a:extLst>
+              <a:ext uri="{FF2B5EF4-FFF2-40B4-BE49-F238E27FC236}">
+                <a16:creationId xmlns:a16="http://schemas.microsoft.com/office/drawing/2014/main" id="{99EC72F9-172F-03D4-C5F1-024689EB729B}"/>
+              </a:ext>
+            </a:extLst>
+          </p:cNvPr>
+          <p:cNvSpPr txBox="1"/>
+          <p:nvPr/>
+        </p:nvSpPr>
+        <p:spPr>
+          <a:xfrm>
+            <a:off x="1675165" y="5947197"/>
+            <a:ext cx="8563920" cy="584775"/>
+          </a:xfrm>
+          <a:prstGeom prst="rect">
+            <a:avLst/>
+          </a:prstGeom>
+          <a:noFill/>
+        </p:spPr>
+        <p:txBody>
+          <a:bodyPr wrap="square" rtlCol="0">
+            <a:spAutoFit/>
+          </a:bodyPr>
+          <a:lstStyle/>
+          <a:p>
+            <a:pPr algn="ctr"/>
+            <a:r>
+              <a:rPr lang="en-US" sz="1600" b="1" i="1" dirty="0"/>
+              <a:t>Personal: </a:t>
+            </a:r>
+            <a:r>
+              <a:rPr lang="en-US" sz="1600" i="1" dirty="0"/>
+              <a:t>&lt;= 10 passengers, </a:t>
+            </a:r>
+            <a:r>
+              <a:rPr lang="en-US" sz="1600" b="1" i="1" dirty="0"/>
+              <a:t>Small: </a:t>
+            </a:r>
+            <a:r>
+              <a:rPr lang="en-US" sz="1600" i="1" dirty="0"/>
+              <a:t>11 &lt;= passengers &lt;= 50, </a:t>
+            </a:r>
+            <a:r>
+              <a:rPr lang="en-US" sz="1600" b="1" i="1" dirty="0"/>
+              <a:t>Medium: </a:t>
+            </a:r>
+            <a:r>
+              <a:rPr lang="en-US" sz="1600" i="1" dirty="0"/>
+              <a:t>51 &lt;= passengers&lt;= 100</a:t>
+            </a:r>
+          </a:p>
+          <a:p>
+            <a:pPr algn="ctr"/>
+            <a:r>
+              <a:rPr lang="en-US" sz="1600" i="1" dirty="0"/>
+              <a:t> </a:t>
+            </a:r>
+            <a:r>
+              <a:rPr lang="en-US" sz="1600" b="1" i="1" dirty="0"/>
+              <a:t>Large: </a:t>
+            </a:r>
+            <a:r>
+              <a:rPr lang="en-US" sz="1600" i="1" dirty="0"/>
+              <a:t>101 &lt;= passengers &lt;= 200, </a:t>
+            </a:r>
+            <a:r>
+              <a:rPr lang="en-US" sz="1600" b="1" i="1" dirty="0"/>
+              <a:t>Jumbo: </a:t>
+            </a:r>
+            <a:r>
+              <a:rPr lang="en-US" sz="1600" i="1" dirty="0"/>
+              <a:t>&gt; 200 passengers </a:t>
+            </a:r>
+            <a:endParaRPr lang="en-US" sz="1600" b="1" i="1" dirty="0"/>
+          </a:p>
+        </p:txBody>
+      </p:sp>
+      <p:pic>
+        <p:nvPicPr>
+          <p:cNvPr id="5" name="Content Placeholder 6" descr="A graph with blue rectangular bars&#10;&#10;Description automatically generated">
+            <a:extLst>
+              <a:ext uri="{FF2B5EF4-FFF2-40B4-BE49-F238E27FC236}">
+                <a16:creationId xmlns:a16="http://schemas.microsoft.com/office/drawing/2014/main" id="{19CF132A-B5F7-23EF-53A2-118EF8F1C398}"/>
+              </a:ext>
+            </a:extLst>
+          </p:cNvPr>
+          <p:cNvPicPr>
+            <a:picLocks noChangeAspect="1"/>
+          </p:cNvPicPr>
+          <p:nvPr/>
+        </p:nvPicPr>
+        <p:blipFill>
+          <a:blip r:embed="rId2"/>
+          <a:stretch>
+            <a:fillRect/>
+          </a:stretch>
+        </p:blipFill>
+        <p:spPr>
+          <a:xfrm>
+            <a:off x="6172200" y="1968233"/>
+            <a:ext cx="5181600" cy="3886200"/>
+          </a:xfrm>
+          <a:prstGeom prst="rect">
+            <a:avLst/>
+          </a:prstGeom>
+        </p:spPr>
+      </p:pic>
     </p:spTree>
     <p:extLst>
       <p:ext uri="{BB962C8B-B14F-4D97-AF65-F5344CB8AC3E}">
-        <p14:creationId xmlns:p14="http://schemas.microsoft.com/office/powerpoint/2010/main" val="2229213626"/>
+        <p14:creationId xmlns:p14="http://schemas.microsoft.com/office/powerpoint/2010/main" val="4212076425"/>
       </p:ext>
     </p:extLst>
   </p:cSld>
@@ -4030,6 +10155,14 @@
 <file path=ppt/slides/slide9.xml><?xml version="1.0" encoding="utf-8"?>
 <p:sld xmlns:a="http://schemas.openxmlformats.org/drawingml/2006/main" xmlns:r="http://schemas.openxmlformats.org/officeDocument/2006/relationships" xmlns:p="http://schemas.openxmlformats.org/presentationml/2006/main">
   <p:cSld>
+    <p:bg>
+      <p:bgPr>
+        <a:solidFill>
+          <a:schemeClr val="bg1"/>
+        </a:solidFill>
+        <a:effectLst/>
+      </p:bgPr>
+    </p:bg>
     <p:spTree>
       <p:nvGrpSpPr>
         <p:cNvPr id="1" name=""/>
@@ -4044,12 +10177,72 @@
           <a:chExt cx="0" cy="0"/>
         </a:xfrm>
       </p:grpSpPr>
+      <p:sp useBgFill="1">
+        <p:nvSpPr>
+          <p:cNvPr id="12" name="Rectangle 11">
+            <a:extLst>
+              <a:ext uri="{FF2B5EF4-FFF2-40B4-BE49-F238E27FC236}">
+                <a16:creationId xmlns:a16="http://schemas.microsoft.com/office/drawing/2014/main" id="{743AA782-23D1-4521-8CAD-47662984AA08}"/>
+              </a:ext>
+              <a:ext uri="{C183D7F6-B498-43B3-948B-1728B52AA6E4}">
+                <adec:decorative xmlns:adec="http://schemas.microsoft.com/office/drawing/2017/decorative" val="1"/>
+              </a:ext>
+            </a:extLst>
+          </p:cNvPr>
+          <p:cNvSpPr>
+            <a:spLocks noGrp="1" noRot="1" noChangeAspect="1" noMove="1" noResize="1" noEditPoints="1" noAdjustHandles="1" noChangeArrowheads="1" noChangeShapeType="1" noTextEdit="1"/>
+          </p:cNvSpPr>
+          <p:nvPr>
+            <p:extLst>
+              <p:ext uri="{386F3935-93C4-4BCD-93E2-E3B085C9AB24}">
+                <p16:designElem xmlns:p16="http://schemas.microsoft.com/office/powerpoint/2015/main" val="1"/>
+              </p:ext>
+            </p:extLst>
+          </p:nvPr>
+        </p:nvSpPr>
+        <p:spPr>
+          <a:xfrm>
+            <a:off x="0" y="0"/>
+            <a:ext cx="12192000" cy="6858000"/>
+          </a:xfrm>
+          <a:prstGeom prst="rect">
+            <a:avLst/>
+          </a:prstGeom>
+          <a:ln>
+            <a:noFill/>
+          </a:ln>
+        </p:spPr>
+        <p:style>
+          <a:lnRef idx="2">
+            <a:schemeClr val="accent1">
+              <a:shade val="50000"/>
+            </a:schemeClr>
+          </a:lnRef>
+          <a:fillRef idx="1">
+            <a:schemeClr val="accent1"/>
+          </a:fillRef>
+          <a:effectRef idx="0">
+            <a:schemeClr val="accent1"/>
+          </a:effectRef>
+          <a:fontRef idx="minor">
+            <a:schemeClr val="lt1"/>
+          </a:fontRef>
+        </p:style>
+        <p:txBody>
+          <a:bodyPr rtlCol="0" anchor="ctr"/>
+          <a:lstStyle/>
+          <a:p>
+            <a:pPr algn="ctr"/>
+            <a:endParaRPr lang="en-US"/>
+          </a:p>
+        </p:txBody>
+      </p:sp>
       <p:sp>
         <p:nvSpPr>
           <p:cNvPr id="2" name="Title 1">
             <a:extLst>
               <a:ext uri="{FF2B5EF4-FFF2-40B4-BE49-F238E27FC236}">
-                <a16:creationId xmlns:a16="http://schemas.microsoft.com/office/drawing/2014/main" id="{78DAA4D4-FFFD-2EFD-01C9-643E3147363E}"/>
+                <a16:creationId xmlns:a16="http://schemas.microsoft.com/office/drawing/2014/main" id="{4F0859DE-1489-52A5-82B6-0687E3163D51}"/>
               </a:ext>
             </a:extLst>
           </p:cNvPr>
@@ -4060,24 +10253,322 @@
             <p:ph type="title"/>
           </p:nvPr>
         </p:nvSpPr>
-        <p:spPr/>
-        <p:txBody>
-          <a:bodyPr/>
+        <p:spPr>
+          <a:xfrm>
+            <a:off x="630936" y="640080"/>
+            <a:ext cx="4818888" cy="1481328"/>
+          </a:xfrm>
+        </p:spPr>
+        <p:txBody>
+          <a:bodyPr vert="horz" lIns="91440" tIns="45720" rIns="91440" bIns="45720" rtlCol="0" anchor="b">
+            <a:normAutofit/>
+          </a:bodyPr>
           <a:lstStyle/>
           <a:p>
             <a:r>
-              <a:rPr lang="en-US" dirty="0"/>
-              <a:t>Thank you!</a:t>
+              <a:rPr lang="en-US" sz="5000" b="1" kern="1200">
+                <a:solidFill>
+                  <a:schemeClr val="tx1"/>
+                </a:solidFill>
+                <a:latin typeface="+mj-lt"/>
+                <a:ea typeface="+mj-ea"/>
+                <a:cs typeface="+mj-cs"/>
+              </a:rPr>
+              <a:t>Results: </a:t>
+            </a:r>
+            <a:r>
+              <a:rPr lang="en-US" sz="5000" kern="1200">
+                <a:solidFill>
+                  <a:schemeClr val="tx1"/>
+                </a:solidFill>
+                <a:latin typeface="+mj-lt"/>
+                <a:ea typeface="+mj-ea"/>
+                <a:cs typeface="+mj-cs"/>
+              </a:rPr>
+              <a:t>Type of Jet Engine</a:t>
             </a:r>
           </a:p>
         </p:txBody>
       </p:sp>
       <p:sp>
         <p:nvSpPr>
+          <p:cNvPr id="14" name="sketch line">
+            <a:extLst>
+              <a:ext uri="{FF2B5EF4-FFF2-40B4-BE49-F238E27FC236}">
+                <a16:creationId xmlns:a16="http://schemas.microsoft.com/office/drawing/2014/main" id="{71877DBC-BB60-40F0-AC93-2ACDBAAE60CE}"/>
+              </a:ext>
+              <a:ext uri="{C183D7F6-B498-43B3-948B-1728B52AA6E4}">
+                <adec:decorative xmlns:adec="http://schemas.microsoft.com/office/drawing/2017/decorative" val="1"/>
+              </a:ext>
+            </a:extLst>
+          </p:cNvPr>
+          <p:cNvSpPr>
+            <a:spLocks noGrp="1" noRot="1" noChangeAspect="1" noMove="1" noResize="1" noEditPoints="1" noAdjustHandles="1" noChangeArrowheads="1" noChangeShapeType="1" noTextEdit="1"/>
+          </p:cNvSpPr>
+          <p:nvPr>
+            <p:extLst>
+              <p:ext uri="{386F3935-93C4-4BCD-93E2-E3B085C9AB24}">
+                <p16:designElem xmlns:p16="http://schemas.microsoft.com/office/powerpoint/2015/main" val="1"/>
+              </p:ext>
+            </p:extLst>
+          </p:nvPr>
+        </p:nvSpPr>
+        <p:spPr>
+          <a:xfrm>
+            <a:off x="643278" y="2372868"/>
+            <a:ext cx="3255095" cy="18288"/>
+          </a:xfrm>
+          <a:custGeom>
+            <a:avLst/>
+            <a:gdLst>
+              <a:gd name="connsiteX0" fmla="*/ 0 w 3255095"/>
+              <a:gd name="connsiteY0" fmla="*/ 0 h 18288"/>
+              <a:gd name="connsiteX1" fmla="*/ 618468 w 3255095"/>
+              <a:gd name="connsiteY1" fmla="*/ 0 h 18288"/>
+              <a:gd name="connsiteX2" fmla="*/ 1269487 w 3255095"/>
+              <a:gd name="connsiteY2" fmla="*/ 0 h 18288"/>
+              <a:gd name="connsiteX3" fmla="*/ 1953057 w 3255095"/>
+              <a:gd name="connsiteY3" fmla="*/ 0 h 18288"/>
+              <a:gd name="connsiteX4" fmla="*/ 2636627 w 3255095"/>
+              <a:gd name="connsiteY4" fmla="*/ 0 h 18288"/>
+              <a:gd name="connsiteX5" fmla="*/ 3255095 w 3255095"/>
+              <a:gd name="connsiteY5" fmla="*/ 0 h 18288"/>
+              <a:gd name="connsiteX6" fmla="*/ 3255095 w 3255095"/>
+              <a:gd name="connsiteY6" fmla="*/ 18288 h 18288"/>
+              <a:gd name="connsiteX7" fmla="*/ 2538974 w 3255095"/>
+              <a:gd name="connsiteY7" fmla="*/ 18288 h 18288"/>
+              <a:gd name="connsiteX8" fmla="*/ 1822853 w 3255095"/>
+              <a:gd name="connsiteY8" fmla="*/ 18288 h 18288"/>
+              <a:gd name="connsiteX9" fmla="*/ 1171834 w 3255095"/>
+              <a:gd name="connsiteY9" fmla="*/ 18288 h 18288"/>
+              <a:gd name="connsiteX10" fmla="*/ 0 w 3255095"/>
+              <a:gd name="connsiteY10" fmla="*/ 18288 h 18288"/>
+              <a:gd name="connsiteX11" fmla="*/ 0 w 3255095"/>
+              <a:gd name="connsiteY11" fmla="*/ 0 h 18288"/>
+            </a:gdLst>
+            <a:ahLst/>
+            <a:cxnLst>
+              <a:cxn ang="0">
+                <a:pos x="connsiteX0" y="connsiteY0"/>
+              </a:cxn>
+              <a:cxn ang="0">
+                <a:pos x="connsiteX1" y="connsiteY1"/>
+              </a:cxn>
+              <a:cxn ang="0">
+                <a:pos x="connsiteX2" y="connsiteY2"/>
+              </a:cxn>
+              <a:cxn ang="0">
+                <a:pos x="connsiteX3" y="connsiteY3"/>
+              </a:cxn>
+              <a:cxn ang="0">
+                <a:pos x="connsiteX4" y="connsiteY4"/>
+              </a:cxn>
+              <a:cxn ang="0">
+                <a:pos x="connsiteX5" y="connsiteY5"/>
+              </a:cxn>
+              <a:cxn ang="0">
+                <a:pos x="connsiteX6" y="connsiteY6"/>
+              </a:cxn>
+              <a:cxn ang="0">
+                <a:pos x="connsiteX7" y="connsiteY7"/>
+              </a:cxn>
+              <a:cxn ang="0">
+                <a:pos x="connsiteX8" y="connsiteY8"/>
+              </a:cxn>
+              <a:cxn ang="0">
+                <a:pos x="connsiteX9" y="connsiteY9"/>
+              </a:cxn>
+              <a:cxn ang="0">
+                <a:pos x="connsiteX10" y="connsiteY10"/>
+              </a:cxn>
+              <a:cxn ang="0">
+                <a:pos x="connsiteX11" y="connsiteY11"/>
+              </a:cxn>
+            </a:cxnLst>
+            <a:rect l="l" t="t" r="r" b="b"/>
+            <a:pathLst>
+              <a:path w="3255095" h="18288" fill="none" extrusionOk="0">
+                <a:moveTo>
+                  <a:pt x="0" y="0"/>
+                </a:moveTo>
+                <a:cubicBezTo>
+                  <a:pt x="240201" y="-22123"/>
+                  <a:pt x="462021" y="-19623"/>
+                  <a:pt x="618468" y="0"/>
+                </a:cubicBezTo>
+                <a:cubicBezTo>
+                  <a:pt x="774915" y="19623"/>
+                  <a:pt x="974734" y="2035"/>
+                  <a:pt x="1269487" y="0"/>
+                </a:cubicBezTo>
+                <a:cubicBezTo>
+                  <a:pt x="1564240" y="-2035"/>
+                  <a:pt x="1733579" y="10639"/>
+                  <a:pt x="1953057" y="0"/>
+                </a:cubicBezTo>
+                <a:cubicBezTo>
+                  <a:pt x="2172535" y="-10639"/>
+                  <a:pt x="2453962" y="14018"/>
+                  <a:pt x="2636627" y="0"/>
+                </a:cubicBezTo>
+                <a:cubicBezTo>
+                  <a:pt x="2819292" y="-14018"/>
+                  <a:pt x="3121375" y="5399"/>
+                  <a:pt x="3255095" y="0"/>
+                </a:cubicBezTo>
+                <a:cubicBezTo>
+                  <a:pt x="3254386" y="8157"/>
+                  <a:pt x="3254682" y="12125"/>
+                  <a:pt x="3255095" y="18288"/>
+                </a:cubicBezTo>
+                <a:cubicBezTo>
+                  <a:pt x="3088545" y="23203"/>
+                  <a:pt x="2687475" y="7419"/>
+                  <a:pt x="2538974" y="18288"/>
+                </a:cubicBezTo>
+                <a:cubicBezTo>
+                  <a:pt x="2390473" y="29157"/>
+                  <a:pt x="2137381" y="-8959"/>
+                  <a:pt x="1822853" y="18288"/>
+                </a:cubicBezTo>
+                <a:cubicBezTo>
+                  <a:pt x="1508325" y="45535"/>
+                  <a:pt x="1466437" y="20385"/>
+                  <a:pt x="1171834" y="18288"/>
+                </a:cubicBezTo>
+                <a:cubicBezTo>
+                  <a:pt x="877231" y="16191"/>
+                  <a:pt x="561097" y="37643"/>
+                  <a:pt x="0" y="18288"/>
+                </a:cubicBezTo>
+                <a:cubicBezTo>
+                  <a:pt x="-46" y="12483"/>
+                  <a:pt x="-203" y="6491"/>
+                  <a:pt x="0" y="0"/>
+                </a:cubicBezTo>
+                <a:close/>
+              </a:path>
+              <a:path w="3255095" h="18288" stroke="0" extrusionOk="0">
+                <a:moveTo>
+                  <a:pt x="0" y="0"/>
+                </a:moveTo>
+                <a:cubicBezTo>
+                  <a:pt x="291965" y="19429"/>
+                  <a:pt x="363155" y="8568"/>
+                  <a:pt x="618468" y="0"/>
+                </a:cubicBezTo>
+                <a:cubicBezTo>
+                  <a:pt x="873781" y="-8568"/>
+                  <a:pt x="904459" y="-19505"/>
+                  <a:pt x="1171834" y="0"/>
+                </a:cubicBezTo>
+                <a:cubicBezTo>
+                  <a:pt x="1439209" y="19505"/>
+                  <a:pt x="1744369" y="9790"/>
+                  <a:pt x="1887955" y="0"/>
+                </a:cubicBezTo>
+                <a:cubicBezTo>
+                  <a:pt x="2031541" y="-9790"/>
+                  <a:pt x="2346378" y="21240"/>
+                  <a:pt x="2506423" y="0"/>
+                </a:cubicBezTo>
+                <a:cubicBezTo>
+                  <a:pt x="2666468" y="-21240"/>
+                  <a:pt x="2990257" y="30414"/>
+                  <a:pt x="3255095" y="0"/>
+                </a:cubicBezTo>
+                <a:cubicBezTo>
+                  <a:pt x="3254831" y="4493"/>
+                  <a:pt x="3255479" y="9472"/>
+                  <a:pt x="3255095" y="18288"/>
+                </a:cubicBezTo>
+                <a:cubicBezTo>
+                  <a:pt x="3120743" y="16690"/>
+                  <a:pt x="2759628" y="42462"/>
+                  <a:pt x="2604076" y="18288"/>
+                </a:cubicBezTo>
+                <a:cubicBezTo>
+                  <a:pt x="2448524" y="-5886"/>
+                  <a:pt x="2184336" y="19599"/>
+                  <a:pt x="1887955" y="18288"/>
+                </a:cubicBezTo>
+                <a:cubicBezTo>
+                  <a:pt x="1591574" y="16977"/>
+                  <a:pt x="1548845" y="6870"/>
+                  <a:pt x="1334589" y="18288"/>
+                </a:cubicBezTo>
+                <a:cubicBezTo>
+                  <a:pt x="1120333" y="29706"/>
+                  <a:pt x="996014" y="9662"/>
+                  <a:pt x="683570" y="18288"/>
+                </a:cubicBezTo>
+                <a:cubicBezTo>
+                  <a:pt x="371126" y="26914"/>
+                  <a:pt x="198687" y="16167"/>
+                  <a:pt x="0" y="18288"/>
+                </a:cubicBezTo>
+                <a:cubicBezTo>
+                  <a:pt x="843" y="9577"/>
+                  <a:pt x="371" y="6900"/>
+                  <a:pt x="0" y="0"/>
+                </a:cubicBezTo>
+                <a:close/>
+              </a:path>
+            </a:pathLst>
+          </a:custGeom>
+          <a:solidFill>
+            <a:schemeClr val="accent2"/>
+          </a:solidFill>
+          <a:ln w="38100" cap="rnd">
+            <a:solidFill>
+              <a:schemeClr val="accent2"/>
+            </a:solidFill>
+            <a:round/>
+            <a:extLst>
+              <a:ext uri="{C807C97D-BFC1-408E-A445-0C87EB9F89A2}">
+                <ask:lineSketchStyleProps xmlns:ask="http://schemas.microsoft.com/office/drawing/2018/sketchyshapes" sd="1219033472">
+                  <a:prstGeom prst="rect">
+                    <a:avLst/>
+                  </a:prstGeom>
+                  <ask:type>
+                    <ask:lineSketchFreehand/>
+                  </ask:type>
+                </ask:lineSketchStyleProps>
+              </a:ext>
+            </a:extLst>
+          </a:ln>
+        </p:spPr>
+        <p:style>
+          <a:lnRef idx="2">
+            <a:schemeClr val="accent1">
+              <a:shade val="50000"/>
+            </a:schemeClr>
+          </a:lnRef>
+          <a:fillRef idx="1">
+            <a:schemeClr val="accent1"/>
+          </a:fillRef>
+          <a:effectRef idx="0">
+            <a:schemeClr val="accent1"/>
+          </a:effectRef>
+          <a:fontRef idx="minor">
+            <a:schemeClr val="lt1"/>
+          </a:fontRef>
+        </p:style>
+        <p:txBody>
+          <a:bodyPr rtlCol="0" anchor="ctr"/>
+          <a:lstStyle/>
+          <a:p>
+            <a:pPr algn="ctr"/>
+            <a:endParaRPr lang="en-US"/>
+          </a:p>
+        </p:txBody>
+      </p:sp>
+      <p:sp>
+        <p:nvSpPr>
           <p:cNvPr id="3" name="Content Placeholder 2">
             <a:extLst>
               <a:ext uri="{FF2B5EF4-FFF2-40B4-BE49-F238E27FC236}">
-                <a16:creationId xmlns:a16="http://schemas.microsoft.com/office/drawing/2014/main" id="{0BD5B9ED-93D5-01EC-1337-16AE76E3F779}"/>
+                <a16:creationId xmlns:a16="http://schemas.microsoft.com/office/drawing/2014/main" id="{32E81E55-C70B-65B4-64DB-E5B945E04334}"/>
               </a:ext>
             </a:extLst>
           </p:cNvPr>
@@ -4085,51 +10576,112 @@
             <a:spLocks noGrp="1"/>
           </p:cNvSpPr>
           <p:nvPr>
-            <p:ph idx="1"/>
+            <p:ph sz="half" idx="1"/>
           </p:nvPr>
         </p:nvSpPr>
-        <p:spPr/>
-        <p:txBody>
-          <a:bodyPr/>
+        <p:spPr>
+          <a:xfrm>
+            <a:off x="630936" y="2660904"/>
+            <a:ext cx="4818888" cy="3547872"/>
+          </a:xfrm>
+        </p:spPr>
+        <p:txBody>
+          <a:bodyPr vert="horz" lIns="91440" tIns="45720" rIns="91440" bIns="45720" rtlCol="0" anchor="t">
+            <a:normAutofit/>
+          </a:bodyPr>
           <a:lstStyle/>
           <a:p>
-            <a:r>
-              <a:rPr lang="en-US" dirty="0"/>
-              <a:t>Email: </a:t>
-            </a:r>
-            <a:r>
-              <a:rPr lang="en-US" dirty="0">
-                <a:hlinkClick r:id="rId2"/>
+            <a:pPr marL="0" indent="0">
+              <a:buNone/>
+            </a:pPr>
+            <a:r>
+              <a:rPr lang="en-US" sz="2000" dirty="0"/>
+              <a:t>Different types of Jets utilize different types of engines to propel themselves. </a:t>
+            </a:r>
+            <a:endParaRPr lang="en-US" sz="2000" b="0" i="0" dirty="0">
+              <a:effectLst/>
+              <a:highlight>
+                <a:srgbClr val="FFFFFF"/>
+              </a:highlight>
+            </a:endParaRPr>
+          </a:p>
+          <a:p>
+            <a:pPr marL="0" indent="0">
+              <a:buNone/>
+            </a:pPr>
+            <a:r>
+              <a:rPr lang="en-US" sz="2000" dirty="0"/>
+              <a:t>I have r</a:t>
+            </a:r>
+            <a:r>
+              <a:rPr lang="en-US" sz="2000" b="0" i="0" dirty="0">
+                <a:effectLst/>
+                <a:highlight>
+                  <a:srgbClr val="FFFFFF"/>
+                </a:highlight>
               </a:rPr>
-              <a:t>A.J.Reusche@gmail.com</a:t>
-            </a:r>
-            <a:endParaRPr lang="en-US" dirty="0"/>
-          </a:p>
-          <a:p>
-            <a:r>
-              <a:rPr lang="en-US" dirty="0" err="1"/>
-              <a:t>Github</a:t>
-            </a:r>
-            <a:r>
-              <a:rPr lang="en-US" dirty="0"/>
-              <a:t>: </a:t>
-            </a:r>
-          </a:p>
-          <a:p>
-            <a:r>
-              <a:rPr lang="en-US"/>
-              <a:t>LinkedIn:</a:t>
-            </a:r>
-          </a:p>
-          <a:p>
-            <a:endParaRPr lang="en-US" dirty="0"/>
-          </a:p>
-        </p:txBody>
-      </p:sp>
+              <a:t>un an analysis to see if there is a type of jet engine that has experienced fewer fatal incidents than the other </a:t>
+            </a:r>
+            <a:r>
+              <a:rPr lang="en-US" sz="2000" dirty="0">
+                <a:highlight>
+                  <a:srgbClr val="FFFFFF"/>
+                </a:highlight>
+              </a:rPr>
+              <a:t>options. </a:t>
+            </a:r>
+          </a:p>
+          <a:p>
+            <a:pPr marL="0" indent="0">
+              <a:buNone/>
+            </a:pPr>
+            <a:r>
+              <a:rPr lang="en-US" sz="2000" dirty="0">
+                <a:highlight>
+                  <a:srgbClr val="FFFFFF"/>
+                </a:highlight>
+              </a:rPr>
+              <a:t>Jets with Turbo Jet Engines have experienced the fewest fatal incidents compared to Jets with other engine types. </a:t>
+            </a:r>
+          </a:p>
+        </p:txBody>
+      </p:sp>
+      <p:pic>
+        <p:nvPicPr>
+          <p:cNvPr id="7" name="Content Placeholder 6" descr="A graph of a number of jets&#10;&#10;Description automatically generated">
+            <a:extLst>
+              <a:ext uri="{FF2B5EF4-FFF2-40B4-BE49-F238E27FC236}">
+                <a16:creationId xmlns:a16="http://schemas.microsoft.com/office/drawing/2014/main" id="{C89BD1E7-8E08-6FED-7D9E-0BC3FA8036D3}"/>
+              </a:ext>
+            </a:extLst>
+          </p:cNvPr>
+          <p:cNvPicPr>
+            <a:picLocks noGrp="1" noChangeAspect="1"/>
+          </p:cNvPicPr>
+          <p:nvPr>
+            <p:ph sz="half" idx="2"/>
+          </p:nvPr>
+        </p:nvPicPr>
+        <p:blipFill>
+          <a:blip r:embed="rId2"/>
+          <a:stretch>
+            <a:fillRect/>
+          </a:stretch>
+        </p:blipFill>
+        <p:spPr>
+          <a:xfrm>
+            <a:off x="6099048" y="1381886"/>
+            <a:ext cx="5458968" cy="4094227"/>
+          </a:xfrm>
+          <a:prstGeom prst="rect">
+            <a:avLst/>
+          </a:prstGeom>
+        </p:spPr>
+      </p:pic>
     </p:spTree>
     <p:extLst>
       <p:ext uri="{BB962C8B-B14F-4D97-AF65-F5344CB8AC3E}">
-        <p14:creationId xmlns:p14="http://schemas.microsoft.com/office/powerpoint/2010/main" val="230203907"/>
+        <p14:creationId xmlns:p14="http://schemas.microsoft.com/office/powerpoint/2010/main" val="2784764448"/>
       </p:ext>
     </p:extLst>
   </p:cSld>
